--- a/Теория игр.pptx
+++ b/Теория игр.pptx
@@ -5,7 +5,7 @@
     <p:sldMasterId id="2147483660" r:id="rId1"/>
   </p:sldMasterIdLst>
   <p:notesMasterIdLst>
-    <p:notesMasterId r:id="rId16"/>
+    <p:notesMasterId r:id="rId20"/>
   </p:notesMasterIdLst>
   <p:sldIdLst>
     <p:sldId id="256" r:id="rId2"/>
@@ -13,15 +13,19 @@
     <p:sldId id="258" r:id="rId4"/>
     <p:sldId id="259" r:id="rId5"/>
     <p:sldId id="260" r:id="rId6"/>
-    <p:sldId id="261" r:id="rId7"/>
-    <p:sldId id="262" r:id="rId8"/>
-    <p:sldId id="263" r:id="rId9"/>
-    <p:sldId id="264" r:id="rId10"/>
-    <p:sldId id="265" r:id="rId11"/>
-    <p:sldId id="266" r:id="rId12"/>
-    <p:sldId id="267" r:id="rId13"/>
-    <p:sldId id="268" r:id="rId14"/>
-    <p:sldId id="269" r:id="rId15"/>
+    <p:sldId id="275" r:id="rId7"/>
+    <p:sldId id="261" r:id="rId8"/>
+    <p:sldId id="262" r:id="rId9"/>
+    <p:sldId id="270" r:id="rId10"/>
+    <p:sldId id="271" r:id="rId11"/>
+    <p:sldId id="273" r:id="rId12"/>
+    <p:sldId id="274" r:id="rId13"/>
+    <p:sldId id="264" r:id="rId14"/>
+    <p:sldId id="265" r:id="rId15"/>
+    <p:sldId id="266" r:id="rId16"/>
+    <p:sldId id="267" r:id="rId17"/>
+    <p:sldId id="268" r:id="rId18"/>
+    <p:sldId id="269" r:id="rId19"/>
   </p:sldIdLst>
   <p:sldSz cx="12192000" cy="6858000"/>
   <p:notesSz cx="6858000" cy="9144000"/>
@@ -210,7 +214,7 @@
           <a:p>
             <a:fld id="{94E1C538-87E4-4DE4-99E6-9B8ECB63D56D}" type="datetimeFigureOut">
               <a:rPr lang="ru-RU" smtClean="0"/>
-              <a:t>29.08.2022</a:t>
+              <a:t>30.08.2022</a:t>
             </a:fld>
             <a:endParaRPr lang="ru-RU"/>
           </a:p>
@@ -627,7 +631,91 @@
           <a:p>
             <a:fld id="{BCA39248-8A7A-4A72-9D9C-0A929E740399}" type="slidenum">
               <a:rPr lang="ru-RU" smtClean="0"/>
-              <a:t>14</a:t>
+              <a:t>9</a:t>
+            </a:fld>
+            <a:endParaRPr lang="ru-RU"/>
+          </a:p>
+        </p:txBody>
+      </p:sp>
+    </p:spTree>
+    <p:extLst>
+      <p:ext uri="{BB962C8B-B14F-4D97-AF65-F5344CB8AC3E}">
+        <p14:creationId xmlns:p14="http://schemas.microsoft.com/office/powerpoint/2010/main" val="3699650322"/>
+      </p:ext>
+    </p:extLst>
+  </p:cSld>
+  <p:clrMapOvr>
+    <a:masterClrMapping/>
+  </p:clrMapOvr>
+</p:notes>
+</file>
+
+<file path=ppt/notesSlides/notesSlide3.xml><?xml version="1.0" encoding="utf-8"?>
+<p:notes xmlns:a="http://schemas.openxmlformats.org/drawingml/2006/main" xmlns:r="http://schemas.openxmlformats.org/officeDocument/2006/relationships" xmlns:p="http://schemas.openxmlformats.org/presentationml/2006/main">
+  <p:cSld>
+    <p:spTree>
+      <p:nvGrpSpPr>
+        <p:cNvPr id="1" name=""/>
+        <p:cNvGrpSpPr/>
+        <p:nvPr/>
+      </p:nvGrpSpPr>
+      <p:grpSpPr>
+        <a:xfrm>
+          <a:off x="0" y="0"/>
+          <a:ext cx="0" cy="0"/>
+          <a:chOff x="0" y="0"/>
+          <a:chExt cx="0" cy="0"/>
+        </a:xfrm>
+      </p:grpSpPr>
+      <p:sp>
+        <p:nvSpPr>
+          <p:cNvPr id="2" name="Образ слайда 1"/>
+          <p:cNvSpPr>
+            <a:spLocks noGrp="1" noRot="1" noChangeAspect="1"/>
+          </p:cNvSpPr>
+          <p:nvPr>
+            <p:ph type="sldImg"/>
+          </p:nvPr>
+        </p:nvSpPr>
+        <p:spPr/>
+      </p:sp>
+      <p:sp>
+        <p:nvSpPr>
+          <p:cNvPr id="3" name="Заметки 2"/>
+          <p:cNvSpPr>
+            <a:spLocks noGrp="1"/>
+          </p:cNvSpPr>
+          <p:nvPr>
+            <p:ph type="body" idx="1"/>
+          </p:nvPr>
+        </p:nvSpPr>
+        <p:spPr/>
+        <p:txBody>
+          <a:bodyPr/>
+          <a:lstStyle/>
+          <a:p>
+            <a:endParaRPr lang="ru-RU" dirty="0"/>
+          </a:p>
+        </p:txBody>
+      </p:sp>
+      <p:sp>
+        <p:nvSpPr>
+          <p:cNvPr id="4" name="Номер слайда 3"/>
+          <p:cNvSpPr>
+            <a:spLocks noGrp="1"/>
+          </p:cNvSpPr>
+          <p:nvPr>
+            <p:ph type="sldNum" sz="quarter" idx="10"/>
+          </p:nvPr>
+        </p:nvSpPr>
+        <p:spPr/>
+        <p:txBody>
+          <a:bodyPr/>
+          <a:lstStyle/>
+          <a:p>
+            <a:fld id="{BCA39248-8A7A-4A72-9D9C-0A929E740399}" type="slidenum">
+              <a:rPr lang="ru-RU" smtClean="0"/>
+              <a:t>18</a:t>
             </a:fld>
             <a:endParaRPr lang="ru-RU"/>
           </a:p>
@@ -846,7 +934,7 @@
           <a:p>
             <a:fld id="{58587613-E176-4450-A606-FD9966C4FF53}" type="datetimeFigureOut">
               <a:rPr lang="ru-RU" smtClean="0"/>
-              <a:t>29.08.2022</a:t>
+              <a:t>30.08.2022</a:t>
             </a:fld>
             <a:endParaRPr lang="ru-RU"/>
           </a:p>
@@ -1036,7 +1124,7 @@
           <a:p>
             <a:fld id="{58587613-E176-4450-A606-FD9966C4FF53}" type="datetimeFigureOut">
               <a:rPr lang="ru-RU" smtClean="0"/>
-              <a:t>29.08.2022</a:t>
+              <a:t>30.08.2022</a:t>
             </a:fld>
             <a:endParaRPr lang="ru-RU"/>
           </a:p>
@@ -1216,7 +1304,7 @@
           <a:p>
             <a:fld id="{58587613-E176-4450-A606-FD9966C4FF53}" type="datetimeFigureOut">
               <a:rPr lang="ru-RU" smtClean="0"/>
-              <a:t>29.08.2022</a:t>
+              <a:t>30.08.2022</a:t>
             </a:fld>
             <a:endParaRPr lang="ru-RU"/>
           </a:p>
@@ -1386,7 +1474,7 @@
           <a:p>
             <a:fld id="{58587613-E176-4450-A606-FD9966C4FF53}" type="datetimeFigureOut">
               <a:rPr lang="ru-RU" smtClean="0"/>
-              <a:t>29.08.2022</a:t>
+              <a:t>30.08.2022</a:t>
             </a:fld>
             <a:endParaRPr lang="ru-RU"/>
           </a:p>
@@ -1642,7 +1730,7 @@
           <a:p>
             <a:fld id="{58587613-E176-4450-A606-FD9966C4FF53}" type="datetimeFigureOut">
               <a:rPr lang="ru-RU" smtClean="0"/>
-              <a:t>29.08.2022</a:t>
+              <a:t>30.08.2022</a:t>
             </a:fld>
             <a:endParaRPr lang="ru-RU"/>
           </a:p>
@@ -1930,7 +2018,7 @@
           <a:p>
             <a:fld id="{58587613-E176-4450-A606-FD9966C4FF53}" type="datetimeFigureOut">
               <a:rPr lang="ru-RU" smtClean="0"/>
-              <a:t>29.08.2022</a:t>
+              <a:t>30.08.2022</a:t>
             </a:fld>
             <a:endParaRPr lang="ru-RU"/>
           </a:p>
@@ -2368,7 +2456,7 @@
           <a:p>
             <a:fld id="{58587613-E176-4450-A606-FD9966C4FF53}" type="datetimeFigureOut">
               <a:rPr lang="ru-RU" smtClean="0"/>
-              <a:t>29.08.2022</a:t>
+              <a:t>30.08.2022</a:t>
             </a:fld>
             <a:endParaRPr lang="ru-RU"/>
           </a:p>
@@ -2486,7 +2574,7 @@
           <a:p>
             <a:fld id="{58587613-E176-4450-A606-FD9966C4FF53}" type="datetimeFigureOut">
               <a:rPr lang="ru-RU" smtClean="0"/>
-              <a:t>29.08.2022</a:t>
+              <a:t>30.08.2022</a:t>
             </a:fld>
             <a:endParaRPr lang="ru-RU"/>
           </a:p>
@@ -2581,7 +2669,7 @@
           <a:p>
             <a:fld id="{58587613-E176-4450-A606-FD9966C4FF53}" type="datetimeFigureOut">
               <a:rPr lang="ru-RU" smtClean="0"/>
-              <a:t>29.08.2022</a:t>
+              <a:t>30.08.2022</a:t>
             </a:fld>
             <a:endParaRPr lang="ru-RU"/>
           </a:p>
@@ -2937,7 +3025,7 @@
           <a:p>
             <a:fld id="{58587613-E176-4450-A606-FD9966C4FF53}" type="datetimeFigureOut">
               <a:rPr lang="ru-RU" smtClean="0"/>
-              <a:t>29.08.2022</a:t>
+              <a:t>30.08.2022</a:t>
             </a:fld>
             <a:endParaRPr lang="ru-RU"/>
           </a:p>
@@ -3253,7 +3341,7 @@
           <a:p>
             <a:fld id="{58587613-E176-4450-A606-FD9966C4FF53}" type="datetimeFigureOut">
               <a:rPr lang="ru-RU" smtClean="0"/>
-              <a:t>29.08.2022</a:t>
+              <a:t>30.08.2022</a:t>
             </a:fld>
             <a:endParaRPr lang="ru-RU"/>
           </a:p>
@@ -3486,7 +3574,7 @@
           <a:p>
             <a:fld id="{58587613-E176-4450-A606-FD9966C4FF53}" type="datetimeFigureOut">
               <a:rPr lang="ru-RU" smtClean="0"/>
-              <a:t>29.08.2022</a:t>
+              <a:t>30.08.2022</a:t>
             </a:fld>
             <a:endParaRPr lang="ru-RU"/>
           </a:p>
@@ -4305,66 +4393,778 @@
           <a:chExt cx="0" cy="0"/>
         </a:xfrm>
       </p:grpSpPr>
-      <p:sp>
-        <p:nvSpPr>
-          <p:cNvPr id="2" name="Заголовок 1"/>
-          <p:cNvSpPr>
-            <a:spLocks noGrp="1"/>
-          </p:cNvSpPr>
-          <p:nvPr>
-            <p:ph type="title"/>
-          </p:nvPr>
-        </p:nvSpPr>
-        <p:spPr>
-          <a:xfrm>
-            <a:off x="179143" y="-142875"/>
-            <a:ext cx="10772775" cy="1658198"/>
-          </a:xfrm>
-        </p:spPr>
-        <p:txBody>
-          <a:bodyPr/>
-          <a:lstStyle/>
-          <a:p>
-            <a:r>
-              <a:rPr lang="ru-RU" dirty="0" smtClean="0"/>
-              <a:t>Теория по решение заданий</a:t>
-            </a:r>
-            <a:endParaRPr lang="ru-RU" dirty="0"/>
-          </a:p>
-        </p:txBody>
-      </p:sp>
       <p:pic>
         <p:nvPicPr>
-          <p:cNvPr id="5" name="Объект 4"/>
+          <p:cNvPr id="5" name="Picture 2" descr="https://cdn.zeptoh.com/image/materlise.png"/>
           <p:cNvPicPr>
-            <a:picLocks noGrp="1" noChangeAspect="1"/>
+            <a:picLocks noChangeAspect="1" noChangeArrowheads="1"/>
           </p:cNvPicPr>
-          <p:nvPr>
-            <p:ph idx="1"/>
-          </p:nvPr>
+          <p:nvPr/>
         </p:nvPicPr>
         <p:blipFill>
-          <a:blip r:embed="rId2">
+          <a:blip r:embed="rId2" cstate="print">
             <a:extLst>
               <a:ext uri="{28A0092B-C50C-407E-A947-70E740481C1C}">
                 <a14:useLocalDpi xmlns:a14="http://schemas.microsoft.com/office/drawing/2010/main" val="0"/>
               </a:ext>
             </a:extLst>
           </a:blip>
+          <a:srcRect/>
           <a:stretch>
             <a:fillRect/>
           </a:stretch>
         </p:blipFill>
+        <p:spPr bwMode="auto">
+          <a:xfrm>
+            <a:off x="19049" y="5965613"/>
+            <a:ext cx="809625" cy="892387"/>
+          </a:xfrm>
+          <a:prstGeom prst="rect">
+            <a:avLst/>
+          </a:prstGeom>
+          <a:noFill/>
+          <a:extLst>
+            <a:ext uri="{909E8E84-426E-40DD-AFC4-6F175D3DCCD1}">
+              <a14:hiddenFill xmlns:a14="http://schemas.microsoft.com/office/drawing/2010/main">
+                <a:solidFill>
+                  <a:srgbClr val="FFFFFF"/>
+                </a:solidFill>
+              </a14:hiddenFill>
+            </a:ext>
+          </a:extLst>
+        </p:spPr>
+      </p:pic>
+      <p:sp>
+        <p:nvSpPr>
+          <p:cNvPr id="6" name="Прямоугольник 5"/>
+          <p:cNvSpPr/>
+          <p:nvPr/>
+        </p:nvSpPr>
         <p:spPr>
           <a:xfrm>
-            <a:off x="178291" y="1299186"/>
-            <a:ext cx="5387240" cy="4209289"/>
+            <a:off x="828674" y="5934670"/>
+            <a:ext cx="6096000" cy="923330"/>
           </a:xfrm>
+          <a:prstGeom prst="rect">
+            <a:avLst/>
+          </a:prstGeom>
         </p:spPr>
-      </p:pic>
+        <p:txBody>
+          <a:bodyPr>
+            <a:spAutoFit/>
+          </a:bodyPr>
+          <a:lstStyle/>
+          <a:p>
+            <a:r>
+              <a:rPr lang="en-US" b="1" dirty="0" smtClean="0"/>
+              <a:t>Materialize – </a:t>
+            </a:r>
+            <a:r>
+              <a:rPr lang="ru-RU" dirty="0" smtClean="0"/>
+              <a:t>Фреймворк, который был создан компанией </a:t>
+            </a:r>
+            <a:r>
+              <a:rPr lang="en-US" dirty="0" smtClean="0"/>
+              <a:t>Google</a:t>
+            </a:r>
+            <a:r>
+              <a:rPr lang="ru-RU" dirty="0" smtClean="0"/>
+              <a:t>, для </a:t>
+            </a:r>
+            <a:r>
+              <a:rPr lang="ru-RU" dirty="0"/>
+              <a:t>упрощения стилизации веб-страницы, а также добавления </a:t>
+            </a:r>
+            <a:r>
+              <a:rPr lang="ru-RU" dirty="0" smtClean="0"/>
+              <a:t>адаптивности</a:t>
+            </a:r>
+            <a:endParaRPr lang="ru-RU" dirty="0"/>
+          </a:p>
+        </p:txBody>
+      </p:sp>
+      <p:sp>
+        <p:nvSpPr>
+          <p:cNvPr id="11" name="Объект 2"/>
+          <p:cNvSpPr txBox="1">
+            <a:spLocks/>
+          </p:cNvSpPr>
+          <p:nvPr/>
+        </p:nvSpPr>
+        <p:spPr>
+          <a:xfrm>
+            <a:off x="2913598" y="753949"/>
+            <a:ext cx="7561386" cy="354281"/>
+          </a:xfrm>
+          <a:prstGeom prst="rect">
+            <a:avLst/>
+          </a:prstGeom>
+        </p:spPr>
+        <p:txBody>
+          <a:bodyPr vert="horz" lIns="91440" tIns="45720" rIns="91440" bIns="45720" rtlCol="0">
+            <a:normAutofit fontScale="77500" lnSpcReduction="20000"/>
+          </a:bodyPr>
+          <a:lstStyle>
+            <a:lvl1pPr marL="91440" indent="-91440" algn="l" defTabSz="914400" rtl="0" eaLnBrk="1" latinLnBrk="0" hangingPunct="1">
+              <a:lnSpc>
+                <a:spcPct val="85000"/>
+              </a:lnSpc>
+              <a:spcBef>
+                <a:spcPts val="1300"/>
+              </a:spcBef>
+              <a:buFont typeface="Arial" pitchFamily="34" charset="0"/>
+              <a:buChar char=" "/>
+              <a:defRPr sz="2400" kern="1200">
+                <a:solidFill>
+                  <a:schemeClr val="tx1">
+                    <a:lumMod val="85000"/>
+                    <a:lumOff val="15000"/>
+                  </a:schemeClr>
+                </a:solidFill>
+                <a:latin typeface="+mn-lt"/>
+                <a:ea typeface="+mn-ea"/>
+                <a:cs typeface="+mn-cs"/>
+              </a:defRPr>
+            </a:lvl1pPr>
+            <a:lvl2pPr marL="347472" indent="-342900" algn="l" defTabSz="914400" rtl="0" eaLnBrk="1" latinLnBrk="0" hangingPunct="1">
+              <a:lnSpc>
+                <a:spcPct val="85000"/>
+              </a:lnSpc>
+              <a:spcBef>
+                <a:spcPts val="600"/>
+              </a:spcBef>
+              <a:buFont typeface="Arial" pitchFamily="34" charset="0"/>
+              <a:buChar char=" "/>
+              <a:defRPr sz="2400" kern="1200">
+                <a:solidFill>
+                  <a:schemeClr val="tx1">
+                    <a:lumMod val="85000"/>
+                    <a:lumOff val="15000"/>
+                  </a:schemeClr>
+                </a:solidFill>
+                <a:latin typeface="+mn-lt"/>
+                <a:ea typeface="+mn-ea"/>
+                <a:cs typeface="+mn-cs"/>
+              </a:defRPr>
+            </a:lvl2pPr>
+            <a:lvl3pPr marL="548640" indent="-548640" algn="l" defTabSz="914400" rtl="0" eaLnBrk="1" latinLnBrk="0" hangingPunct="1">
+              <a:lnSpc>
+                <a:spcPct val="85000"/>
+              </a:lnSpc>
+              <a:spcBef>
+                <a:spcPts val="600"/>
+              </a:spcBef>
+              <a:buFont typeface="Arial" pitchFamily="34" charset="0"/>
+              <a:buChar char=" "/>
+              <a:defRPr sz="2000" i="1" kern="1200">
+                <a:solidFill>
+                  <a:schemeClr val="tx1">
+                    <a:lumMod val="85000"/>
+                    <a:lumOff val="15000"/>
+                  </a:schemeClr>
+                </a:solidFill>
+                <a:latin typeface="+mn-lt"/>
+                <a:ea typeface="+mn-ea"/>
+                <a:cs typeface="+mn-cs"/>
+              </a:defRPr>
+            </a:lvl3pPr>
+            <a:lvl4pPr marL="822960" indent="-822960" algn="l" defTabSz="914400" rtl="0" eaLnBrk="1" latinLnBrk="0" hangingPunct="1">
+              <a:lnSpc>
+                <a:spcPct val="85000"/>
+              </a:lnSpc>
+              <a:spcBef>
+                <a:spcPts val="600"/>
+              </a:spcBef>
+              <a:buFont typeface="Arial" pitchFamily="34" charset="0"/>
+              <a:buChar char=" "/>
+              <a:defRPr sz="1800" kern="1200">
+                <a:solidFill>
+                  <a:schemeClr val="tx1">
+                    <a:lumMod val="85000"/>
+                    <a:lumOff val="15000"/>
+                  </a:schemeClr>
+                </a:solidFill>
+                <a:latin typeface="+mn-lt"/>
+                <a:ea typeface="+mn-ea"/>
+                <a:cs typeface="+mn-cs"/>
+              </a:defRPr>
+            </a:lvl4pPr>
+            <a:lvl5pPr marL="1097280" indent="-1097280" algn="l" defTabSz="914400" rtl="0" eaLnBrk="1" latinLnBrk="0" hangingPunct="1">
+              <a:lnSpc>
+                <a:spcPct val="85000"/>
+              </a:lnSpc>
+              <a:spcBef>
+                <a:spcPts val="600"/>
+              </a:spcBef>
+              <a:buFont typeface="Arial" pitchFamily="34" charset="0"/>
+              <a:buChar char=" "/>
+              <a:defRPr sz="1800" kern="1200">
+                <a:solidFill>
+                  <a:schemeClr val="tx1">
+                    <a:lumMod val="85000"/>
+                    <a:lumOff val="15000"/>
+                  </a:schemeClr>
+                </a:solidFill>
+                <a:latin typeface="+mn-lt"/>
+                <a:ea typeface="+mn-ea"/>
+                <a:cs typeface="+mn-cs"/>
+              </a:defRPr>
+            </a:lvl5pPr>
+            <a:lvl6pPr marL="1200000" indent="-228600" algn="l" defTabSz="914400" rtl="0" eaLnBrk="1" latinLnBrk="0" hangingPunct="1">
+              <a:lnSpc>
+                <a:spcPct val="85000"/>
+              </a:lnSpc>
+              <a:spcBef>
+                <a:spcPts val="600"/>
+              </a:spcBef>
+              <a:buFont typeface="Arial" pitchFamily="34" charset="0"/>
+              <a:buChar char=" "/>
+              <a:defRPr sz="1800" kern="1200">
+                <a:solidFill>
+                  <a:schemeClr val="tx1">
+                    <a:lumMod val="85000"/>
+                    <a:lumOff val="15000"/>
+                  </a:schemeClr>
+                </a:solidFill>
+                <a:latin typeface="+mn-lt"/>
+                <a:ea typeface="+mn-ea"/>
+                <a:cs typeface="+mn-cs"/>
+              </a:defRPr>
+            </a:lvl6pPr>
+            <a:lvl7pPr marL="1400000" indent="-228600" algn="l" defTabSz="914400" rtl="0" eaLnBrk="1" latinLnBrk="0" hangingPunct="1">
+              <a:lnSpc>
+                <a:spcPct val="85000"/>
+              </a:lnSpc>
+              <a:spcBef>
+                <a:spcPts val="600"/>
+              </a:spcBef>
+              <a:buFont typeface="Arial" pitchFamily="34" charset="0"/>
+              <a:buChar char=" "/>
+              <a:defRPr sz="1800" kern="1200">
+                <a:solidFill>
+                  <a:schemeClr val="tx1">
+                    <a:lumMod val="85000"/>
+                    <a:lumOff val="15000"/>
+                  </a:schemeClr>
+                </a:solidFill>
+                <a:latin typeface="+mn-lt"/>
+                <a:ea typeface="+mn-ea"/>
+                <a:cs typeface="+mn-cs"/>
+              </a:defRPr>
+            </a:lvl7pPr>
+            <a:lvl8pPr marL="1600000" indent="-228600" algn="l" defTabSz="914400" rtl="0" eaLnBrk="1" latinLnBrk="0" hangingPunct="1">
+              <a:lnSpc>
+                <a:spcPct val="85000"/>
+              </a:lnSpc>
+              <a:spcBef>
+                <a:spcPts val="600"/>
+              </a:spcBef>
+              <a:buFont typeface="Arial" pitchFamily="34" charset="0"/>
+              <a:buChar char=" "/>
+              <a:defRPr sz="1800" kern="1200">
+                <a:solidFill>
+                  <a:schemeClr val="tx1">
+                    <a:lumMod val="85000"/>
+                    <a:lumOff val="15000"/>
+                  </a:schemeClr>
+                </a:solidFill>
+                <a:latin typeface="+mn-lt"/>
+                <a:ea typeface="+mn-ea"/>
+                <a:cs typeface="+mn-cs"/>
+              </a:defRPr>
+            </a:lvl8pPr>
+            <a:lvl9pPr marL="1800000" indent="-228600" algn="l" defTabSz="914400" rtl="0" eaLnBrk="1" latinLnBrk="0" hangingPunct="1">
+              <a:lnSpc>
+                <a:spcPct val="85000"/>
+              </a:lnSpc>
+              <a:spcBef>
+                <a:spcPts val="600"/>
+              </a:spcBef>
+              <a:buFont typeface="Arial" pitchFamily="34" charset="0"/>
+              <a:buChar char=" "/>
+              <a:defRPr sz="1800" kern="1200">
+                <a:solidFill>
+                  <a:schemeClr val="tx1">
+                    <a:lumMod val="85000"/>
+                    <a:lumOff val="15000"/>
+                  </a:schemeClr>
+                </a:solidFill>
+                <a:latin typeface="+mn-lt"/>
+                <a:ea typeface="+mn-ea"/>
+                <a:cs typeface="+mn-cs"/>
+              </a:defRPr>
+            </a:lvl9pPr>
+          </a:lstStyle>
+          <a:p>
+            <a:pPr marL="0" indent="0">
+              <a:buNone/>
+            </a:pPr>
+            <a:r>
+              <a:rPr lang="ru-RU" sz="2900" dirty="0" smtClean="0">
+                <a:latin typeface="+mj-lt"/>
+              </a:rPr>
+              <a:t>Для создания меню </a:t>
+            </a:r>
+            <a:r>
+              <a:rPr lang="ru-RU" sz="2900" dirty="0" smtClean="0">
+                <a:latin typeface="+mj-lt"/>
+              </a:rPr>
+              <a:t>сайта был использован Фреймворк* </a:t>
+            </a:r>
+            <a:endParaRPr lang="ru-RU" sz="2900" dirty="0" smtClean="0">
+              <a:latin typeface="+mj-lt"/>
+            </a:endParaRPr>
+          </a:p>
+        </p:txBody>
+      </p:sp>
+      <p:sp>
+        <p:nvSpPr>
+          <p:cNvPr id="12" name="Объект 2"/>
+          <p:cNvSpPr txBox="1">
+            <a:spLocks/>
+          </p:cNvSpPr>
+          <p:nvPr/>
+        </p:nvSpPr>
+        <p:spPr>
+          <a:xfrm>
+            <a:off x="5914202" y="2144313"/>
+            <a:ext cx="847538" cy="293976"/>
+          </a:xfrm>
+          <a:prstGeom prst="rect">
+            <a:avLst/>
+          </a:prstGeom>
+        </p:spPr>
+        <p:txBody>
+          <a:bodyPr vert="horz" lIns="91440" tIns="45720" rIns="91440" bIns="45720" rtlCol="0">
+            <a:normAutofit fontScale="70000" lnSpcReduction="20000"/>
+          </a:bodyPr>
+          <a:lstStyle>
+            <a:lvl1pPr marL="91440" indent="-91440" algn="l" defTabSz="914400" rtl="0" eaLnBrk="1" latinLnBrk="0" hangingPunct="1">
+              <a:lnSpc>
+                <a:spcPct val="85000"/>
+              </a:lnSpc>
+              <a:spcBef>
+                <a:spcPts val="1300"/>
+              </a:spcBef>
+              <a:buFont typeface="Arial" pitchFamily="34" charset="0"/>
+              <a:buChar char=" "/>
+              <a:defRPr sz="2400" kern="1200">
+                <a:solidFill>
+                  <a:schemeClr val="tx1">
+                    <a:lumMod val="85000"/>
+                    <a:lumOff val="15000"/>
+                  </a:schemeClr>
+                </a:solidFill>
+                <a:latin typeface="+mn-lt"/>
+                <a:ea typeface="+mn-ea"/>
+                <a:cs typeface="+mn-cs"/>
+              </a:defRPr>
+            </a:lvl1pPr>
+            <a:lvl2pPr marL="347472" indent="-342900" algn="l" defTabSz="914400" rtl="0" eaLnBrk="1" latinLnBrk="0" hangingPunct="1">
+              <a:lnSpc>
+                <a:spcPct val="85000"/>
+              </a:lnSpc>
+              <a:spcBef>
+                <a:spcPts val="600"/>
+              </a:spcBef>
+              <a:buFont typeface="Arial" pitchFamily="34" charset="0"/>
+              <a:buChar char=" "/>
+              <a:defRPr sz="2400" kern="1200">
+                <a:solidFill>
+                  <a:schemeClr val="tx1">
+                    <a:lumMod val="85000"/>
+                    <a:lumOff val="15000"/>
+                  </a:schemeClr>
+                </a:solidFill>
+                <a:latin typeface="+mn-lt"/>
+                <a:ea typeface="+mn-ea"/>
+                <a:cs typeface="+mn-cs"/>
+              </a:defRPr>
+            </a:lvl2pPr>
+            <a:lvl3pPr marL="548640" indent="-548640" algn="l" defTabSz="914400" rtl="0" eaLnBrk="1" latinLnBrk="0" hangingPunct="1">
+              <a:lnSpc>
+                <a:spcPct val="85000"/>
+              </a:lnSpc>
+              <a:spcBef>
+                <a:spcPts val="600"/>
+              </a:spcBef>
+              <a:buFont typeface="Arial" pitchFamily="34" charset="0"/>
+              <a:buChar char=" "/>
+              <a:defRPr sz="2000" i="1" kern="1200">
+                <a:solidFill>
+                  <a:schemeClr val="tx1">
+                    <a:lumMod val="85000"/>
+                    <a:lumOff val="15000"/>
+                  </a:schemeClr>
+                </a:solidFill>
+                <a:latin typeface="+mn-lt"/>
+                <a:ea typeface="+mn-ea"/>
+                <a:cs typeface="+mn-cs"/>
+              </a:defRPr>
+            </a:lvl3pPr>
+            <a:lvl4pPr marL="822960" indent="-822960" algn="l" defTabSz="914400" rtl="0" eaLnBrk="1" latinLnBrk="0" hangingPunct="1">
+              <a:lnSpc>
+                <a:spcPct val="85000"/>
+              </a:lnSpc>
+              <a:spcBef>
+                <a:spcPts val="600"/>
+              </a:spcBef>
+              <a:buFont typeface="Arial" pitchFamily="34" charset="0"/>
+              <a:buChar char=" "/>
+              <a:defRPr sz="1800" kern="1200">
+                <a:solidFill>
+                  <a:schemeClr val="tx1">
+                    <a:lumMod val="85000"/>
+                    <a:lumOff val="15000"/>
+                  </a:schemeClr>
+                </a:solidFill>
+                <a:latin typeface="+mn-lt"/>
+                <a:ea typeface="+mn-ea"/>
+                <a:cs typeface="+mn-cs"/>
+              </a:defRPr>
+            </a:lvl4pPr>
+            <a:lvl5pPr marL="1097280" indent="-1097280" algn="l" defTabSz="914400" rtl="0" eaLnBrk="1" latinLnBrk="0" hangingPunct="1">
+              <a:lnSpc>
+                <a:spcPct val="85000"/>
+              </a:lnSpc>
+              <a:spcBef>
+                <a:spcPts val="600"/>
+              </a:spcBef>
+              <a:buFont typeface="Arial" pitchFamily="34" charset="0"/>
+              <a:buChar char=" "/>
+              <a:defRPr sz="1800" kern="1200">
+                <a:solidFill>
+                  <a:schemeClr val="tx1">
+                    <a:lumMod val="85000"/>
+                    <a:lumOff val="15000"/>
+                  </a:schemeClr>
+                </a:solidFill>
+                <a:latin typeface="+mn-lt"/>
+                <a:ea typeface="+mn-ea"/>
+                <a:cs typeface="+mn-cs"/>
+              </a:defRPr>
+            </a:lvl5pPr>
+            <a:lvl6pPr marL="1200000" indent="-228600" algn="l" defTabSz="914400" rtl="0" eaLnBrk="1" latinLnBrk="0" hangingPunct="1">
+              <a:lnSpc>
+                <a:spcPct val="85000"/>
+              </a:lnSpc>
+              <a:spcBef>
+                <a:spcPts val="600"/>
+              </a:spcBef>
+              <a:buFont typeface="Arial" pitchFamily="34" charset="0"/>
+              <a:buChar char=" "/>
+              <a:defRPr sz="1800" kern="1200">
+                <a:solidFill>
+                  <a:schemeClr val="tx1">
+                    <a:lumMod val="85000"/>
+                    <a:lumOff val="15000"/>
+                  </a:schemeClr>
+                </a:solidFill>
+                <a:latin typeface="+mn-lt"/>
+                <a:ea typeface="+mn-ea"/>
+                <a:cs typeface="+mn-cs"/>
+              </a:defRPr>
+            </a:lvl6pPr>
+            <a:lvl7pPr marL="1400000" indent="-228600" algn="l" defTabSz="914400" rtl="0" eaLnBrk="1" latinLnBrk="0" hangingPunct="1">
+              <a:lnSpc>
+                <a:spcPct val="85000"/>
+              </a:lnSpc>
+              <a:spcBef>
+                <a:spcPts val="600"/>
+              </a:spcBef>
+              <a:buFont typeface="Arial" pitchFamily="34" charset="0"/>
+              <a:buChar char=" "/>
+              <a:defRPr sz="1800" kern="1200">
+                <a:solidFill>
+                  <a:schemeClr val="tx1">
+                    <a:lumMod val="85000"/>
+                    <a:lumOff val="15000"/>
+                  </a:schemeClr>
+                </a:solidFill>
+                <a:latin typeface="+mn-lt"/>
+                <a:ea typeface="+mn-ea"/>
+                <a:cs typeface="+mn-cs"/>
+              </a:defRPr>
+            </a:lvl7pPr>
+            <a:lvl8pPr marL="1600000" indent="-228600" algn="l" defTabSz="914400" rtl="0" eaLnBrk="1" latinLnBrk="0" hangingPunct="1">
+              <a:lnSpc>
+                <a:spcPct val="85000"/>
+              </a:lnSpc>
+              <a:spcBef>
+                <a:spcPts val="600"/>
+              </a:spcBef>
+              <a:buFont typeface="Arial" pitchFamily="34" charset="0"/>
+              <a:buChar char=" "/>
+              <a:defRPr sz="1800" kern="1200">
+                <a:solidFill>
+                  <a:schemeClr val="tx1">
+                    <a:lumMod val="85000"/>
+                    <a:lumOff val="15000"/>
+                  </a:schemeClr>
+                </a:solidFill>
+                <a:latin typeface="+mn-lt"/>
+                <a:ea typeface="+mn-ea"/>
+                <a:cs typeface="+mn-cs"/>
+              </a:defRPr>
+            </a:lvl8pPr>
+            <a:lvl9pPr marL="1800000" indent="-228600" algn="l" defTabSz="914400" rtl="0" eaLnBrk="1" latinLnBrk="0" hangingPunct="1">
+              <a:lnSpc>
+                <a:spcPct val="85000"/>
+              </a:lnSpc>
+              <a:spcBef>
+                <a:spcPts val="600"/>
+              </a:spcBef>
+              <a:buFont typeface="Arial" pitchFamily="34" charset="0"/>
+              <a:buChar char=" "/>
+              <a:defRPr sz="1800" kern="1200">
+                <a:solidFill>
+                  <a:schemeClr val="tx1">
+                    <a:lumMod val="85000"/>
+                    <a:lumOff val="15000"/>
+                  </a:schemeClr>
+                </a:solidFill>
+                <a:latin typeface="+mn-lt"/>
+                <a:ea typeface="+mn-ea"/>
+                <a:cs typeface="+mn-cs"/>
+              </a:defRPr>
+            </a:lvl9pPr>
+          </a:lstStyle>
+          <a:p>
+            <a:pPr marL="0" indent="0">
+              <a:buNone/>
+            </a:pPr>
+            <a:r>
+              <a:rPr lang="ru-RU" sz="2900" dirty="0" smtClean="0">
+                <a:latin typeface="+mj-lt"/>
+              </a:rPr>
+              <a:t>ПК</a:t>
+            </a:r>
+          </a:p>
+        </p:txBody>
+      </p:sp>
+      <p:sp>
+        <p:nvSpPr>
+          <p:cNvPr id="14" name="Объект 2"/>
+          <p:cNvSpPr txBox="1">
+            <a:spLocks/>
+          </p:cNvSpPr>
+          <p:nvPr/>
+        </p:nvSpPr>
+        <p:spPr>
+          <a:xfrm>
+            <a:off x="5843864" y="3315728"/>
+            <a:ext cx="2409092" cy="293976"/>
+          </a:xfrm>
+          <a:prstGeom prst="rect">
+            <a:avLst/>
+          </a:prstGeom>
+        </p:spPr>
+        <p:txBody>
+          <a:bodyPr vert="horz" lIns="91440" tIns="45720" rIns="91440" bIns="45720" rtlCol="0">
+            <a:normAutofit fontScale="70000" lnSpcReduction="20000"/>
+          </a:bodyPr>
+          <a:lstStyle>
+            <a:lvl1pPr marL="91440" indent="-91440" algn="l" defTabSz="914400" rtl="0" eaLnBrk="1" latinLnBrk="0" hangingPunct="1">
+              <a:lnSpc>
+                <a:spcPct val="85000"/>
+              </a:lnSpc>
+              <a:spcBef>
+                <a:spcPts val="1300"/>
+              </a:spcBef>
+              <a:buFont typeface="Arial" pitchFamily="34" charset="0"/>
+              <a:buChar char=" "/>
+              <a:defRPr sz="2400" kern="1200">
+                <a:solidFill>
+                  <a:schemeClr val="tx1">
+                    <a:lumMod val="85000"/>
+                    <a:lumOff val="15000"/>
+                  </a:schemeClr>
+                </a:solidFill>
+                <a:latin typeface="+mn-lt"/>
+                <a:ea typeface="+mn-ea"/>
+                <a:cs typeface="+mn-cs"/>
+              </a:defRPr>
+            </a:lvl1pPr>
+            <a:lvl2pPr marL="347472" indent="-342900" algn="l" defTabSz="914400" rtl="0" eaLnBrk="1" latinLnBrk="0" hangingPunct="1">
+              <a:lnSpc>
+                <a:spcPct val="85000"/>
+              </a:lnSpc>
+              <a:spcBef>
+                <a:spcPts val="600"/>
+              </a:spcBef>
+              <a:buFont typeface="Arial" pitchFamily="34" charset="0"/>
+              <a:buChar char=" "/>
+              <a:defRPr sz="2400" kern="1200">
+                <a:solidFill>
+                  <a:schemeClr val="tx1">
+                    <a:lumMod val="85000"/>
+                    <a:lumOff val="15000"/>
+                  </a:schemeClr>
+                </a:solidFill>
+                <a:latin typeface="+mn-lt"/>
+                <a:ea typeface="+mn-ea"/>
+                <a:cs typeface="+mn-cs"/>
+              </a:defRPr>
+            </a:lvl2pPr>
+            <a:lvl3pPr marL="548640" indent="-548640" algn="l" defTabSz="914400" rtl="0" eaLnBrk="1" latinLnBrk="0" hangingPunct="1">
+              <a:lnSpc>
+                <a:spcPct val="85000"/>
+              </a:lnSpc>
+              <a:spcBef>
+                <a:spcPts val="600"/>
+              </a:spcBef>
+              <a:buFont typeface="Arial" pitchFamily="34" charset="0"/>
+              <a:buChar char=" "/>
+              <a:defRPr sz="2000" i="1" kern="1200">
+                <a:solidFill>
+                  <a:schemeClr val="tx1">
+                    <a:lumMod val="85000"/>
+                    <a:lumOff val="15000"/>
+                  </a:schemeClr>
+                </a:solidFill>
+                <a:latin typeface="+mn-lt"/>
+                <a:ea typeface="+mn-ea"/>
+                <a:cs typeface="+mn-cs"/>
+              </a:defRPr>
+            </a:lvl3pPr>
+            <a:lvl4pPr marL="822960" indent="-822960" algn="l" defTabSz="914400" rtl="0" eaLnBrk="1" latinLnBrk="0" hangingPunct="1">
+              <a:lnSpc>
+                <a:spcPct val="85000"/>
+              </a:lnSpc>
+              <a:spcBef>
+                <a:spcPts val="600"/>
+              </a:spcBef>
+              <a:buFont typeface="Arial" pitchFamily="34" charset="0"/>
+              <a:buChar char=" "/>
+              <a:defRPr sz="1800" kern="1200">
+                <a:solidFill>
+                  <a:schemeClr val="tx1">
+                    <a:lumMod val="85000"/>
+                    <a:lumOff val="15000"/>
+                  </a:schemeClr>
+                </a:solidFill>
+                <a:latin typeface="+mn-lt"/>
+                <a:ea typeface="+mn-ea"/>
+                <a:cs typeface="+mn-cs"/>
+              </a:defRPr>
+            </a:lvl4pPr>
+            <a:lvl5pPr marL="1097280" indent="-1097280" algn="l" defTabSz="914400" rtl="0" eaLnBrk="1" latinLnBrk="0" hangingPunct="1">
+              <a:lnSpc>
+                <a:spcPct val="85000"/>
+              </a:lnSpc>
+              <a:spcBef>
+                <a:spcPts val="600"/>
+              </a:spcBef>
+              <a:buFont typeface="Arial" pitchFamily="34" charset="0"/>
+              <a:buChar char=" "/>
+              <a:defRPr sz="1800" kern="1200">
+                <a:solidFill>
+                  <a:schemeClr val="tx1">
+                    <a:lumMod val="85000"/>
+                    <a:lumOff val="15000"/>
+                  </a:schemeClr>
+                </a:solidFill>
+                <a:latin typeface="+mn-lt"/>
+                <a:ea typeface="+mn-ea"/>
+                <a:cs typeface="+mn-cs"/>
+              </a:defRPr>
+            </a:lvl5pPr>
+            <a:lvl6pPr marL="1200000" indent="-228600" algn="l" defTabSz="914400" rtl="0" eaLnBrk="1" latinLnBrk="0" hangingPunct="1">
+              <a:lnSpc>
+                <a:spcPct val="85000"/>
+              </a:lnSpc>
+              <a:spcBef>
+                <a:spcPts val="600"/>
+              </a:spcBef>
+              <a:buFont typeface="Arial" pitchFamily="34" charset="0"/>
+              <a:buChar char=" "/>
+              <a:defRPr sz="1800" kern="1200">
+                <a:solidFill>
+                  <a:schemeClr val="tx1">
+                    <a:lumMod val="85000"/>
+                    <a:lumOff val="15000"/>
+                  </a:schemeClr>
+                </a:solidFill>
+                <a:latin typeface="+mn-lt"/>
+                <a:ea typeface="+mn-ea"/>
+                <a:cs typeface="+mn-cs"/>
+              </a:defRPr>
+            </a:lvl6pPr>
+            <a:lvl7pPr marL="1400000" indent="-228600" algn="l" defTabSz="914400" rtl="0" eaLnBrk="1" latinLnBrk="0" hangingPunct="1">
+              <a:lnSpc>
+                <a:spcPct val="85000"/>
+              </a:lnSpc>
+              <a:spcBef>
+                <a:spcPts val="600"/>
+              </a:spcBef>
+              <a:buFont typeface="Arial" pitchFamily="34" charset="0"/>
+              <a:buChar char=" "/>
+              <a:defRPr sz="1800" kern="1200">
+                <a:solidFill>
+                  <a:schemeClr val="tx1">
+                    <a:lumMod val="85000"/>
+                    <a:lumOff val="15000"/>
+                  </a:schemeClr>
+                </a:solidFill>
+                <a:latin typeface="+mn-lt"/>
+                <a:ea typeface="+mn-ea"/>
+                <a:cs typeface="+mn-cs"/>
+              </a:defRPr>
+            </a:lvl7pPr>
+            <a:lvl8pPr marL="1600000" indent="-228600" algn="l" defTabSz="914400" rtl="0" eaLnBrk="1" latinLnBrk="0" hangingPunct="1">
+              <a:lnSpc>
+                <a:spcPct val="85000"/>
+              </a:lnSpc>
+              <a:spcBef>
+                <a:spcPts val="600"/>
+              </a:spcBef>
+              <a:buFont typeface="Arial" pitchFamily="34" charset="0"/>
+              <a:buChar char=" "/>
+              <a:defRPr sz="1800" kern="1200">
+                <a:solidFill>
+                  <a:schemeClr val="tx1">
+                    <a:lumMod val="85000"/>
+                    <a:lumOff val="15000"/>
+                  </a:schemeClr>
+                </a:solidFill>
+                <a:latin typeface="+mn-lt"/>
+                <a:ea typeface="+mn-ea"/>
+                <a:cs typeface="+mn-cs"/>
+              </a:defRPr>
+            </a:lvl8pPr>
+            <a:lvl9pPr marL="1800000" indent="-228600" algn="l" defTabSz="914400" rtl="0" eaLnBrk="1" latinLnBrk="0" hangingPunct="1">
+              <a:lnSpc>
+                <a:spcPct val="85000"/>
+              </a:lnSpc>
+              <a:spcBef>
+                <a:spcPts val="600"/>
+              </a:spcBef>
+              <a:buFont typeface="Arial" pitchFamily="34" charset="0"/>
+              <a:buChar char=" "/>
+              <a:defRPr sz="1800" kern="1200">
+                <a:solidFill>
+                  <a:schemeClr val="tx1">
+                    <a:lumMod val="85000"/>
+                    <a:lumOff val="15000"/>
+                  </a:schemeClr>
+                </a:solidFill>
+                <a:latin typeface="+mn-lt"/>
+                <a:ea typeface="+mn-ea"/>
+                <a:cs typeface="+mn-cs"/>
+              </a:defRPr>
+            </a:lvl9pPr>
+          </a:lstStyle>
+          <a:p>
+            <a:r>
+              <a:rPr lang="ru-RU" dirty="0"/>
+              <a:t>Мобильное Устройство</a:t>
+            </a:r>
+          </a:p>
+        </p:txBody>
+      </p:sp>
       <p:pic>
         <p:nvPicPr>
-          <p:cNvPr id="6" name="Рисунок 5"/>
+          <p:cNvPr id="7" name="Рисунок 6"/>
           <p:cNvPicPr>
             <a:picLocks noChangeAspect="1"/>
           </p:cNvPicPr>
@@ -4384,24 +5184,34 @@
         </p:blipFill>
         <p:spPr>
           <a:xfrm>
-            <a:off x="6294978" y="1299185"/>
-            <a:ext cx="5897022" cy="4209289"/>
+            <a:off x="130041" y="2144313"/>
+            <a:ext cx="5567117" cy="2873170"/>
           </a:xfrm>
           <a:prstGeom prst="rect">
             <a:avLst/>
           </a:prstGeom>
+          <a:ln>
+            <a:noFill/>
+          </a:ln>
+          <a:effectLst>
+            <a:outerShdw blurRad="190500" algn="tl" rotWithShape="0">
+              <a:srgbClr val="000000">
+                <a:alpha val="70000"/>
+              </a:srgbClr>
+            </a:outerShdw>
+          </a:effectLst>
         </p:spPr>
       </p:pic>
       <p:pic>
         <p:nvPicPr>
-          <p:cNvPr id="8" name="Рисунок 7"/>
+          <p:cNvPr id="15" name="Рисунок 14"/>
           <p:cNvPicPr>
             <a:picLocks noChangeAspect="1"/>
           </p:cNvPicPr>
           <p:nvPr/>
         </p:nvPicPr>
         <p:blipFill>
-          <a:blip r:embed="rId4">
+          <a:blip r:embed="rId4" cstate="print">
             <a:extLst>
               <a:ext uri="{28A0092B-C50C-407E-A947-70E740481C1C}">
                 <a14:useLocalDpi xmlns:a14="http://schemas.microsoft.com/office/drawing/2010/main" val="0"/>
@@ -4414,18 +5224,161 @@
         </p:blipFill>
         <p:spPr>
           <a:xfrm>
-            <a:off x="1773386" y="2743200"/>
-            <a:ext cx="9043184" cy="6858000"/>
+            <a:off x="75369" y="1566042"/>
+            <a:ext cx="5676459" cy="307913"/>
+          </a:xfrm>
+          <a:prstGeom prst="rect">
+            <a:avLst/>
+          </a:prstGeom>
+          <a:ln>
+            <a:noFill/>
+          </a:ln>
+          <a:effectLst>
+            <a:outerShdw blurRad="190500" algn="tl" rotWithShape="0">
+              <a:srgbClr val="000000">
+                <a:alpha val="70000"/>
+              </a:srgbClr>
+            </a:outerShdw>
+          </a:effectLst>
+        </p:spPr>
+      </p:pic>
+      <p:pic>
+        <p:nvPicPr>
+          <p:cNvPr id="4" name="Рисунок 3"/>
+          <p:cNvPicPr>
+            <a:picLocks noChangeAspect="1"/>
+          </p:cNvPicPr>
+          <p:nvPr/>
+        </p:nvPicPr>
+        <p:blipFill>
+          <a:blip r:embed="rId5">
+            <a:extLst>
+              <a:ext uri="{28A0092B-C50C-407E-A947-70E740481C1C}">
+                <a14:useLocalDpi xmlns:a14="http://schemas.microsoft.com/office/drawing/2010/main" val="0"/>
+              </a:ext>
+            </a:extLst>
+          </a:blip>
+          <a:stretch>
+            <a:fillRect/>
+          </a:stretch>
+        </p:blipFill>
+        <p:spPr>
+          <a:xfrm>
+            <a:off x="6019795" y="2549875"/>
+            <a:ext cx="6016874" cy="344579"/>
+          </a:xfrm>
+          <a:prstGeom prst="rect">
+            <a:avLst/>
+          </a:prstGeom>
+          <a:ln>
+            <a:noFill/>
+          </a:ln>
+          <a:effectLst>
+            <a:outerShdw blurRad="190500" algn="tl" rotWithShape="0">
+              <a:srgbClr val="000000">
+                <a:alpha val="70000"/>
+              </a:srgbClr>
+            </a:outerShdw>
+          </a:effectLst>
+        </p:spPr>
+      </p:pic>
+      <p:pic>
+        <p:nvPicPr>
+          <p:cNvPr id="9" name="Рисунок 8"/>
+          <p:cNvPicPr>
+            <a:picLocks noChangeAspect="1"/>
+          </p:cNvPicPr>
+          <p:nvPr/>
+        </p:nvPicPr>
+        <p:blipFill>
+          <a:blip r:embed="rId6">
+            <a:extLst>
+              <a:ext uri="{28A0092B-C50C-407E-A947-70E740481C1C}">
+                <a14:useLocalDpi xmlns:a14="http://schemas.microsoft.com/office/drawing/2010/main" val="0"/>
+              </a:ext>
+            </a:extLst>
+          </a:blip>
+          <a:stretch>
+            <a:fillRect/>
+          </a:stretch>
+        </p:blipFill>
+        <p:spPr>
+          <a:xfrm>
+            <a:off x="6019795" y="3691010"/>
+            <a:ext cx="3907715" cy="426606"/>
+          </a:xfrm>
+          <a:prstGeom prst="rect">
+            <a:avLst/>
+          </a:prstGeom>
+          <a:ln>
+            <a:noFill/>
+          </a:ln>
+          <a:effectLst>
+            <a:outerShdw blurRad="190500" algn="tl" rotWithShape="0">
+              <a:srgbClr val="000000">
+                <a:alpha val="70000"/>
+              </a:srgbClr>
+            </a:outerShdw>
+          </a:effectLst>
+        </p:spPr>
+      </p:pic>
+      <p:sp>
+        <p:nvSpPr>
+          <p:cNvPr id="19" name="Заголовок 1"/>
+          <p:cNvSpPr txBox="1">
+            <a:spLocks/>
+          </p:cNvSpPr>
+          <p:nvPr/>
+        </p:nvSpPr>
+        <p:spPr>
+          <a:xfrm>
+            <a:off x="0" y="9119"/>
+            <a:ext cx="2980591" cy="608793"/>
           </a:xfrm>
           <a:prstGeom prst="rect">
             <a:avLst/>
           </a:prstGeom>
         </p:spPr>
-      </p:pic>
+        <p:txBody>
+          <a:bodyPr vert="horz" lIns="91440" tIns="45720" rIns="91440" bIns="45720" rtlCol="0" anchor="ctr">
+            <a:normAutofit/>
+          </a:bodyPr>
+          <a:lstStyle>
+            <a:lvl1pPr algn="l" defTabSz="914400" rtl="0" eaLnBrk="1" latinLnBrk="0" hangingPunct="1">
+              <a:lnSpc>
+                <a:spcPct val="85000"/>
+              </a:lnSpc>
+              <a:spcBef>
+                <a:spcPct val="0"/>
+              </a:spcBef>
+              <a:buNone/>
+              <a:defRPr sz="5400" kern="1200" spc="-120" baseline="0">
+                <a:solidFill>
+                  <a:schemeClr val="accent1"/>
+                </a:solidFill>
+                <a:latin typeface="+mj-lt"/>
+                <a:ea typeface="+mj-ea"/>
+                <a:cs typeface="+mj-cs"/>
+              </a:defRPr>
+            </a:lvl1pPr>
+          </a:lstStyle>
+          <a:p>
+            <a:r>
+              <a:rPr lang="en-US" sz="3200" dirty="0" smtClean="0"/>
+              <a:t>WEB-</a:t>
+            </a:r>
+            <a:r>
+              <a:rPr lang="ru-RU" sz="3200" dirty="0" smtClean="0"/>
+              <a:t>Технологии</a:t>
+            </a:r>
+            <a:endParaRPr lang="ru-RU" sz="3200" dirty="0"/>
+          </a:p>
+        </p:txBody>
+      </p:sp>
     </p:spTree>
     <p:extLst>
       <p:ext uri="{BB962C8B-B14F-4D97-AF65-F5344CB8AC3E}">
-        <p14:creationId xmlns:p14="http://schemas.microsoft.com/office/powerpoint/2010/main" val="3567081307"/>
+        <p14:creationId xmlns:p14="http://schemas.microsoft.com/office/powerpoint/2010/main" val="1178026009"/>
       </p:ext>
     </p:extLst>
   </p:cSld>
@@ -4459,43 +5412,13 @@
           <a:chExt cx="0" cy="0"/>
         </a:xfrm>
       </p:grpSpPr>
-      <p:sp>
-        <p:nvSpPr>
-          <p:cNvPr id="2" name="Заголовок 1"/>
-          <p:cNvSpPr>
-            <a:spLocks noGrp="1"/>
-          </p:cNvSpPr>
-          <p:nvPr>
-            <p:ph type="title"/>
-          </p:nvPr>
-        </p:nvSpPr>
-        <p:spPr>
-          <a:xfrm>
-            <a:off x="10534651" y="-361950"/>
-            <a:ext cx="1572132" cy="1658198"/>
-          </a:xfrm>
-        </p:spPr>
-        <p:txBody>
-          <a:bodyPr/>
-          <a:lstStyle/>
-          <a:p>
-            <a:r>
-              <a:rPr lang="ru-RU" dirty="0" smtClean="0"/>
-              <a:t>Тест</a:t>
-            </a:r>
-            <a:endParaRPr lang="ru-RU" dirty="0"/>
-          </a:p>
-        </p:txBody>
-      </p:sp>
       <p:pic>
         <p:nvPicPr>
-          <p:cNvPr id="6" name="Объект 5"/>
+          <p:cNvPr id="5" name="Picture 2" descr="https://cdn.zeptoh.com/image/materlise.png"/>
           <p:cNvPicPr>
-            <a:picLocks noGrp="1" noChangeAspect="1"/>
+            <a:picLocks noChangeAspect="1" noChangeArrowheads="1"/>
           </p:cNvPicPr>
-          <p:nvPr>
-            <p:ph idx="1"/>
-          </p:nvPr>
+          <p:nvPr/>
         </p:nvPicPr>
         <p:blipFill>
           <a:blip r:embed="rId2" cstate="print">
@@ -4505,20 +5428,322 @@
               </a:ext>
             </a:extLst>
           </a:blip>
+          <a:srcRect/>
           <a:stretch>
             <a:fillRect/>
           </a:stretch>
         </p:blipFill>
+        <p:spPr bwMode="auto">
+          <a:xfrm>
+            <a:off x="19049" y="5965613"/>
+            <a:ext cx="809625" cy="892387"/>
+          </a:xfrm>
+          <a:prstGeom prst="rect">
+            <a:avLst/>
+          </a:prstGeom>
+          <a:noFill/>
+          <a:extLst>
+            <a:ext uri="{909E8E84-426E-40DD-AFC4-6F175D3DCCD1}">
+              <a14:hiddenFill xmlns:a14="http://schemas.microsoft.com/office/drawing/2010/main">
+                <a:solidFill>
+                  <a:srgbClr val="FFFFFF"/>
+                </a:solidFill>
+              </a14:hiddenFill>
+            </a:ext>
+          </a:extLst>
+        </p:spPr>
+      </p:pic>
+      <p:sp>
+        <p:nvSpPr>
+          <p:cNvPr id="6" name="Прямоугольник 5"/>
+          <p:cNvSpPr/>
+          <p:nvPr/>
+        </p:nvSpPr>
         <p:spPr>
           <a:xfrm>
-            <a:off x="52640" y="76200"/>
-            <a:ext cx="7111401" cy="5448300"/>
+            <a:off x="828674" y="6053660"/>
+            <a:ext cx="6096000" cy="646331"/>
           </a:xfrm>
+          <a:prstGeom prst="rect">
+            <a:avLst/>
+          </a:prstGeom>
         </p:spPr>
-      </p:pic>
+        <p:txBody>
+          <a:bodyPr>
+            <a:spAutoFit/>
+          </a:bodyPr>
+          <a:lstStyle/>
+          <a:p>
+            <a:r>
+              <a:rPr lang="ru-RU" b="1" dirty="0" smtClean="0"/>
+              <a:t>Карточки </a:t>
+            </a:r>
+            <a:r>
+              <a:rPr lang="ru-RU" dirty="0"/>
+              <a:t>- это удобное средство отображения контента, состоящего из различных типов объектов. </a:t>
+            </a:r>
+          </a:p>
+        </p:txBody>
+      </p:sp>
+      <p:sp>
+        <p:nvSpPr>
+          <p:cNvPr id="11" name="Объект 2"/>
+          <p:cNvSpPr txBox="1">
+            <a:spLocks/>
+          </p:cNvSpPr>
+          <p:nvPr/>
+        </p:nvSpPr>
+        <p:spPr>
+          <a:xfrm>
+            <a:off x="0" y="609441"/>
+            <a:ext cx="5735150" cy="293976"/>
+          </a:xfrm>
+          <a:prstGeom prst="rect">
+            <a:avLst/>
+          </a:prstGeom>
+        </p:spPr>
+        <p:txBody>
+          <a:bodyPr vert="horz" lIns="91440" tIns="45720" rIns="91440" bIns="45720" rtlCol="0">
+            <a:normAutofit fontScale="70000" lnSpcReduction="20000"/>
+          </a:bodyPr>
+          <a:lstStyle>
+            <a:lvl1pPr marL="91440" indent="-91440" algn="l" defTabSz="914400" rtl="0" eaLnBrk="1" latinLnBrk="0" hangingPunct="1">
+              <a:lnSpc>
+                <a:spcPct val="85000"/>
+              </a:lnSpc>
+              <a:spcBef>
+                <a:spcPts val="1300"/>
+              </a:spcBef>
+              <a:buFont typeface="Arial" pitchFamily="34" charset="0"/>
+              <a:buChar char=" "/>
+              <a:defRPr sz="2400" kern="1200">
+                <a:solidFill>
+                  <a:schemeClr val="tx1">
+                    <a:lumMod val="85000"/>
+                    <a:lumOff val="15000"/>
+                  </a:schemeClr>
+                </a:solidFill>
+                <a:latin typeface="+mn-lt"/>
+                <a:ea typeface="+mn-ea"/>
+                <a:cs typeface="+mn-cs"/>
+              </a:defRPr>
+            </a:lvl1pPr>
+            <a:lvl2pPr marL="347472" indent="-342900" algn="l" defTabSz="914400" rtl="0" eaLnBrk="1" latinLnBrk="0" hangingPunct="1">
+              <a:lnSpc>
+                <a:spcPct val="85000"/>
+              </a:lnSpc>
+              <a:spcBef>
+                <a:spcPts val="600"/>
+              </a:spcBef>
+              <a:buFont typeface="Arial" pitchFamily="34" charset="0"/>
+              <a:buChar char=" "/>
+              <a:defRPr sz="2400" kern="1200">
+                <a:solidFill>
+                  <a:schemeClr val="tx1">
+                    <a:lumMod val="85000"/>
+                    <a:lumOff val="15000"/>
+                  </a:schemeClr>
+                </a:solidFill>
+                <a:latin typeface="+mn-lt"/>
+                <a:ea typeface="+mn-ea"/>
+                <a:cs typeface="+mn-cs"/>
+              </a:defRPr>
+            </a:lvl2pPr>
+            <a:lvl3pPr marL="548640" indent="-548640" algn="l" defTabSz="914400" rtl="0" eaLnBrk="1" latinLnBrk="0" hangingPunct="1">
+              <a:lnSpc>
+                <a:spcPct val="85000"/>
+              </a:lnSpc>
+              <a:spcBef>
+                <a:spcPts val="600"/>
+              </a:spcBef>
+              <a:buFont typeface="Arial" pitchFamily="34" charset="0"/>
+              <a:buChar char=" "/>
+              <a:defRPr sz="2000" i="1" kern="1200">
+                <a:solidFill>
+                  <a:schemeClr val="tx1">
+                    <a:lumMod val="85000"/>
+                    <a:lumOff val="15000"/>
+                  </a:schemeClr>
+                </a:solidFill>
+                <a:latin typeface="+mn-lt"/>
+                <a:ea typeface="+mn-ea"/>
+                <a:cs typeface="+mn-cs"/>
+              </a:defRPr>
+            </a:lvl3pPr>
+            <a:lvl4pPr marL="822960" indent="-822960" algn="l" defTabSz="914400" rtl="0" eaLnBrk="1" latinLnBrk="0" hangingPunct="1">
+              <a:lnSpc>
+                <a:spcPct val="85000"/>
+              </a:lnSpc>
+              <a:spcBef>
+                <a:spcPts val="600"/>
+              </a:spcBef>
+              <a:buFont typeface="Arial" pitchFamily="34" charset="0"/>
+              <a:buChar char=" "/>
+              <a:defRPr sz="1800" kern="1200">
+                <a:solidFill>
+                  <a:schemeClr val="tx1">
+                    <a:lumMod val="85000"/>
+                    <a:lumOff val="15000"/>
+                  </a:schemeClr>
+                </a:solidFill>
+                <a:latin typeface="+mn-lt"/>
+                <a:ea typeface="+mn-ea"/>
+                <a:cs typeface="+mn-cs"/>
+              </a:defRPr>
+            </a:lvl4pPr>
+            <a:lvl5pPr marL="1097280" indent="-1097280" algn="l" defTabSz="914400" rtl="0" eaLnBrk="1" latinLnBrk="0" hangingPunct="1">
+              <a:lnSpc>
+                <a:spcPct val="85000"/>
+              </a:lnSpc>
+              <a:spcBef>
+                <a:spcPts val="600"/>
+              </a:spcBef>
+              <a:buFont typeface="Arial" pitchFamily="34" charset="0"/>
+              <a:buChar char=" "/>
+              <a:defRPr sz="1800" kern="1200">
+                <a:solidFill>
+                  <a:schemeClr val="tx1">
+                    <a:lumMod val="85000"/>
+                    <a:lumOff val="15000"/>
+                  </a:schemeClr>
+                </a:solidFill>
+                <a:latin typeface="+mn-lt"/>
+                <a:ea typeface="+mn-ea"/>
+                <a:cs typeface="+mn-cs"/>
+              </a:defRPr>
+            </a:lvl5pPr>
+            <a:lvl6pPr marL="1200000" indent="-228600" algn="l" defTabSz="914400" rtl="0" eaLnBrk="1" latinLnBrk="0" hangingPunct="1">
+              <a:lnSpc>
+                <a:spcPct val="85000"/>
+              </a:lnSpc>
+              <a:spcBef>
+                <a:spcPts val="600"/>
+              </a:spcBef>
+              <a:buFont typeface="Arial" pitchFamily="34" charset="0"/>
+              <a:buChar char=" "/>
+              <a:defRPr sz="1800" kern="1200">
+                <a:solidFill>
+                  <a:schemeClr val="tx1">
+                    <a:lumMod val="85000"/>
+                    <a:lumOff val="15000"/>
+                  </a:schemeClr>
+                </a:solidFill>
+                <a:latin typeface="+mn-lt"/>
+                <a:ea typeface="+mn-ea"/>
+                <a:cs typeface="+mn-cs"/>
+              </a:defRPr>
+            </a:lvl6pPr>
+            <a:lvl7pPr marL="1400000" indent="-228600" algn="l" defTabSz="914400" rtl="0" eaLnBrk="1" latinLnBrk="0" hangingPunct="1">
+              <a:lnSpc>
+                <a:spcPct val="85000"/>
+              </a:lnSpc>
+              <a:spcBef>
+                <a:spcPts val="600"/>
+              </a:spcBef>
+              <a:buFont typeface="Arial" pitchFamily="34" charset="0"/>
+              <a:buChar char=" "/>
+              <a:defRPr sz="1800" kern="1200">
+                <a:solidFill>
+                  <a:schemeClr val="tx1">
+                    <a:lumMod val="85000"/>
+                    <a:lumOff val="15000"/>
+                  </a:schemeClr>
+                </a:solidFill>
+                <a:latin typeface="+mn-lt"/>
+                <a:ea typeface="+mn-ea"/>
+                <a:cs typeface="+mn-cs"/>
+              </a:defRPr>
+            </a:lvl7pPr>
+            <a:lvl8pPr marL="1600000" indent="-228600" algn="l" defTabSz="914400" rtl="0" eaLnBrk="1" latinLnBrk="0" hangingPunct="1">
+              <a:lnSpc>
+                <a:spcPct val="85000"/>
+              </a:lnSpc>
+              <a:spcBef>
+                <a:spcPts val="600"/>
+              </a:spcBef>
+              <a:buFont typeface="Arial" pitchFamily="34" charset="0"/>
+              <a:buChar char=" "/>
+              <a:defRPr sz="1800" kern="1200">
+                <a:solidFill>
+                  <a:schemeClr val="tx1">
+                    <a:lumMod val="85000"/>
+                    <a:lumOff val="15000"/>
+                  </a:schemeClr>
+                </a:solidFill>
+                <a:latin typeface="+mn-lt"/>
+                <a:ea typeface="+mn-ea"/>
+                <a:cs typeface="+mn-cs"/>
+              </a:defRPr>
+            </a:lvl8pPr>
+            <a:lvl9pPr marL="1800000" indent="-228600" algn="l" defTabSz="914400" rtl="0" eaLnBrk="1" latinLnBrk="0" hangingPunct="1">
+              <a:lnSpc>
+                <a:spcPct val="85000"/>
+              </a:lnSpc>
+              <a:spcBef>
+                <a:spcPts val="600"/>
+              </a:spcBef>
+              <a:buFont typeface="Arial" pitchFamily="34" charset="0"/>
+              <a:buChar char=" "/>
+              <a:defRPr sz="1800" kern="1200">
+                <a:solidFill>
+                  <a:schemeClr val="tx1">
+                    <a:lumMod val="85000"/>
+                    <a:lumOff val="15000"/>
+                  </a:schemeClr>
+                </a:solidFill>
+                <a:latin typeface="+mn-lt"/>
+                <a:ea typeface="+mn-ea"/>
+                <a:cs typeface="+mn-cs"/>
+              </a:defRPr>
+            </a:lvl9pPr>
+          </a:lstStyle>
+          <a:p>
+            <a:pPr marL="0" indent="0">
+              <a:buNone/>
+            </a:pPr>
+            <a:r>
+              <a:rPr lang="en-US" sz="2900" dirty="0"/>
+              <a:t>C </a:t>
+            </a:r>
+            <a:r>
+              <a:rPr lang="ru-RU" sz="2900" dirty="0"/>
+              <a:t>помощью Фреймворка</a:t>
+            </a:r>
+            <a:r>
+              <a:rPr lang="en-US" sz="2900" dirty="0"/>
+              <a:t> </a:t>
+            </a:r>
+            <a:r>
+              <a:rPr lang="ru-RU" sz="2900" dirty="0"/>
+              <a:t>были созданы </a:t>
+            </a:r>
+            <a:r>
+              <a:rPr lang="en-US" sz="2900" dirty="0"/>
+              <a:t>“</a:t>
+            </a:r>
+            <a:r>
+              <a:rPr lang="ru-RU" sz="2900" dirty="0"/>
+              <a:t>Карточки</a:t>
+            </a:r>
+            <a:r>
+              <a:rPr lang="en-US" sz="2900" dirty="0"/>
+              <a:t>”</a:t>
+            </a:r>
+            <a:r>
+              <a:rPr lang="ru-RU" sz="2900" dirty="0"/>
+              <a:t> </a:t>
+            </a:r>
+            <a:r>
+              <a:rPr lang="en-US" sz="2900" dirty="0"/>
+              <a:t> </a:t>
+            </a:r>
+            <a:endParaRPr lang="ru-RU" sz="2900" dirty="0"/>
+          </a:p>
+        </p:txBody>
+      </p:sp>
       <p:pic>
         <p:nvPicPr>
-          <p:cNvPr id="7" name="Рисунок 6"/>
+          <p:cNvPr id="3" name="Рисунок 2"/>
           <p:cNvPicPr>
             <a:picLocks noChangeAspect="1"/>
           </p:cNvPicPr>
@@ -4538,18 +5763,121 @@
         </p:blipFill>
         <p:spPr>
           <a:xfrm>
-            <a:off x="4810125" y="998871"/>
-            <a:ext cx="7381875" cy="5859129"/>
+            <a:off x="1644162" y="1003405"/>
+            <a:ext cx="4755437" cy="4956986"/>
+          </a:xfrm>
+          <a:prstGeom prst="rect">
+            <a:avLst/>
+          </a:prstGeom>
+          <a:ln>
+            <a:noFill/>
+          </a:ln>
+          <a:effectLst>
+            <a:outerShdw blurRad="190500" algn="tl" rotWithShape="0">
+              <a:srgbClr val="000000">
+                <a:alpha val="70000"/>
+              </a:srgbClr>
+            </a:outerShdw>
+          </a:effectLst>
+        </p:spPr>
+      </p:pic>
+      <p:pic>
+        <p:nvPicPr>
+          <p:cNvPr id="2" name="Рисунок 1"/>
+          <p:cNvPicPr>
+            <a:picLocks noChangeAspect="1"/>
+          </p:cNvPicPr>
+          <p:nvPr/>
+        </p:nvPicPr>
+        <p:blipFill>
+          <a:blip r:embed="rId4">
+            <a:extLst>
+              <a:ext uri="{28A0092B-C50C-407E-A947-70E740481C1C}">
+                <a14:useLocalDpi xmlns:a14="http://schemas.microsoft.com/office/drawing/2010/main" val="0"/>
+              </a:ext>
+            </a:extLst>
+          </a:blip>
+          <a:stretch>
+            <a:fillRect/>
+          </a:stretch>
+        </p:blipFill>
+        <p:spPr>
+          <a:xfrm>
+            <a:off x="5735150" y="607105"/>
+            <a:ext cx="5659681" cy="5446555"/>
+          </a:xfrm>
+          <a:prstGeom prst="rect">
+            <a:avLst/>
+          </a:prstGeom>
+          <a:ln>
+            <a:noFill/>
+          </a:ln>
+          <a:effectLst>
+            <a:outerShdw blurRad="190500" algn="tl" rotWithShape="0">
+              <a:srgbClr val="000000">
+                <a:alpha val="70000"/>
+              </a:srgbClr>
+            </a:outerShdw>
+          </a:effectLst>
+        </p:spPr>
+      </p:pic>
+      <p:sp>
+        <p:nvSpPr>
+          <p:cNvPr id="9" name="Заголовок 1"/>
+          <p:cNvSpPr txBox="1">
+            <a:spLocks/>
+          </p:cNvSpPr>
+          <p:nvPr/>
+        </p:nvSpPr>
+        <p:spPr>
+          <a:xfrm>
+            <a:off x="0" y="9119"/>
+            <a:ext cx="2980591" cy="608793"/>
           </a:xfrm>
           <a:prstGeom prst="rect">
             <a:avLst/>
           </a:prstGeom>
         </p:spPr>
-      </p:pic>
+        <p:txBody>
+          <a:bodyPr vert="horz" lIns="91440" tIns="45720" rIns="91440" bIns="45720" rtlCol="0" anchor="ctr">
+            <a:normAutofit/>
+          </a:bodyPr>
+          <a:lstStyle>
+            <a:lvl1pPr algn="l" defTabSz="914400" rtl="0" eaLnBrk="1" latinLnBrk="0" hangingPunct="1">
+              <a:lnSpc>
+                <a:spcPct val="85000"/>
+              </a:lnSpc>
+              <a:spcBef>
+                <a:spcPct val="0"/>
+              </a:spcBef>
+              <a:buNone/>
+              <a:defRPr sz="5400" kern="1200" spc="-120" baseline="0">
+                <a:solidFill>
+                  <a:schemeClr val="accent1"/>
+                </a:solidFill>
+                <a:latin typeface="+mj-lt"/>
+                <a:ea typeface="+mj-ea"/>
+                <a:cs typeface="+mj-cs"/>
+              </a:defRPr>
+            </a:lvl1pPr>
+          </a:lstStyle>
+          <a:p>
+            <a:r>
+              <a:rPr lang="en-US" sz="3200" dirty="0" smtClean="0"/>
+              <a:t>WEB-</a:t>
+            </a:r>
+            <a:r>
+              <a:rPr lang="ru-RU" sz="3200" dirty="0" smtClean="0"/>
+              <a:t>Технологии</a:t>
+            </a:r>
+            <a:endParaRPr lang="ru-RU" sz="3200" dirty="0"/>
+          </a:p>
+        </p:txBody>
+      </p:sp>
     </p:spTree>
     <p:extLst>
       <p:ext uri="{BB962C8B-B14F-4D97-AF65-F5344CB8AC3E}">
-        <p14:creationId xmlns:p14="http://schemas.microsoft.com/office/powerpoint/2010/main" val="2252633976"/>
+        <p14:creationId xmlns:p14="http://schemas.microsoft.com/office/powerpoint/2010/main" val="3904103023"/>
       </p:ext>
     </p:extLst>
   </p:cSld>
@@ -4585,144 +5913,947 @@
       </p:grpSpPr>
       <p:sp>
         <p:nvSpPr>
-          <p:cNvPr id="2" name="Заголовок 1"/>
-          <p:cNvSpPr>
-            <a:spLocks noGrp="1"/>
+          <p:cNvPr id="11" name="Объект 2"/>
+          <p:cNvSpPr txBox="1">
+            <a:spLocks/>
           </p:cNvSpPr>
-          <p:nvPr>
-            <p:ph type="title"/>
-          </p:nvPr>
+          <p:nvPr/>
         </p:nvSpPr>
         <p:spPr>
           <a:xfrm>
-            <a:off x="676656" y="209550"/>
-            <a:ext cx="3571875" cy="1658198"/>
+            <a:off x="0" y="609441"/>
+            <a:ext cx="7629524" cy="293976"/>
           </a:xfrm>
+          <a:prstGeom prst="rect">
+            <a:avLst/>
+          </a:prstGeom>
         </p:spPr>
         <p:txBody>
-          <a:bodyPr/>
-          <a:lstStyle/>
-          <a:p>
-            <a:r>
-              <a:rPr lang="ru-RU" dirty="0"/>
-              <a:t>Заключение</a:t>
-            </a:r>
-          </a:p>
-        </p:txBody>
-      </p:sp>
-      <p:sp>
-        <p:nvSpPr>
-          <p:cNvPr id="4" name="Объект 1"/>
-          <p:cNvSpPr>
-            <a:spLocks noGrp="1"/>
-          </p:cNvSpPr>
-          <p:nvPr>
-            <p:ph idx="1"/>
-          </p:nvPr>
-        </p:nvSpPr>
-        <p:spPr/>
-        <p:txBody>
-          <a:bodyPr>
-            <a:normAutofit/>
+          <a:bodyPr vert="horz" lIns="91440" tIns="45720" rIns="91440" bIns="45720" rtlCol="0">
+            <a:normAutofit fontScale="70000" lnSpcReduction="20000"/>
           </a:bodyPr>
-          <a:lstStyle/>
-          <a:p>
-            <a:pPr lvl="1">
-              <a:buFont typeface="Arial" panose="020B0604020202020204" pitchFamily="34" charset="0"/>
-              <a:buChar char="•"/>
-            </a:pPr>
-            <a:r>
-              <a:rPr lang="ru-RU" altLang="ru-RU" sz="2600" dirty="0" smtClean="0"/>
-              <a:t>Описан алгоритм всех способ решения задач 19-21.</a:t>
-            </a:r>
-          </a:p>
-          <a:p>
-            <a:pPr lvl="1">
-              <a:buFont typeface="Arial" panose="020B0604020202020204" pitchFamily="34" charset="0"/>
-              <a:buChar char="•"/>
-            </a:pPr>
-            <a:r>
-              <a:rPr lang="ru-RU" altLang="ru-RU" sz="2600" dirty="0"/>
-              <a:t>Удалось ознакомиться со средствами веб-разработки и создать сайт с теорией и тестирующей </a:t>
-            </a:r>
-            <a:r>
-              <a:rPr lang="ru-RU" altLang="ru-RU" sz="2600" dirty="0" smtClean="0"/>
-              <a:t>системой.</a:t>
-            </a:r>
-          </a:p>
-          <a:p>
-            <a:pPr marL="4572" lvl="1" indent="0">
-              <a:buNone/>
-            </a:pPr>
-            <a:endParaRPr lang="ru-RU" altLang="ru-RU" sz="2600" dirty="0" smtClean="0"/>
-          </a:p>
-          <a:p>
-            <a:pPr marL="4572" lvl="1" indent="0">
-              <a:buNone/>
-            </a:pPr>
-            <a:endParaRPr lang="ru-RU" altLang="ru-RU" sz="2600" dirty="0"/>
-          </a:p>
-          <a:p>
-            <a:pPr marL="4572" lvl="1" indent="0">
-              <a:buNone/>
-            </a:pPr>
-            <a:r>
-              <a:rPr lang="ru-RU" altLang="ru-RU" sz="2600" dirty="0" smtClean="0"/>
-              <a:t>В </a:t>
-            </a:r>
-            <a:r>
-              <a:rPr lang="ru-RU" altLang="ru-RU" sz="2600" dirty="0"/>
-              <a:t>результате работы над проектом были выполнены все </a:t>
-            </a:r>
-            <a:r>
-              <a:rPr lang="ru-RU" altLang="ru-RU" sz="2600" i="1" dirty="0" smtClean="0"/>
-              <a:t>поставленные </a:t>
-            </a:r>
-            <a:r>
-              <a:rPr lang="ru-RU" altLang="ru-RU" sz="2600" i="1" dirty="0"/>
-              <a:t>задачи </a:t>
-            </a:r>
-            <a:r>
-              <a:rPr lang="ru-RU" altLang="ru-RU" sz="2600" dirty="0"/>
-              <a:t>и </a:t>
-            </a:r>
-            <a:r>
-              <a:rPr lang="ru-RU" altLang="ru-RU" sz="2600" i="1" dirty="0"/>
-              <a:t>приобретены навыки отбора </a:t>
-            </a:r>
-            <a:r>
-              <a:rPr lang="ru-RU" altLang="ru-RU" sz="2600" dirty="0"/>
-              <a:t>и с</a:t>
-            </a:r>
-            <a:r>
-              <a:rPr lang="ru-RU" altLang="ru-RU" sz="2600" i="1" dirty="0"/>
-              <a:t>истематизации</a:t>
-            </a:r>
-            <a:r>
-              <a:rPr lang="ru-RU" altLang="ru-RU" sz="2600" dirty="0"/>
-              <a:t> нужной </a:t>
-            </a:r>
-            <a:r>
-              <a:rPr lang="ru-RU" altLang="ru-RU" sz="2600" i="1" dirty="0"/>
-              <a:t>информации из множества источников</a:t>
-            </a:r>
-            <a:r>
-              <a:rPr lang="ru-RU" altLang="ru-RU" sz="2600" dirty="0"/>
-              <a:t>.</a:t>
-            </a:r>
-          </a:p>
+          <a:lstStyle>
+            <a:lvl1pPr marL="91440" indent="-91440" algn="l" defTabSz="914400" rtl="0" eaLnBrk="1" latinLnBrk="0" hangingPunct="1">
+              <a:lnSpc>
+                <a:spcPct val="85000"/>
+              </a:lnSpc>
+              <a:spcBef>
+                <a:spcPts val="1300"/>
+              </a:spcBef>
+              <a:buFont typeface="Arial" pitchFamily="34" charset="0"/>
+              <a:buChar char=" "/>
+              <a:defRPr sz="2400" kern="1200">
+                <a:solidFill>
+                  <a:schemeClr val="tx1">
+                    <a:lumMod val="85000"/>
+                    <a:lumOff val="15000"/>
+                  </a:schemeClr>
+                </a:solidFill>
+                <a:latin typeface="+mn-lt"/>
+                <a:ea typeface="+mn-ea"/>
+                <a:cs typeface="+mn-cs"/>
+              </a:defRPr>
+            </a:lvl1pPr>
+            <a:lvl2pPr marL="347472" indent="-342900" algn="l" defTabSz="914400" rtl="0" eaLnBrk="1" latinLnBrk="0" hangingPunct="1">
+              <a:lnSpc>
+                <a:spcPct val="85000"/>
+              </a:lnSpc>
+              <a:spcBef>
+                <a:spcPts val="600"/>
+              </a:spcBef>
+              <a:buFont typeface="Arial" pitchFamily="34" charset="0"/>
+              <a:buChar char=" "/>
+              <a:defRPr sz="2400" kern="1200">
+                <a:solidFill>
+                  <a:schemeClr val="tx1">
+                    <a:lumMod val="85000"/>
+                    <a:lumOff val="15000"/>
+                  </a:schemeClr>
+                </a:solidFill>
+                <a:latin typeface="+mn-lt"/>
+                <a:ea typeface="+mn-ea"/>
+                <a:cs typeface="+mn-cs"/>
+              </a:defRPr>
+            </a:lvl2pPr>
+            <a:lvl3pPr marL="548640" indent="-548640" algn="l" defTabSz="914400" rtl="0" eaLnBrk="1" latinLnBrk="0" hangingPunct="1">
+              <a:lnSpc>
+                <a:spcPct val="85000"/>
+              </a:lnSpc>
+              <a:spcBef>
+                <a:spcPts val="600"/>
+              </a:spcBef>
+              <a:buFont typeface="Arial" pitchFamily="34" charset="0"/>
+              <a:buChar char=" "/>
+              <a:defRPr sz="2000" i="1" kern="1200">
+                <a:solidFill>
+                  <a:schemeClr val="tx1">
+                    <a:lumMod val="85000"/>
+                    <a:lumOff val="15000"/>
+                  </a:schemeClr>
+                </a:solidFill>
+                <a:latin typeface="+mn-lt"/>
+                <a:ea typeface="+mn-ea"/>
+                <a:cs typeface="+mn-cs"/>
+              </a:defRPr>
+            </a:lvl3pPr>
+            <a:lvl4pPr marL="822960" indent="-822960" algn="l" defTabSz="914400" rtl="0" eaLnBrk="1" latinLnBrk="0" hangingPunct="1">
+              <a:lnSpc>
+                <a:spcPct val="85000"/>
+              </a:lnSpc>
+              <a:spcBef>
+                <a:spcPts val="600"/>
+              </a:spcBef>
+              <a:buFont typeface="Arial" pitchFamily="34" charset="0"/>
+              <a:buChar char=" "/>
+              <a:defRPr sz="1800" kern="1200">
+                <a:solidFill>
+                  <a:schemeClr val="tx1">
+                    <a:lumMod val="85000"/>
+                    <a:lumOff val="15000"/>
+                  </a:schemeClr>
+                </a:solidFill>
+                <a:latin typeface="+mn-lt"/>
+                <a:ea typeface="+mn-ea"/>
+                <a:cs typeface="+mn-cs"/>
+              </a:defRPr>
+            </a:lvl4pPr>
+            <a:lvl5pPr marL="1097280" indent="-1097280" algn="l" defTabSz="914400" rtl="0" eaLnBrk="1" latinLnBrk="0" hangingPunct="1">
+              <a:lnSpc>
+                <a:spcPct val="85000"/>
+              </a:lnSpc>
+              <a:spcBef>
+                <a:spcPts val="600"/>
+              </a:spcBef>
+              <a:buFont typeface="Arial" pitchFamily="34" charset="0"/>
+              <a:buChar char=" "/>
+              <a:defRPr sz="1800" kern="1200">
+                <a:solidFill>
+                  <a:schemeClr val="tx1">
+                    <a:lumMod val="85000"/>
+                    <a:lumOff val="15000"/>
+                  </a:schemeClr>
+                </a:solidFill>
+                <a:latin typeface="+mn-lt"/>
+                <a:ea typeface="+mn-ea"/>
+                <a:cs typeface="+mn-cs"/>
+              </a:defRPr>
+            </a:lvl5pPr>
+            <a:lvl6pPr marL="1200000" indent="-228600" algn="l" defTabSz="914400" rtl="0" eaLnBrk="1" latinLnBrk="0" hangingPunct="1">
+              <a:lnSpc>
+                <a:spcPct val="85000"/>
+              </a:lnSpc>
+              <a:spcBef>
+                <a:spcPts val="600"/>
+              </a:spcBef>
+              <a:buFont typeface="Arial" pitchFamily="34" charset="0"/>
+              <a:buChar char=" "/>
+              <a:defRPr sz="1800" kern="1200">
+                <a:solidFill>
+                  <a:schemeClr val="tx1">
+                    <a:lumMod val="85000"/>
+                    <a:lumOff val="15000"/>
+                  </a:schemeClr>
+                </a:solidFill>
+                <a:latin typeface="+mn-lt"/>
+                <a:ea typeface="+mn-ea"/>
+                <a:cs typeface="+mn-cs"/>
+              </a:defRPr>
+            </a:lvl6pPr>
+            <a:lvl7pPr marL="1400000" indent="-228600" algn="l" defTabSz="914400" rtl="0" eaLnBrk="1" latinLnBrk="0" hangingPunct="1">
+              <a:lnSpc>
+                <a:spcPct val="85000"/>
+              </a:lnSpc>
+              <a:spcBef>
+                <a:spcPts val="600"/>
+              </a:spcBef>
+              <a:buFont typeface="Arial" pitchFamily="34" charset="0"/>
+              <a:buChar char=" "/>
+              <a:defRPr sz="1800" kern="1200">
+                <a:solidFill>
+                  <a:schemeClr val="tx1">
+                    <a:lumMod val="85000"/>
+                    <a:lumOff val="15000"/>
+                  </a:schemeClr>
+                </a:solidFill>
+                <a:latin typeface="+mn-lt"/>
+                <a:ea typeface="+mn-ea"/>
+                <a:cs typeface="+mn-cs"/>
+              </a:defRPr>
+            </a:lvl7pPr>
+            <a:lvl8pPr marL="1600000" indent="-228600" algn="l" defTabSz="914400" rtl="0" eaLnBrk="1" latinLnBrk="0" hangingPunct="1">
+              <a:lnSpc>
+                <a:spcPct val="85000"/>
+              </a:lnSpc>
+              <a:spcBef>
+                <a:spcPts val="600"/>
+              </a:spcBef>
+              <a:buFont typeface="Arial" pitchFamily="34" charset="0"/>
+              <a:buChar char=" "/>
+              <a:defRPr sz="1800" kern="1200">
+                <a:solidFill>
+                  <a:schemeClr val="tx1">
+                    <a:lumMod val="85000"/>
+                    <a:lumOff val="15000"/>
+                  </a:schemeClr>
+                </a:solidFill>
+                <a:latin typeface="+mn-lt"/>
+                <a:ea typeface="+mn-ea"/>
+                <a:cs typeface="+mn-cs"/>
+              </a:defRPr>
+            </a:lvl8pPr>
+            <a:lvl9pPr marL="1800000" indent="-228600" algn="l" defTabSz="914400" rtl="0" eaLnBrk="1" latinLnBrk="0" hangingPunct="1">
+              <a:lnSpc>
+                <a:spcPct val="85000"/>
+              </a:lnSpc>
+              <a:spcBef>
+                <a:spcPts val="600"/>
+              </a:spcBef>
+              <a:buFont typeface="Arial" pitchFamily="34" charset="0"/>
+              <a:buChar char=" "/>
+              <a:defRPr sz="1800" kern="1200">
+                <a:solidFill>
+                  <a:schemeClr val="tx1">
+                    <a:lumMod val="85000"/>
+                    <a:lumOff val="15000"/>
+                  </a:schemeClr>
+                </a:solidFill>
+                <a:latin typeface="+mn-lt"/>
+                <a:ea typeface="+mn-ea"/>
+                <a:cs typeface="+mn-cs"/>
+              </a:defRPr>
+            </a:lvl9pPr>
+          </a:lstStyle>
           <a:p>
             <a:pPr marL="0" indent="0">
               <a:buNone/>
             </a:pPr>
-            <a:endParaRPr lang="ru-RU" altLang="ru-RU" sz="2600" dirty="0"/>
+            <a:endParaRPr lang="ru-RU" sz="2900" dirty="0" smtClean="0">
+              <a:latin typeface="+mj-lt"/>
+            </a:endParaRPr>
+          </a:p>
+        </p:txBody>
+      </p:sp>
+      <p:pic>
+        <p:nvPicPr>
+          <p:cNvPr id="10" name="Picture 4" descr="https://www.greenlight-cs.com/wp-content/uploads/2018/07/JS.png"/>
+          <p:cNvPicPr>
+            <a:picLocks noChangeAspect="1" noChangeArrowheads="1"/>
+          </p:cNvPicPr>
+          <p:nvPr/>
+        </p:nvPicPr>
+        <p:blipFill>
+          <a:blip r:embed="rId2" cstate="print">
+            <a:extLst>
+              <a:ext uri="{28A0092B-C50C-407E-A947-70E740481C1C}">
+                <a14:useLocalDpi xmlns:a14="http://schemas.microsoft.com/office/drawing/2010/main" val="0"/>
+              </a:ext>
+            </a:extLst>
+          </a:blip>
+          <a:srcRect/>
+          <a:stretch>
+            <a:fillRect/>
+          </a:stretch>
+        </p:blipFill>
+        <p:spPr bwMode="auto">
+          <a:xfrm>
+            <a:off x="0" y="6097465"/>
+            <a:ext cx="659423" cy="659423"/>
+          </a:xfrm>
+          <a:prstGeom prst="rect">
+            <a:avLst/>
+          </a:prstGeom>
+          <a:noFill/>
+          <a:extLst>
+            <a:ext uri="{909E8E84-426E-40DD-AFC4-6F175D3DCCD1}">
+              <a14:hiddenFill xmlns:a14="http://schemas.microsoft.com/office/drawing/2010/main">
+                <a:solidFill>
+                  <a:srgbClr val="FFFFFF"/>
+                </a:solidFill>
+              </a14:hiddenFill>
+            </a:ext>
+          </a:extLst>
+        </p:spPr>
+      </p:pic>
+      <p:sp>
+        <p:nvSpPr>
+          <p:cNvPr id="12" name="Объект 2"/>
+          <p:cNvSpPr txBox="1">
+            <a:spLocks/>
+          </p:cNvSpPr>
+          <p:nvPr/>
+        </p:nvSpPr>
+        <p:spPr>
+          <a:xfrm>
+            <a:off x="478772" y="6121886"/>
+            <a:ext cx="7478266" cy="610579"/>
+          </a:xfrm>
+          <a:prstGeom prst="rect">
+            <a:avLst/>
+          </a:prstGeom>
+        </p:spPr>
+        <p:txBody>
+          <a:bodyPr vert="horz" lIns="91440" tIns="45720" rIns="91440" bIns="45720" rtlCol="0">
+            <a:normAutofit fontScale="85000" lnSpcReduction="10000"/>
+          </a:bodyPr>
+          <a:lstStyle>
+            <a:lvl1pPr marL="91440" indent="-91440" algn="l" defTabSz="914400" rtl="0" eaLnBrk="1" latinLnBrk="0" hangingPunct="1">
+              <a:lnSpc>
+                <a:spcPct val="85000"/>
+              </a:lnSpc>
+              <a:spcBef>
+                <a:spcPts val="1300"/>
+              </a:spcBef>
+              <a:buFont typeface="Arial" pitchFamily="34" charset="0"/>
+              <a:buChar char=" "/>
+              <a:defRPr sz="2400" kern="1200">
+                <a:solidFill>
+                  <a:schemeClr val="tx1">
+                    <a:lumMod val="85000"/>
+                    <a:lumOff val="15000"/>
+                  </a:schemeClr>
+                </a:solidFill>
+                <a:latin typeface="+mn-lt"/>
+                <a:ea typeface="+mn-ea"/>
+                <a:cs typeface="+mn-cs"/>
+              </a:defRPr>
+            </a:lvl1pPr>
+            <a:lvl2pPr marL="347472" indent="-342900" algn="l" defTabSz="914400" rtl="0" eaLnBrk="1" latinLnBrk="0" hangingPunct="1">
+              <a:lnSpc>
+                <a:spcPct val="85000"/>
+              </a:lnSpc>
+              <a:spcBef>
+                <a:spcPts val="600"/>
+              </a:spcBef>
+              <a:buFont typeface="Arial" pitchFamily="34" charset="0"/>
+              <a:buChar char=" "/>
+              <a:defRPr sz="2400" kern="1200">
+                <a:solidFill>
+                  <a:schemeClr val="tx1">
+                    <a:lumMod val="85000"/>
+                    <a:lumOff val="15000"/>
+                  </a:schemeClr>
+                </a:solidFill>
+                <a:latin typeface="+mn-lt"/>
+                <a:ea typeface="+mn-ea"/>
+                <a:cs typeface="+mn-cs"/>
+              </a:defRPr>
+            </a:lvl2pPr>
+            <a:lvl3pPr marL="548640" indent="-548640" algn="l" defTabSz="914400" rtl="0" eaLnBrk="1" latinLnBrk="0" hangingPunct="1">
+              <a:lnSpc>
+                <a:spcPct val="85000"/>
+              </a:lnSpc>
+              <a:spcBef>
+                <a:spcPts val="600"/>
+              </a:spcBef>
+              <a:buFont typeface="Arial" pitchFamily="34" charset="0"/>
+              <a:buChar char=" "/>
+              <a:defRPr sz="2000" i="1" kern="1200">
+                <a:solidFill>
+                  <a:schemeClr val="tx1">
+                    <a:lumMod val="85000"/>
+                    <a:lumOff val="15000"/>
+                  </a:schemeClr>
+                </a:solidFill>
+                <a:latin typeface="+mn-lt"/>
+                <a:ea typeface="+mn-ea"/>
+                <a:cs typeface="+mn-cs"/>
+              </a:defRPr>
+            </a:lvl3pPr>
+            <a:lvl4pPr marL="822960" indent="-822960" algn="l" defTabSz="914400" rtl="0" eaLnBrk="1" latinLnBrk="0" hangingPunct="1">
+              <a:lnSpc>
+                <a:spcPct val="85000"/>
+              </a:lnSpc>
+              <a:spcBef>
+                <a:spcPts val="600"/>
+              </a:spcBef>
+              <a:buFont typeface="Arial" pitchFamily="34" charset="0"/>
+              <a:buChar char=" "/>
+              <a:defRPr sz="1800" kern="1200">
+                <a:solidFill>
+                  <a:schemeClr val="tx1">
+                    <a:lumMod val="85000"/>
+                    <a:lumOff val="15000"/>
+                  </a:schemeClr>
+                </a:solidFill>
+                <a:latin typeface="+mn-lt"/>
+                <a:ea typeface="+mn-ea"/>
+                <a:cs typeface="+mn-cs"/>
+              </a:defRPr>
+            </a:lvl4pPr>
+            <a:lvl5pPr marL="1097280" indent="-1097280" algn="l" defTabSz="914400" rtl="0" eaLnBrk="1" latinLnBrk="0" hangingPunct="1">
+              <a:lnSpc>
+                <a:spcPct val="85000"/>
+              </a:lnSpc>
+              <a:spcBef>
+                <a:spcPts val="600"/>
+              </a:spcBef>
+              <a:buFont typeface="Arial" pitchFamily="34" charset="0"/>
+              <a:buChar char=" "/>
+              <a:defRPr sz="1800" kern="1200">
+                <a:solidFill>
+                  <a:schemeClr val="tx1">
+                    <a:lumMod val="85000"/>
+                    <a:lumOff val="15000"/>
+                  </a:schemeClr>
+                </a:solidFill>
+                <a:latin typeface="+mn-lt"/>
+                <a:ea typeface="+mn-ea"/>
+                <a:cs typeface="+mn-cs"/>
+              </a:defRPr>
+            </a:lvl5pPr>
+            <a:lvl6pPr marL="1200000" indent="-228600" algn="l" defTabSz="914400" rtl="0" eaLnBrk="1" latinLnBrk="0" hangingPunct="1">
+              <a:lnSpc>
+                <a:spcPct val="85000"/>
+              </a:lnSpc>
+              <a:spcBef>
+                <a:spcPts val="600"/>
+              </a:spcBef>
+              <a:buFont typeface="Arial" pitchFamily="34" charset="0"/>
+              <a:buChar char=" "/>
+              <a:defRPr sz="1800" kern="1200">
+                <a:solidFill>
+                  <a:schemeClr val="tx1">
+                    <a:lumMod val="85000"/>
+                    <a:lumOff val="15000"/>
+                  </a:schemeClr>
+                </a:solidFill>
+                <a:latin typeface="+mn-lt"/>
+                <a:ea typeface="+mn-ea"/>
+                <a:cs typeface="+mn-cs"/>
+              </a:defRPr>
+            </a:lvl6pPr>
+            <a:lvl7pPr marL="1400000" indent="-228600" algn="l" defTabSz="914400" rtl="0" eaLnBrk="1" latinLnBrk="0" hangingPunct="1">
+              <a:lnSpc>
+                <a:spcPct val="85000"/>
+              </a:lnSpc>
+              <a:spcBef>
+                <a:spcPts val="600"/>
+              </a:spcBef>
+              <a:buFont typeface="Arial" pitchFamily="34" charset="0"/>
+              <a:buChar char=" "/>
+              <a:defRPr sz="1800" kern="1200">
+                <a:solidFill>
+                  <a:schemeClr val="tx1">
+                    <a:lumMod val="85000"/>
+                    <a:lumOff val="15000"/>
+                  </a:schemeClr>
+                </a:solidFill>
+                <a:latin typeface="+mn-lt"/>
+                <a:ea typeface="+mn-ea"/>
+                <a:cs typeface="+mn-cs"/>
+              </a:defRPr>
+            </a:lvl7pPr>
+            <a:lvl8pPr marL="1600000" indent="-228600" algn="l" defTabSz="914400" rtl="0" eaLnBrk="1" latinLnBrk="0" hangingPunct="1">
+              <a:lnSpc>
+                <a:spcPct val="85000"/>
+              </a:lnSpc>
+              <a:spcBef>
+                <a:spcPts val="600"/>
+              </a:spcBef>
+              <a:buFont typeface="Arial" pitchFamily="34" charset="0"/>
+              <a:buChar char=" "/>
+              <a:defRPr sz="1800" kern="1200">
+                <a:solidFill>
+                  <a:schemeClr val="tx1">
+                    <a:lumMod val="85000"/>
+                    <a:lumOff val="15000"/>
+                  </a:schemeClr>
+                </a:solidFill>
+                <a:latin typeface="+mn-lt"/>
+                <a:ea typeface="+mn-ea"/>
+                <a:cs typeface="+mn-cs"/>
+              </a:defRPr>
+            </a:lvl8pPr>
+            <a:lvl9pPr marL="1800000" indent="-228600" algn="l" defTabSz="914400" rtl="0" eaLnBrk="1" latinLnBrk="0" hangingPunct="1">
+              <a:lnSpc>
+                <a:spcPct val="85000"/>
+              </a:lnSpc>
+              <a:spcBef>
+                <a:spcPts val="600"/>
+              </a:spcBef>
+              <a:buFont typeface="Arial" pitchFamily="34" charset="0"/>
+              <a:buChar char=" "/>
+              <a:defRPr sz="1800" kern="1200">
+                <a:solidFill>
+                  <a:schemeClr val="tx1">
+                    <a:lumMod val="85000"/>
+                    <a:lumOff val="15000"/>
+                  </a:schemeClr>
+                </a:solidFill>
+                <a:latin typeface="+mn-lt"/>
+                <a:ea typeface="+mn-ea"/>
+                <a:cs typeface="+mn-cs"/>
+              </a:defRPr>
+            </a:lvl9pPr>
+          </a:lstStyle>
+          <a:p>
+            <a:r>
+              <a:rPr lang="en-US" b="1" dirty="0"/>
+              <a:t>JavaScript</a:t>
+            </a:r>
+            <a:r>
+              <a:rPr lang="en-US" dirty="0"/>
+              <a:t> – </a:t>
+            </a:r>
+            <a:r>
+              <a:rPr lang="ru-RU" dirty="0"/>
+              <a:t>это интерпретируемый язык высокого уровня, который позволяет добавить интерактивности и логики на веб-страницу. </a:t>
+            </a:r>
+            <a:endParaRPr lang="ru-RU" sz="3200" dirty="0">
+              <a:effectLst/>
+            </a:endParaRPr>
+          </a:p>
+        </p:txBody>
+      </p:sp>
+      <p:sp>
+        <p:nvSpPr>
+          <p:cNvPr id="14" name="Объект 2"/>
+          <p:cNvSpPr txBox="1">
+            <a:spLocks/>
+          </p:cNvSpPr>
+          <p:nvPr/>
+        </p:nvSpPr>
+        <p:spPr>
+          <a:xfrm>
+            <a:off x="0" y="666802"/>
+            <a:ext cx="8361486" cy="322544"/>
+          </a:xfrm>
+          <a:prstGeom prst="rect">
+            <a:avLst/>
+          </a:prstGeom>
+        </p:spPr>
+        <p:txBody>
+          <a:bodyPr vert="horz" lIns="91440" tIns="45720" rIns="91440" bIns="45720" rtlCol="0">
+            <a:normAutofit fontScale="77500" lnSpcReduction="20000"/>
+          </a:bodyPr>
+          <a:lstStyle>
+            <a:lvl1pPr marL="91440" indent="-91440" algn="l" defTabSz="914400" rtl="0" eaLnBrk="1" latinLnBrk="0" hangingPunct="1">
+              <a:lnSpc>
+                <a:spcPct val="85000"/>
+              </a:lnSpc>
+              <a:spcBef>
+                <a:spcPts val="1300"/>
+              </a:spcBef>
+              <a:buFont typeface="Arial" pitchFamily="34" charset="0"/>
+              <a:buChar char=" "/>
+              <a:defRPr sz="2400" kern="1200">
+                <a:solidFill>
+                  <a:schemeClr val="tx1">
+                    <a:lumMod val="85000"/>
+                    <a:lumOff val="15000"/>
+                  </a:schemeClr>
+                </a:solidFill>
+                <a:latin typeface="+mn-lt"/>
+                <a:ea typeface="+mn-ea"/>
+                <a:cs typeface="+mn-cs"/>
+              </a:defRPr>
+            </a:lvl1pPr>
+            <a:lvl2pPr marL="347472" indent="-342900" algn="l" defTabSz="914400" rtl="0" eaLnBrk="1" latinLnBrk="0" hangingPunct="1">
+              <a:lnSpc>
+                <a:spcPct val="85000"/>
+              </a:lnSpc>
+              <a:spcBef>
+                <a:spcPts val="600"/>
+              </a:spcBef>
+              <a:buFont typeface="Arial" pitchFamily="34" charset="0"/>
+              <a:buChar char=" "/>
+              <a:defRPr sz="2400" kern="1200">
+                <a:solidFill>
+                  <a:schemeClr val="tx1">
+                    <a:lumMod val="85000"/>
+                    <a:lumOff val="15000"/>
+                  </a:schemeClr>
+                </a:solidFill>
+                <a:latin typeface="+mn-lt"/>
+                <a:ea typeface="+mn-ea"/>
+                <a:cs typeface="+mn-cs"/>
+              </a:defRPr>
+            </a:lvl2pPr>
+            <a:lvl3pPr marL="548640" indent="-548640" algn="l" defTabSz="914400" rtl="0" eaLnBrk="1" latinLnBrk="0" hangingPunct="1">
+              <a:lnSpc>
+                <a:spcPct val="85000"/>
+              </a:lnSpc>
+              <a:spcBef>
+                <a:spcPts val="600"/>
+              </a:spcBef>
+              <a:buFont typeface="Arial" pitchFamily="34" charset="0"/>
+              <a:buChar char=" "/>
+              <a:defRPr sz="2000" i="1" kern="1200">
+                <a:solidFill>
+                  <a:schemeClr val="tx1">
+                    <a:lumMod val="85000"/>
+                    <a:lumOff val="15000"/>
+                  </a:schemeClr>
+                </a:solidFill>
+                <a:latin typeface="+mn-lt"/>
+                <a:ea typeface="+mn-ea"/>
+                <a:cs typeface="+mn-cs"/>
+              </a:defRPr>
+            </a:lvl3pPr>
+            <a:lvl4pPr marL="822960" indent="-822960" algn="l" defTabSz="914400" rtl="0" eaLnBrk="1" latinLnBrk="0" hangingPunct="1">
+              <a:lnSpc>
+                <a:spcPct val="85000"/>
+              </a:lnSpc>
+              <a:spcBef>
+                <a:spcPts val="600"/>
+              </a:spcBef>
+              <a:buFont typeface="Arial" pitchFamily="34" charset="0"/>
+              <a:buChar char=" "/>
+              <a:defRPr sz="1800" kern="1200">
+                <a:solidFill>
+                  <a:schemeClr val="tx1">
+                    <a:lumMod val="85000"/>
+                    <a:lumOff val="15000"/>
+                  </a:schemeClr>
+                </a:solidFill>
+                <a:latin typeface="+mn-lt"/>
+                <a:ea typeface="+mn-ea"/>
+                <a:cs typeface="+mn-cs"/>
+              </a:defRPr>
+            </a:lvl4pPr>
+            <a:lvl5pPr marL="1097280" indent="-1097280" algn="l" defTabSz="914400" rtl="0" eaLnBrk="1" latinLnBrk="0" hangingPunct="1">
+              <a:lnSpc>
+                <a:spcPct val="85000"/>
+              </a:lnSpc>
+              <a:spcBef>
+                <a:spcPts val="600"/>
+              </a:spcBef>
+              <a:buFont typeface="Arial" pitchFamily="34" charset="0"/>
+              <a:buChar char=" "/>
+              <a:defRPr sz="1800" kern="1200">
+                <a:solidFill>
+                  <a:schemeClr val="tx1">
+                    <a:lumMod val="85000"/>
+                    <a:lumOff val="15000"/>
+                  </a:schemeClr>
+                </a:solidFill>
+                <a:latin typeface="+mn-lt"/>
+                <a:ea typeface="+mn-ea"/>
+                <a:cs typeface="+mn-cs"/>
+              </a:defRPr>
+            </a:lvl5pPr>
+            <a:lvl6pPr marL="1200000" indent="-228600" algn="l" defTabSz="914400" rtl="0" eaLnBrk="1" latinLnBrk="0" hangingPunct="1">
+              <a:lnSpc>
+                <a:spcPct val="85000"/>
+              </a:lnSpc>
+              <a:spcBef>
+                <a:spcPts val="600"/>
+              </a:spcBef>
+              <a:buFont typeface="Arial" pitchFamily="34" charset="0"/>
+              <a:buChar char=" "/>
+              <a:defRPr sz="1800" kern="1200">
+                <a:solidFill>
+                  <a:schemeClr val="tx1">
+                    <a:lumMod val="85000"/>
+                    <a:lumOff val="15000"/>
+                  </a:schemeClr>
+                </a:solidFill>
+                <a:latin typeface="+mn-lt"/>
+                <a:ea typeface="+mn-ea"/>
+                <a:cs typeface="+mn-cs"/>
+              </a:defRPr>
+            </a:lvl6pPr>
+            <a:lvl7pPr marL="1400000" indent="-228600" algn="l" defTabSz="914400" rtl="0" eaLnBrk="1" latinLnBrk="0" hangingPunct="1">
+              <a:lnSpc>
+                <a:spcPct val="85000"/>
+              </a:lnSpc>
+              <a:spcBef>
+                <a:spcPts val="600"/>
+              </a:spcBef>
+              <a:buFont typeface="Arial" pitchFamily="34" charset="0"/>
+              <a:buChar char=" "/>
+              <a:defRPr sz="1800" kern="1200">
+                <a:solidFill>
+                  <a:schemeClr val="tx1">
+                    <a:lumMod val="85000"/>
+                    <a:lumOff val="15000"/>
+                  </a:schemeClr>
+                </a:solidFill>
+                <a:latin typeface="+mn-lt"/>
+                <a:ea typeface="+mn-ea"/>
+                <a:cs typeface="+mn-cs"/>
+              </a:defRPr>
+            </a:lvl7pPr>
+            <a:lvl8pPr marL="1600000" indent="-228600" algn="l" defTabSz="914400" rtl="0" eaLnBrk="1" latinLnBrk="0" hangingPunct="1">
+              <a:lnSpc>
+                <a:spcPct val="85000"/>
+              </a:lnSpc>
+              <a:spcBef>
+                <a:spcPts val="600"/>
+              </a:spcBef>
+              <a:buFont typeface="Arial" pitchFamily="34" charset="0"/>
+              <a:buChar char=" "/>
+              <a:defRPr sz="1800" kern="1200">
+                <a:solidFill>
+                  <a:schemeClr val="tx1">
+                    <a:lumMod val="85000"/>
+                    <a:lumOff val="15000"/>
+                  </a:schemeClr>
+                </a:solidFill>
+                <a:latin typeface="+mn-lt"/>
+                <a:ea typeface="+mn-ea"/>
+                <a:cs typeface="+mn-cs"/>
+              </a:defRPr>
+            </a:lvl8pPr>
+            <a:lvl9pPr marL="1800000" indent="-228600" algn="l" defTabSz="914400" rtl="0" eaLnBrk="1" latinLnBrk="0" hangingPunct="1">
+              <a:lnSpc>
+                <a:spcPct val="85000"/>
+              </a:lnSpc>
+              <a:spcBef>
+                <a:spcPts val="600"/>
+              </a:spcBef>
+              <a:buFont typeface="Arial" pitchFamily="34" charset="0"/>
+              <a:buChar char=" "/>
+              <a:defRPr sz="1800" kern="1200">
+                <a:solidFill>
+                  <a:schemeClr val="tx1">
+                    <a:lumMod val="85000"/>
+                    <a:lumOff val="15000"/>
+                  </a:schemeClr>
+                </a:solidFill>
+                <a:latin typeface="+mn-lt"/>
+                <a:ea typeface="+mn-ea"/>
+                <a:cs typeface="+mn-cs"/>
+              </a:defRPr>
+            </a:lvl9pPr>
+          </a:lstStyle>
+          <a:p>
+            <a:pPr marL="0" indent="0">
+              <a:buNone/>
+            </a:pPr>
+            <a:r>
+              <a:rPr lang="ru-RU" sz="2900" dirty="0" smtClean="0"/>
+              <a:t>Логика тестирующей системы была написана на языке </a:t>
+            </a:r>
+            <a:r>
+              <a:rPr lang="en-US" sz="2900" dirty="0" smtClean="0"/>
+              <a:t>JavaScript*</a:t>
+            </a:r>
+            <a:r>
+              <a:rPr lang="ru-RU" sz="2900" dirty="0" smtClean="0"/>
+              <a:t> </a:t>
+            </a:r>
+            <a:endParaRPr lang="ru-RU" sz="2900" dirty="0"/>
+          </a:p>
+        </p:txBody>
+      </p:sp>
+      <p:pic>
+        <p:nvPicPr>
+          <p:cNvPr id="7" name="Рисунок 6"/>
+          <p:cNvPicPr>
+            <a:picLocks noChangeAspect="1"/>
+          </p:cNvPicPr>
+          <p:nvPr/>
+        </p:nvPicPr>
+        <p:blipFill>
+          <a:blip r:embed="rId3">
+            <a:extLst>
+              <a:ext uri="{28A0092B-C50C-407E-A947-70E740481C1C}">
+                <a14:useLocalDpi xmlns:a14="http://schemas.microsoft.com/office/drawing/2010/main" val="0"/>
+              </a:ext>
+            </a:extLst>
+          </a:blip>
+          <a:stretch>
+            <a:fillRect/>
+          </a:stretch>
+        </p:blipFill>
+        <p:spPr>
+          <a:xfrm>
+            <a:off x="162353" y="2060339"/>
+            <a:ext cx="5446874" cy="2796451"/>
+          </a:xfrm>
+          <a:prstGeom prst="rect">
+            <a:avLst/>
+          </a:prstGeom>
+          <a:ln>
+            <a:noFill/>
+          </a:ln>
+          <a:effectLst>
+            <a:outerShdw blurRad="190500" algn="tl" rotWithShape="0">
+              <a:srgbClr val="000000">
+                <a:alpha val="70000"/>
+              </a:srgbClr>
+            </a:outerShdw>
+          </a:effectLst>
+        </p:spPr>
+      </p:pic>
+      <p:pic>
+        <p:nvPicPr>
+          <p:cNvPr id="15" name="Рисунок 14"/>
+          <p:cNvPicPr>
+            <a:picLocks noChangeAspect="1"/>
+          </p:cNvPicPr>
+          <p:nvPr/>
+        </p:nvPicPr>
+        <p:blipFill>
+          <a:blip r:embed="rId4">
+            <a:extLst>
+              <a:ext uri="{28A0092B-C50C-407E-A947-70E740481C1C}">
+                <a14:useLocalDpi xmlns:a14="http://schemas.microsoft.com/office/drawing/2010/main" val="0"/>
+              </a:ext>
+            </a:extLst>
+          </a:blip>
+          <a:stretch>
+            <a:fillRect/>
+          </a:stretch>
+        </p:blipFill>
+        <p:spPr>
+          <a:xfrm>
+            <a:off x="196598" y="1188333"/>
+            <a:ext cx="7236328" cy="684126"/>
+          </a:xfrm>
+          <a:prstGeom prst="rect">
+            <a:avLst/>
+          </a:prstGeom>
+          <a:ln>
+            <a:noFill/>
+          </a:ln>
+          <a:effectLst>
+            <a:outerShdw blurRad="190500" algn="tl" rotWithShape="0">
+              <a:srgbClr val="000000">
+                <a:alpha val="70000"/>
+              </a:srgbClr>
+            </a:outerShdw>
+          </a:effectLst>
+        </p:spPr>
+      </p:pic>
+      <p:pic>
+        <p:nvPicPr>
+          <p:cNvPr id="3" name="Рисунок 2"/>
+          <p:cNvPicPr>
+            <a:picLocks noChangeAspect="1"/>
+          </p:cNvPicPr>
+          <p:nvPr/>
+        </p:nvPicPr>
+        <p:blipFill>
+          <a:blip r:embed="rId5">
+            <a:extLst>
+              <a:ext uri="{28A0092B-C50C-407E-A947-70E740481C1C}">
+                <a14:useLocalDpi xmlns:a14="http://schemas.microsoft.com/office/drawing/2010/main" val="0"/>
+              </a:ext>
+            </a:extLst>
+          </a:blip>
+          <a:stretch>
+            <a:fillRect/>
+          </a:stretch>
+        </p:blipFill>
+        <p:spPr>
+          <a:xfrm>
+            <a:off x="162353" y="5116391"/>
+            <a:ext cx="6668438" cy="809217"/>
+          </a:xfrm>
+          <a:prstGeom prst="rect">
+            <a:avLst/>
+          </a:prstGeom>
+          <a:ln>
+            <a:noFill/>
+          </a:ln>
+          <a:effectLst>
+            <a:outerShdw blurRad="190500" algn="tl" rotWithShape="0">
+              <a:srgbClr val="000000">
+                <a:alpha val="70000"/>
+              </a:srgbClr>
+            </a:outerShdw>
+          </a:effectLst>
+        </p:spPr>
+      </p:pic>
+      <p:pic>
+        <p:nvPicPr>
+          <p:cNvPr id="13" name="Рисунок 12"/>
+          <p:cNvPicPr>
+            <a:picLocks noChangeAspect="1"/>
+          </p:cNvPicPr>
+          <p:nvPr/>
+        </p:nvPicPr>
+        <p:blipFill>
+          <a:blip r:embed="rId6">
+            <a:extLst>
+              <a:ext uri="{28A0092B-C50C-407E-A947-70E740481C1C}">
+                <a14:useLocalDpi xmlns:a14="http://schemas.microsoft.com/office/drawing/2010/main" val="0"/>
+              </a:ext>
+            </a:extLst>
+          </a:blip>
+          <a:stretch>
+            <a:fillRect/>
+          </a:stretch>
+        </p:blipFill>
+        <p:spPr>
+          <a:xfrm>
+            <a:off x="6077008" y="1188333"/>
+            <a:ext cx="5966296" cy="4976284"/>
+          </a:xfrm>
+          <a:prstGeom prst="rect">
+            <a:avLst/>
+          </a:prstGeom>
+          <a:ln>
+            <a:noFill/>
+          </a:ln>
+          <a:effectLst>
+            <a:outerShdw blurRad="190500" algn="tl" rotWithShape="0">
+              <a:srgbClr val="000000">
+                <a:alpha val="70000"/>
+              </a:srgbClr>
+            </a:outerShdw>
+          </a:effectLst>
+        </p:spPr>
+      </p:pic>
+      <p:sp>
+        <p:nvSpPr>
+          <p:cNvPr id="16" name="Заголовок 1"/>
+          <p:cNvSpPr txBox="1">
+            <a:spLocks/>
+          </p:cNvSpPr>
+          <p:nvPr/>
+        </p:nvSpPr>
+        <p:spPr>
+          <a:xfrm>
+            <a:off x="0" y="9119"/>
+            <a:ext cx="2980591" cy="608793"/>
+          </a:xfrm>
+          <a:prstGeom prst="rect">
+            <a:avLst/>
+          </a:prstGeom>
+        </p:spPr>
+        <p:txBody>
+          <a:bodyPr vert="horz" lIns="91440" tIns="45720" rIns="91440" bIns="45720" rtlCol="0" anchor="ctr">
+            <a:normAutofit/>
+          </a:bodyPr>
+          <a:lstStyle>
+            <a:lvl1pPr algn="l" defTabSz="914400" rtl="0" eaLnBrk="1" latinLnBrk="0" hangingPunct="1">
+              <a:lnSpc>
+                <a:spcPct val="85000"/>
+              </a:lnSpc>
+              <a:spcBef>
+                <a:spcPct val="0"/>
+              </a:spcBef>
+              <a:buNone/>
+              <a:defRPr sz="5400" kern="1200" spc="-120" baseline="0">
+                <a:solidFill>
+                  <a:schemeClr val="accent1"/>
+                </a:solidFill>
+                <a:latin typeface="+mj-lt"/>
+                <a:ea typeface="+mj-ea"/>
+                <a:cs typeface="+mj-cs"/>
+              </a:defRPr>
+            </a:lvl1pPr>
+          </a:lstStyle>
+          <a:p>
+            <a:r>
+              <a:rPr lang="en-US" sz="3200" dirty="0" smtClean="0"/>
+              <a:t>WEB-</a:t>
+            </a:r>
+            <a:r>
+              <a:rPr lang="ru-RU" sz="3200" dirty="0" smtClean="0"/>
+              <a:t>Технологии</a:t>
+            </a:r>
+            <a:endParaRPr lang="ru-RU" sz="3200" dirty="0"/>
           </a:p>
         </p:txBody>
       </p:sp>
     </p:spTree>
     <p:extLst>
       <p:ext uri="{BB962C8B-B14F-4D97-AF65-F5344CB8AC3E}">
-        <p14:creationId xmlns:p14="http://schemas.microsoft.com/office/powerpoint/2010/main" val="4236353004"/>
+        <p14:creationId xmlns:p14="http://schemas.microsoft.com/office/powerpoint/2010/main" val="1596012550"/>
       </p:ext>
     </p:extLst>
   </p:cSld>
@@ -4758,6 +6889,715 @@
       </p:grpSpPr>
       <p:sp>
         <p:nvSpPr>
+          <p:cNvPr id="7" name="Заголовок 1"/>
+          <p:cNvSpPr txBox="1">
+            <a:spLocks/>
+          </p:cNvSpPr>
+          <p:nvPr/>
+        </p:nvSpPr>
+        <p:spPr>
+          <a:xfrm>
+            <a:off x="0" y="70339"/>
+            <a:ext cx="1628776" cy="564336"/>
+          </a:xfrm>
+          <a:prstGeom prst="rect">
+            <a:avLst/>
+          </a:prstGeom>
+        </p:spPr>
+        <p:txBody>
+          <a:bodyPr vert="horz" lIns="91440" tIns="45720" rIns="91440" bIns="45720" rtlCol="0" anchor="ctr">
+            <a:noAutofit/>
+          </a:bodyPr>
+          <a:lstStyle>
+            <a:lvl1pPr algn="l" defTabSz="914400" rtl="0" eaLnBrk="1" latinLnBrk="0" hangingPunct="1">
+              <a:lnSpc>
+                <a:spcPct val="85000"/>
+              </a:lnSpc>
+              <a:spcBef>
+                <a:spcPct val="0"/>
+              </a:spcBef>
+              <a:buNone/>
+              <a:defRPr sz="5400" kern="1200" spc="-120" baseline="0">
+                <a:solidFill>
+                  <a:schemeClr val="accent1"/>
+                </a:solidFill>
+                <a:latin typeface="+mj-lt"/>
+                <a:ea typeface="+mj-ea"/>
+                <a:cs typeface="+mj-cs"/>
+              </a:defRPr>
+            </a:lvl1pPr>
+          </a:lstStyle>
+          <a:p>
+            <a:r>
+              <a:rPr lang="ru-RU" sz="4400" smtClean="0"/>
+              <a:t>Сайт</a:t>
+            </a:r>
+            <a:endParaRPr lang="ru-RU" sz="4400" dirty="0"/>
+          </a:p>
+        </p:txBody>
+      </p:sp>
+      <p:pic>
+        <p:nvPicPr>
+          <p:cNvPr id="2" name="Рисунок 1"/>
+          <p:cNvPicPr>
+            <a:picLocks noChangeAspect="1"/>
+          </p:cNvPicPr>
+          <p:nvPr/>
+        </p:nvPicPr>
+        <p:blipFill>
+          <a:blip r:embed="rId2">
+            <a:extLst>
+              <a:ext uri="{28A0092B-C50C-407E-A947-70E740481C1C}">
+                <a14:useLocalDpi xmlns:a14="http://schemas.microsoft.com/office/drawing/2010/main" val="0"/>
+              </a:ext>
+            </a:extLst>
+          </a:blip>
+          <a:stretch>
+            <a:fillRect/>
+          </a:stretch>
+        </p:blipFill>
+        <p:spPr>
+          <a:xfrm>
+            <a:off x="184276" y="791308"/>
+            <a:ext cx="7369714" cy="5012758"/>
+          </a:xfrm>
+          <a:prstGeom prst="rect">
+            <a:avLst/>
+          </a:prstGeom>
+          <a:ln>
+            <a:noFill/>
+          </a:ln>
+          <a:effectLst>
+            <a:outerShdw blurRad="190500" algn="tl" rotWithShape="0">
+              <a:srgbClr val="000000">
+                <a:alpha val="70000"/>
+              </a:srgbClr>
+            </a:outerShdw>
+          </a:effectLst>
+        </p:spPr>
+      </p:pic>
+      <p:pic>
+        <p:nvPicPr>
+          <p:cNvPr id="4" name="Рисунок 3"/>
+          <p:cNvPicPr>
+            <a:picLocks noChangeAspect="1"/>
+          </p:cNvPicPr>
+          <p:nvPr/>
+        </p:nvPicPr>
+        <p:blipFill>
+          <a:blip r:embed="rId3">
+            <a:extLst>
+              <a:ext uri="{28A0092B-C50C-407E-A947-70E740481C1C}">
+                <a14:useLocalDpi xmlns:a14="http://schemas.microsoft.com/office/drawing/2010/main" val="0"/>
+              </a:ext>
+            </a:extLst>
+          </a:blip>
+          <a:stretch>
+            <a:fillRect/>
+          </a:stretch>
+        </p:blipFill>
+        <p:spPr>
+          <a:xfrm>
+            <a:off x="7252261" y="240213"/>
+            <a:ext cx="4819578" cy="4658422"/>
+          </a:xfrm>
+          <a:prstGeom prst="rect">
+            <a:avLst/>
+          </a:prstGeom>
+          <a:ln>
+            <a:noFill/>
+          </a:ln>
+          <a:effectLst>
+            <a:outerShdw blurRad="190500" algn="tl" rotWithShape="0">
+              <a:srgbClr val="000000">
+                <a:alpha val="70000"/>
+              </a:srgbClr>
+            </a:outerShdw>
+          </a:effectLst>
+        </p:spPr>
+      </p:pic>
+      <p:pic>
+        <p:nvPicPr>
+          <p:cNvPr id="9" name="Рисунок 8"/>
+          <p:cNvPicPr>
+            <a:picLocks noChangeAspect="1"/>
+          </p:cNvPicPr>
+          <p:nvPr/>
+        </p:nvPicPr>
+        <p:blipFill>
+          <a:blip r:embed="rId4">
+            <a:extLst>
+              <a:ext uri="{28A0092B-C50C-407E-A947-70E740481C1C}">
+                <a14:useLocalDpi xmlns:a14="http://schemas.microsoft.com/office/drawing/2010/main" val="0"/>
+              </a:ext>
+            </a:extLst>
+          </a:blip>
+          <a:stretch>
+            <a:fillRect/>
+          </a:stretch>
+        </p:blipFill>
+        <p:spPr>
+          <a:xfrm>
+            <a:off x="5433620" y="2569424"/>
+            <a:ext cx="6040342" cy="4121521"/>
+          </a:xfrm>
+          <a:prstGeom prst="rect">
+            <a:avLst/>
+          </a:prstGeom>
+          <a:ln>
+            <a:noFill/>
+          </a:ln>
+          <a:effectLst>
+            <a:outerShdw blurRad="190500" algn="tl" rotWithShape="0">
+              <a:srgbClr val="000000">
+                <a:alpha val="70000"/>
+              </a:srgbClr>
+            </a:outerShdw>
+          </a:effectLst>
+        </p:spPr>
+      </p:pic>
+    </p:spTree>
+    <p:extLst>
+      <p:ext uri="{BB962C8B-B14F-4D97-AF65-F5344CB8AC3E}">
+        <p14:creationId xmlns:p14="http://schemas.microsoft.com/office/powerpoint/2010/main" val="2470248345"/>
+      </p:ext>
+    </p:extLst>
+  </p:cSld>
+  <p:clrMapOvr>
+    <a:masterClrMapping/>
+  </p:clrMapOvr>
+  <p:timing>
+    <p:tnLst>
+      <p:par>
+        <p:cTn id="1" dur="indefinite" restart="never" nodeType="tmRoot"/>
+      </p:par>
+    </p:tnLst>
+  </p:timing>
+</p:sld>
+</file>
+
+<file path=ppt/slides/slide14.xml><?xml version="1.0" encoding="utf-8"?>
+<p:sld xmlns:a="http://schemas.openxmlformats.org/drawingml/2006/main" xmlns:r="http://schemas.openxmlformats.org/officeDocument/2006/relationships" xmlns:p="http://schemas.openxmlformats.org/presentationml/2006/main">
+  <p:cSld>
+    <p:spTree>
+      <p:nvGrpSpPr>
+        <p:cNvPr id="1" name=""/>
+        <p:cNvGrpSpPr/>
+        <p:nvPr/>
+      </p:nvGrpSpPr>
+      <p:grpSpPr>
+        <a:xfrm>
+          <a:off x="0" y="0"/>
+          <a:ext cx="0" cy="0"/>
+          <a:chOff x="0" y="0"/>
+          <a:chExt cx="0" cy="0"/>
+        </a:xfrm>
+      </p:grpSpPr>
+      <p:sp>
+        <p:nvSpPr>
+          <p:cNvPr id="2" name="Заголовок 1"/>
+          <p:cNvSpPr>
+            <a:spLocks noGrp="1"/>
+          </p:cNvSpPr>
+          <p:nvPr>
+            <p:ph type="title"/>
+          </p:nvPr>
+        </p:nvSpPr>
+        <p:spPr>
+          <a:xfrm>
+            <a:off x="0" y="1"/>
+            <a:ext cx="8080131" cy="982418"/>
+          </a:xfrm>
+        </p:spPr>
+        <p:txBody>
+          <a:bodyPr/>
+          <a:lstStyle/>
+          <a:p>
+            <a:r>
+              <a:rPr lang="ru-RU" dirty="0" smtClean="0"/>
+              <a:t>Теория по решение заданий</a:t>
+            </a:r>
+            <a:endParaRPr lang="ru-RU" dirty="0"/>
+          </a:p>
+        </p:txBody>
+      </p:sp>
+      <p:pic>
+        <p:nvPicPr>
+          <p:cNvPr id="4" name="Рисунок 3"/>
+          <p:cNvPicPr>
+            <a:picLocks noChangeAspect="1"/>
+          </p:cNvPicPr>
+          <p:nvPr/>
+        </p:nvPicPr>
+        <p:blipFill>
+          <a:blip r:embed="rId2">
+            <a:extLst>
+              <a:ext uri="{28A0092B-C50C-407E-A947-70E740481C1C}">
+                <a14:useLocalDpi xmlns:a14="http://schemas.microsoft.com/office/drawing/2010/main" val="0"/>
+              </a:ext>
+            </a:extLst>
+          </a:blip>
+          <a:stretch>
+            <a:fillRect/>
+          </a:stretch>
+        </p:blipFill>
+        <p:spPr>
+          <a:xfrm>
+            <a:off x="151234" y="1070341"/>
+            <a:ext cx="5845119" cy="4836949"/>
+          </a:xfrm>
+          <a:prstGeom prst="rect">
+            <a:avLst/>
+          </a:prstGeom>
+          <a:ln>
+            <a:noFill/>
+          </a:ln>
+          <a:effectLst>
+            <a:outerShdw blurRad="190500" algn="tl" rotWithShape="0">
+              <a:srgbClr val="000000">
+                <a:alpha val="70000"/>
+              </a:srgbClr>
+            </a:outerShdw>
+          </a:effectLst>
+        </p:spPr>
+      </p:pic>
+      <p:pic>
+        <p:nvPicPr>
+          <p:cNvPr id="7" name="Рисунок 6"/>
+          <p:cNvPicPr>
+            <a:picLocks noChangeAspect="1"/>
+          </p:cNvPicPr>
+          <p:nvPr/>
+        </p:nvPicPr>
+        <p:blipFill>
+          <a:blip r:embed="rId3">
+            <a:extLst>
+              <a:ext uri="{28A0092B-C50C-407E-A947-70E740481C1C}">
+                <a14:useLocalDpi xmlns:a14="http://schemas.microsoft.com/office/drawing/2010/main" val="0"/>
+              </a:ext>
+            </a:extLst>
+          </a:blip>
+          <a:stretch>
+            <a:fillRect/>
+          </a:stretch>
+        </p:blipFill>
+        <p:spPr>
+          <a:xfrm>
+            <a:off x="5801279" y="859325"/>
+            <a:ext cx="6258835" cy="4836949"/>
+          </a:xfrm>
+          <a:prstGeom prst="rect">
+            <a:avLst/>
+          </a:prstGeom>
+          <a:ln>
+            <a:noFill/>
+          </a:ln>
+          <a:effectLst>
+            <a:outerShdw blurRad="190500" algn="tl" rotWithShape="0">
+              <a:srgbClr val="000000">
+                <a:alpha val="70000"/>
+              </a:srgbClr>
+            </a:outerShdw>
+          </a:effectLst>
+        </p:spPr>
+      </p:pic>
+      <p:pic>
+        <p:nvPicPr>
+          <p:cNvPr id="9" name="Рисунок 8"/>
+          <p:cNvPicPr>
+            <a:picLocks noChangeAspect="1"/>
+          </p:cNvPicPr>
+          <p:nvPr/>
+        </p:nvPicPr>
+        <p:blipFill>
+          <a:blip r:embed="rId4">
+            <a:extLst>
+              <a:ext uri="{28A0092B-C50C-407E-A947-70E740481C1C}">
+                <a14:useLocalDpi xmlns:a14="http://schemas.microsoft.com/office/drawing/2010/main" val="0"/>
+              </a:ext>
+            </a:extLst>
+          </a:blip>
+          <a:stretch>
+            <a:fillRect/>
+          </a:stretch>
+        </p:blipFill>
+        <p:spPr>
+          <a:xfrm>
+            <a:off x="2985869" y="1590093"/>
+            <a:ext cx="6873814" cy="5100852"/>
+          </a:xfrm>
+          <a:prstGeom prst="rect">
+            <a:avLst/>
+          </a:prstGeom>
+          <a:ln>
+            <a:noFill/>
+          </a:ln>
+          <a:effectLst>
+            <a:outerShdw blurRad="190500" algn="tl" rotWithShape="0">
+              <a:srgbClr val="000000">
+                <a:alpha val="70000"/>
+              </a:srgbClr>
+            </a:outerShdw>
+          </a:effectLst>
+        </p:spPr>
+      </p:pic>
+    </p:spTree>
+    <p:extLst>
+      <p:ext uri="{BB962C8B-B14F-4D97-AF65-F5344CB8AC3E}">
+        <p14:creationId xmlns:p14="http://schemas.microsoft.com/office/powerpoint/2010/main" val="3567081307"/>
+      </p:ext>
+    </p:extLst>
+  </p:cSld>
+  <p:clrMapOvr>
+    <a:masterClrMapping/>
+  </p:clrMapOvr>
+  <p:timing>
+    <p:tnLst>
+      <p:par>
+        <p:cTn id="1" dur="indefinite" restart="never" nodeType="tmRoot"/>
+      </p:par>
+    </p:tnLst>
+  </p:timing>
+</p:sld>
+</file>
+
+<file path=ppt/slides/slide15.xml><?xml version="1.0" encoding="utf-8"?>
+<p:sld xmlns:a="http://schemas.openxmlformats.org/drawingml/2006/main" xmlns:r="http://schemas.openxmlformats.org/officeDocument/2006/relationships" xmlns:p="http://schemas.openxmlformats.org/presentationml/2006/main">
+  <p:cSld>
+    <p:spTree>
+      <p:nvGrpSpPr>
+        <p:cNvPr id="1" name=""/>
+        <p:cNvGrpSpPr/>
+        <p:nvPr/>
+      </p:nvGrpSpPr>
+      <p:grpSpPr>
+        <a:xfrm>
+          <a:off x="0" y="0"/>
+          <a:ext cx="0" cy="0"/>
+          <a:chOff x="0" y="0"/>
+          <a:chExt cx="0" cy="0"/>
+        </a:xfrm>
+      </p:grpSpPr>
+      <p:sp>
+        <p:nvSpPr>
+          <p:cNvPr id="2" name="Заголовок 1"/>
+          <p:cNvSpPr>
+            <a:spLocks noGrp="1"/>
+          </p:cNvSpPr>
+          <p:nvPr>
+            <p:ph type="title"/>
+          </p:nvPr>
+        </p:nvSpPr>
+        <p:spPr>
+          <a:xfrm>
+            <a:off x="10548063" y="0"/>
+            <a:ext cx="1643937" cy="841669"/>
+          </a:xfrm>
+        </p:spPr>
+        <p:txBody>
+          <a:bodyPr/>
+          <a:lstStyle/>
+          <a:p>
+            <a:r>
+              <a:rPr lang="ru-RU" dirty="0" smtClean="0"/>
+              <a:t>Тест</a:t>
+            </a:r>
+            <a:endParaRPr lang="ru-RU" dirty="0"/>
+          </a:p>
+        </p:txBody>
+      </p:sp>
+      <p:pic>
+        <p:nvPicPr>
+          <p:cNvPr id="4" name="Рисунок 3"/>
+          <p:cNvPicPr>
+            <a:picLocks noChangeAspect="1"/>
+          </p:cNvPicPr>
+          <p:nvPr/>
+        </p:nvPicPr>
+        <p:blipFill>
+          <a:blip r:embed="rId2">
+            <a:extLst>
+              <a:ext uri="{28A0092B-C50C-407E-A947-70E740481C1C}">
+                <a14:useLocalDpi xmlns:a14="http://schemas.microsoft.com/office/drawing/2010/main" val="0"/>
+              </a:ext>
+            </a:extLst>
+          </a:blip>
+          <a:stretch>
+            <a:fillRect/>
+          </a:stretch>
+        </p:blipFill>
+        <p:spPr>
+          <a:xfrm>
+            <a:off x="149320" y="131885"/>
+            <a:ext cx="6838110" cy="5037992"/>
+          </a:xfrm>
+          <a:prstGeom prst="rect">
+            <a:avLst/>
+          </a:prstGeom>
+          <a:ln>
+            <a:noFill/>
+          </a:ln>
+          <a:effectLst>
+            <a:outerShdw blurRad="190500" algn="tl" rotWithShape="0">
+              <a:srgbClr val="000000">
+                <a:alpha val="70000"/>
+              </a:srgbClr>
+            </a:outerShdw>
+          </a:effectLst>
+        </p:spPr>
+      </p:pic>
+      <p:pic>
+        <p:nvPicPr>
+          <p:cNvPr id="9" name="Рисунок 8"/>
+          <p:cNvPicPr>
+            <a:picLocks noChangeAspect="1"/>
+          </p:cNvPicPr>
+          <p:nvPr/>
+        </p:nvPicPr>
+        <p:blipFill>
+          <a:blip r:embed="rId3">
+            <a:extLst>
+              <a:ext uri="{28A0092B-C50C-407E-A947-70E740481C1C}">
+                <a14:useLocalDpi xmlns:a14="http://schemas.microsoft.com/office/drawing/2010/main" val="0"/>
+              </a:ext>
+            </a:extLst>
+          </a:blip>
+          <a:stretch>
+            <a:fillRect/>
+          </a:stretch>
+        </p:blipFill>
+        <p:spPr>
+          <a:xfrm>
+            <a:off x="4412603" y="1032478"/>
+            <a:ext cx="7615049" cy="5687666"/>
+          </a:xfrm>
+          <a:prstGeom prst="rect">
+            <a:avLst/>
+          </a:prstGeom>
+          <a:ln>
+            <a:noFill/>
+          </a:ln>
+          <a:effectLst>
+            <a:outerShdw blurRad="190500" algn="tl" rotWithShape="0">
+              <a:srgbClr val="000000">
+                <a:alpha val="70000"/>
+              </a:srgbClr>
+            </a:outerShdw>
+          </a:effectLst>
+        </p:spPr>
+      </p:pic>
+    </p:spTree>
+    <p:extLst>
+      <p:ext uri="{BB962C8B-B14F-4D97-AF65-F5344CB8AC3E}">
+        <p14:creationId xmlns:p14="http://schemas.microsoft.com/office/powerpoint/2010/main" val="2252633976"/>
+      </p:ext>
+    </p:extLst>
+  </p:cSld>
+  <p:clrMapOvr>
+    <a:masterClrMapping/>
+  </p:clrMapOvr>
+  <p:timing>
+    <p:tnLst>
+      <p:par>
+        <p:cTn id="1" dur="indefinite" restart="never" nodeType="tmRoot"/>
+      </p:par>
+    </p:tnLst>
+  </p:timing>
+</p:sld>
+</file>
+
+<file path=ppt/slides/slide16.xml><?xml version="1.0" encoding="utf-8"?>
+<p:sld xmlns:a="http://schemas.openxmlformats.org/drawingml/2006/main" xmlns:r="http://schemas.openxmlformats.org/officeDocument/2006/relationships" xmlns:p="http://schemas.openxmlformats.org/presentationml/2006/main">
+  <p:cSld>
+    <p:spTree>
+      <p:nvGrpSpPr>
+        <p:cNvPr id="1" name=""/>
+        <p:cNvGrpSpPr/>
+        <p:nvPr/>
+      </p:nvGrpSpPr>
+      <p:grpSpPr>
+        <a:xfrm>
+          <a:off x="0" y="0"/>
+          <a:ext cx="0" cy="0"/>
+          <a:chOff x="0" y="0"/>
+          <a:chExt cx="0" cy="0"/>
+        </a:xfrm>
+      </p:grpSpPr>
+      <p:sp>
+        <p:nvSpPr>
+          <p:cNvPr id="2" name="Заголовок 1"/>
+          <p:cNvSpPr>
+            <a:spLocks noGrp="1"/>
+          </p:cNvSpPr>
+          <p:nvPr>
+            <p:ph type="title"/>
+          </p:nvPr>
+        </p:nvSpPr>
+        <p:spPr>
+          <a:xfrm>
+            <a:off x="676656" y="209550"/>
+            <a:ext cx="3571875" cy="1658198"/>
+          </a:xfrm>
+        </p:spPr>
+        <p:txBody>
+          <a:bodyPr/>
+          <a:lstStyle/>
+          <a:p>
+            <a:r>
+              <a:rPr lang="ru-RU" dirty="0"/>
+              <a:t>Заключение</a:t>
+            </a:r>
+          </a:p>
+        </p:txBody>
+      </p:sp>
+      <p:sp>
+        <p:nvSpPr>
+          <p:cNvPr id="4" name="Объект 1"/>
+          <p:cNvSpPr>
+            <a:spLocks noGrp="1"/>
+          </p:cNvSpPr>
+          <p:nvPr>
+            <p:ph idx="1"/>
+          </p:nvPr>
+        </p:nvSpPr>
+        <p:spPr/>
+        <p:txBody>
+          <a:bodyPr>
+            <a:normAutofit/>
+          </a:bodyPr>
+          <a:lstStyle/>
+          <a:p>
+            <a:pPr lvl="1">
+              <a:buFont typeface="Arial" panose="020B0604020202020204" pitchFamily="34" charset="0"/>
+              <a:buChar char="•"/>
+            </a:pPr>
+            <a:r>
+              <a:rPr lang="ru-RU" altLang="ru-RU" sz="2600" dirty="0" smtClean="0"/>
+              <a:t>Описан алгоритм всех способ решения задач 19-21.</a:t>
+            </a:r>
+          </a:p>
+          <a:p>
+            <a:pPr lvl="1">
+              <a:buFont typeface="Arial" panose="020B0604020202020204" pitchFamily="34" charset="0"/>
+              <a:buChar char="•"/>
+            </a:pPr>
+            <a:r>
+              <a:rPr lang="ru-RU" altLang="ru-RU" sz="2600" dirty="0"/>
+              <a:t>Удалось ознакомиться со средствами веб-разработки и создать сайт с теорией и тестирующей </a:t>
+            </a:r>
+            <a:r>
+              <a:rPr lang="ru-RU" altLang="ru-RU" sz="2600" dirty="0" smtClean="0"/>
+              <a:t>системой.</a:t>
+            </a:r>
+          </a:p>
+          <a:p>
+            <a:pPr marL="4572" lvl="1" indent="0">
+              <a:buNone/>
+            </a:pPr>
+            <a:endParaRPr lang="ru-RU" altLang="ru-RU" sz="2600" dirty="0" smtClean="0"/>
+          </a:p>
+          <a:p>
+            <a:pPr marL="4572" lvl="1" indent="0">
+              <a:buNone/>
+            </a:pPr>
+            <a:endParaRPr lang="ru-RU" altLang="ru-RU" sz="2600" dirty="0"/>
+          </a:p>
+          <a:p>
+            <a:pPr marL="4572" lvl="1" indent="0">
+              <a:buNone/>
+            </a:pPr>
+            <a:r>
+              <a:rPr lang="ru-RU" altLang="ru-RU" sz="2600" dirty="0" smtClean="0"/>
+              <a:t>В </a:t>
+            </a:r>
+            <a:r>
+              <a:rPr lang="ru-RU" altLang="ru-RU" sz="2600" dirty="0"/>
+              <a:t>результате работы над проектом были выполнены все </a:t>
+            </a:r>
+            <a:r>
+              <a:rPr lang="ru-RU" altLang="ru-RU" sz="2600" i="1" dirty="0" smtClean="0"/>
+              <a:t>поставленные </a:t>
+            </a:r>
+            <a:r>
+              <a:rPr lang="ru-RU" altLang="ru-RU" sz="2600" i="1" dirty="0"/>
+              <a:t>задачи </a:t>
+            </a:r>
+            <a:r>
+              <a:rPr lang="ru-RU" altLang="ru-RU" sz="2600" dirty="0"/>
+              <a:t>и </a:t>
+            </a:r>
+            <a:r>
+              <a:rPr lang="ru-RU" altLang="ru-RU" sz="2600" i="1" dirty="0"/>
+              <a:t>приобретены навыки отбора </a:t>
+            </a:r>
+            <a:r>
+              <a:rPr lang="ru-RU" altLang="ru-RU" sz="2600" dirty="0"/>
+              <a:t>и с</a:t>
+            </a:r>
+            <a:r>
+              <a:rPr lang="ru-RU" altLang="ru-RU" sz="2600" i="1" dirty="0"/>
+              <a:t>истематизации</a:t>
+            </a:r>
+            <a:r>
+              <a:rPr lang="ru-RU" altLang="ru-RU" sz="2600" dirty="0"/>
+              <a:t> нужной </a:t>
+            </a:r>
+            <a:r>
+              <a:rPr lang="ru-RU" altLang="ru-RU" sz="2600" i="1" dirty="0"/>
+              <a:t>информации из множества источников</a:t>
+            </a:r>
+            <a:r>
+              <a:rPr lang="ru-RU" altLang="ru-RU" sz="2600" dirty="0"/>
+              <a:t>.</a:t>
+            </a:r>
+          </a:p>
+          <a:p>
+            <a:pPr marL="0" indent="0">
+              <a:buNone/>
+            </a:pPr>
+            <a:endParaRPr lang="ru-RU" altLang="ru-RU" sz="2600" dirty="0"/>
+          </a:p>
+        </p:txBody>
+      </p:sp>
+    </p:spTree>
+    <p:extLst>
+      <p:ext uri="{BB962C8B-B14F-4D97-AF65-F5344CB8AC3E}">
+        <p14:creationId xmlns:p14="http://schemas.microsoft.com/office/powerpoint/2010/main" val="4236353004"/>
+      </p:ext>
+    </p:extLst>
+  </p:cSld>
+  <p:clrMapOvr>
+    <a:masterClrMapping/>
+  </p:clrMapOvr>
+  <p:timing>
+    <p:tnLst>
+      <p:par>
+        <p:cTn id="1" dur="indefinite" restart="never" nodeType="tmRoot"/>
+      </p:par>
+    </p:tnLst>
+  </p:timing>
+</p:sld>
+</file>
+
+<file path=ppt/slides/slide17.xml><?xml version="1.0" encoding="utf-8"?>
+<p:sld xmlns:a="http://schemas.openxmlformats.org/drawingml/2006/main" xmlns:r="http://schemas.openxmlformats.org/officeDocument/2006/relationships" xmlns:p="http://schemas.openxmlformats.org/presentationml/2006/main">
+  <p:cSld>
+    <p:spTree>
+      <p:nvGrpSpPr>
+        <p:cNvPr id="1" name=""/>
+        <p:cNvGrpSpPr/>
+        <p:nvPr/>
+      </p:nvGrpSpPr>
+      <p:grpSpPr>
+        <a:xfrm>
+          <a:off x="0" y="0"/>
+          <a:ext cx="0" cy="0"/>
+          <a:chOff x="0" y="0"/>
+          <a:chExt cx="0" cy="0"/>
+        </a:xfrm>
+      </p:grpSpPr>
+      <p:sp>
+        <p:nvSpPr>
           <p:cNvPr id="2" name="Заголовок 1"/>
           <p:cNvSpPr>
             <a:spLocks noGrp="1"/>
@@ -5077,7 +7917,7 @@
 </p:sld>
 </file>
 
-<file path=ppt/slides/slide14.xml><?xml version="1.0" encoding="utf-8"?>
+<file path=ppt/slides/slide18.xml><?xml version="1.0" encoding="utf-8"?>
 <p:sld xmlns:a="http://schemas.openxmlformats.org/drawingml/2006/main" xmlns:r="http://schemas.openxmlformats.org/officeDocument/2006/relationships" xmlns:p="http://schemas.openxmlformats.org/presentationml/2006/main">
   <p:cSld>
     <p:spTree>
@@ -6434,6 +9274,128 @@
           <a:chExt cx="0" cy="0"/>
         </a:xfrm>
       </p:grpSpPr>
+      <p:pic>
+        <p:nvPicPr>
+          <p:cNvPr id="5" name="Объект 4"/>
+          <p:cNvPicPr>
+            <a:picLocks noGrp="1" noChangeAspect="1"/>
+          </p:cNvPicPr>
+          <p:nvPr>
+            <p:ph idx="1"/>
+          </p:nvPr>
+        </p:nvPicPr>
+        <p:blipFill>
+          <a:blip r:embed="rId2">
+            <a:extLst>
+              <a:ext uri="{28A0092B-C50C-407E-A947-70E740481C1C}">
+                <a14:useLocalDpi xmlns:a14="http://schemas.microsoft.com/office/drawing/2010/main" val="0"/>
+              </a:ext>
+            </a:extLst>
+          </a:blip>
+          <a:stretch>
+            <a:fillRect/>
+          </a:stretch>
+        </p:blipFill>
+        <p:spPr>
+          <a:xfrm>
+            <a:off x="918446" y="4106228"/>
+            <a:ext cx="10157661" cy="2086266"/>
+          </a:xfrm>
+        </p:spPr>
+      </p:pic>
+      <p:sp>
+        <p:nvSpPr>
+          <p:cNvPr id="4" name="Заголовок 1"/>
+          <p:cNvSpPr>
+            <a:spLocks noGrp="1"/>
+          </p:cNvSpPr>
+          <p:nvPr>
+            <p:ph type="title"/>
+          </p:nvPr>
+        </p:nvSpPr>
+        <p:spPr>
+          <a:xfrm>
+            <a:off x="657224" y="86294"/>
+            <a:ext cx="10772775" cy="1658198"/>
+          </a:xfrm>
+        </p:spPr>
+        <p:txBody>
+          <a:bodyPr/>
+          <a:lstStyle/>
+          <a:p>
+            <a:r>
+              <a:rPr lang="ru-RU" dirty="0" smtClean="0"/>
+              <a:t>Теория игр. </a:t>
+            </a:r>
+            <a:br>
+              <a:rPr lang="ru-RU" dirty="0" smtClean="0"/>
+            </a:br>
+            <a:r>
+              <a:rPr lang="ru-RU" dirty="0" smtClean="0"/>
+              <a:t>Статистика решения от </a:t>
+            </a:r>
+            <a:r>
+              <a:rPr lang="ru-RU" i="1" dirty="0" smtClean="0"/>
+              <a:t>ФИПИ </a:t>
+            </a:r>
+            <a:endParaRPr lang="ru-RU" i="1" dirty="0"/>
+          </a:p>
+        </p:txBody>
+      </p:sp>
+      <p:pic>
+        <p:nvPicPr>
+          <p:cNvPr id="6" name="Рисунок 5"/>
+          <p:cNvPicPr>
+            <a:picLocks noChangeAspect="1"/>
+          </p:cNvPicPr>
+          <p:nvPr/>
+        </p:nvPicPr>
+        <p:blipFill>
+          <a:blip r:embed="rId3"/>
+          <a:stretch>
+            <a:fillRect/>
+          </a:stretch>
+        </p:blipFill>
+        <p:spPr>
+          <a:xfrm>
+            <a:off x="918446" y="2162883"/>
+            <a:ext cx="10115900" cy="1752845"/>
+          </a:xfrm>
+          <a:prstGeom prst="rect">
+            <a:avLst/>
+          </a:prstGeom>
+        </p:spPr>
+      </p:pic>
+    </p:spTree>
+    <p:extLst>
+      <p:ext uri="{BB962C8B-B14F-4D97-AF65-F5344CB8AC3E}">
+        <p14:creationId xmlns:p14="http://schemas.microsoft.com/office/powerpoint/2010/main" val="440236917"/>
+      </p:ext>
+    </p:extLst>
+  </p:cSld>
+  <p:clrMapOvr>
+    <a:masterClrMapping/>
+  </p:clrMapOvr>
+</p:sld>
+</file>
+
+<file path=ppt/slides/slide7.xml><?xml version="1.0" encoding="utf-8"?>
+<p:sld xmlns:a="http://schemas.openxmlformats.org/drawingml/2006/main" xmlns:r="http://schemas.openxmlformats.org/officeDocument/2006/relationships" xmlns:p="http://schemas.openxmlformats.org/presentationml/2006/main">
+  <p:cSld>
+    <p:spTree>
+      <p:nvGrpSpPr>
+        <p:cNvPr id="1" name=""/>
+        <p:cNvGrpSpPr/>
+        <p:nvPr/>
+      </p:nvGrpSpPr>
+      <p:grpSpPr>
+        <a:xfrm>
+          <a:off x="0" y="0"/>
+          <a:ext cx="0" cy="0"/>
+          <a:chOff x="0" y="0"/>
+          <a:chExt cx="0" cy="0"/>
+        </a:xfrm>
+      </p:grpSpPr>
       <p:sp>
         <p:nvSpPr>
           <p:cNvPr id="2" name="Заголовок 1"/>
@@ -6446,8 +9408,8 @@
         </p:nvSpPr>
         <p:spPr>
           <a:xfrm>
-            <a:off x="676657" y="98709"/>
-            <a:ext cx="10772775" cy="1658198"/>
+            <a:off x="0" y="25381"/>
+            <a:ext cx="6946274" cy="1658198"/>
           </a:xfrm>
         </p:spPr>
         <p:txBody>
@@ -7159,7 +10121,7 @@
 </p:sld>
 </file>
 
-<file path=ppt/slides/slide7.xml><?xml version="1.0" encoding="utf-8"?>
+<file path=ppt/slides/slide8.xml><?xml version="1.0" encoding="utf-8"?>
 <p:sld xmlns:a="http://schemas.openxmlformats.org/drawingml/2006/main" xmlns:r="http://schemas.openxmlformats.org/officeDocument/2006/relationships" xmlns:p="http://schemas.openxmlformats.org/presentationml/2006/main">
   <p:cSld>
     <p:spTree>
@@ -7178,44 +10140,6 @@
       </p:grpSpPr>
       <p:sp>
         <p:nvSpPr>
-          <p:cNvPr id="2" name="Заголовок 1"/>
-          <p:cNvSpPr>
-            <a:spLocks noGrp="1"/>
-          </p:cNvSpPr>
-          <p:nvPr>
-            <p:ph type="title"/>
-          </p:nvPr>
-        </p:nvSpPr>
-        <p:spPr>
-          <a:xfrm>
-            <a:off x="0" y="0"/>
-            <a:ext cx="6673362" cy="729763"/>
-          </a:xfrm>
-        </p:spPr>
-        <p:txBody>
-          <a:bodyPr>
-            <a:normAutofit/>
-          </a:bodyPr>
-          <a:lstStyle/>
-          <a:p>
-            <a:r>
-              <a:rPr lang="en-US" sz="3200" dirty="0" smtClean="0"/>
-              <a:t>WEB-</a:t>
-            </a:r>
-            <a:r>
-              <a:rPr lang="ru-RU" sz="3200" dirty="0" smtClean="0"/>
-              <a:t>Технологии. Как это все устроено</a:t>
-            </a:r>
-            <a:r>
-              <a:rPr lang="en-US" sz="3200" dirty="0" smtClean="0"/>
-              <a:t>? </a:t>
-            </a:r>
-            <a:endParaRPr lang="ru-RU" sz="3200" dirty="0"/>
-          </a:p>
-        </p:txBody>
-      </p:sp>
-      <p:sp>
-        <p:nvSpPr>
           <p:cNvPr id="8" name="Объект 1"/>
           <p:cNvSpPr>
             <a:spLocks noGrp="1"/>
@@ -7226,8 +10150,8 @@
         </p:nvSpPr>
         <p:spPr>
           <a:xfrm>
-            <a:off x="2609850" y="2520216"/>
-            <a:ext cx="8858250" cy="1870917"/>
+            <a:off x="644787" y="6199509"/>
+            <a:ext cx="6884377" cy="486752"/>
           </a:xfrm>
         </p:spPr>
         <p:txBody>
@@ -7236,30 +10160,38 @@
           </a:bodyPr>
           <a:lstStyle/>
           <a:p>
-            <a:r>
-              <a:rPr lang="ru-RU" sz="2800" b="1" dirty="0"/>
+            <a:pPr marL="0" indent="0">
+              <a:buNone/>
+            </a:pPr>
+            <a:r>
+              <a:rPr lang="ru-RU" sz="1800" b="1" dirty="0" smtClean="0"/>
               <a:t>HTML</a:t>
             </a:r>
             <a:r>
-              <a:rPr lang="ru-RU" sz="2800" dirty="0"/>
+              <a:rPr lang="ru-RU" sz="1800" dirty="0" smtClean="0"/>
               <a:t> </a:t>
             </a:r>
             <a:r>
-              <a:rPr lang="ru-RU" sz="2800" i="1" dirty="0"/>
+              <a:rPr lang="ru-RU" sz="1800" i="1" dirty="0"/>
               <a:t>(Hypertext Markup Language) </a:t>
             </a:r>
             <a:r>
-              <a:rPr lang="ru-RU" sz="2800" dirty="0"/>
+              <a:rPr lang="ru-RU" sz="1800" dirty="0"/>
               <a:t>- </a:t>
             </a:r>
             <a:r>
-              <a:rPr lang="ru-RU" sz="2800" dirty="0" smtClean="0"/>
+              <a:rPr lang="ru-RU" sz="1800" dirty="0" smtClean="0"/>
               <a:t>Это </a:t>
             </a:r>
             <a:r>
-              <a:rPr lang="ru-RU" sz="2800" dirty="0"/>
-              <a:t>код, который используется для структурирования и отображения веб-страницы и её контента.</a:t>
-            </a:r>
+              <a:rPr lang="ru-RU" sz="1800" dirty="0"/>
+              <a:t>код, который используется для структурирования и отображения веб-страницы и её </a:t>
+            </a:r>
+            <a:r>
+              <a:rPr lang="ru-RU" sz="1800" dirty="0" smtClean="0"/>
+              <a:t>контента</a:t>
+            </a:r>
+            <a:endParaRPr lang="ru-RU" sz="1800" dirty="0"/>
           </a:p>
         </p:txBody>
       </p:sp>
@@ -7286,8 +10218,8 @@
         </p:blipFill>
         <p:spPr bwMode="auto">
           <a:xfrm>
-            <a:off x="838201" y="2592231"/>
-            <a:ext cx="1574800" cy="1574800"/>
+            <a:off x="0" y="6120492"/>
+            <a:ext cx="644787" cy="644787"/>
           </a:xfrm>
           <a:prstGeom prst="rect">
             <a:avLst/>
@@ -7304,1153 +10236,602 @@
           </a:extLst>
         </p:spPr>
       </p:pic>
+      <p:sp>
+        <p:nvSpPr>
+          <p:cNvPr id="12" name="Объект 2"/>
+          <p:cNvSpPr txBox="1">
+            <a:spLocks/>
+          </p:cNvSpPr>
+          <p:nvPr/>
+        </p:nvSpPr>
+        <p:spPr>
+          <a:xfrm>
+            <a:off x="0" y="482151"/>
+            <a:ext cx="11649807" cy="407855"/>
+          </a:xfrm>
+          <a:prstGeom prst="rect">
+            <a:avLst/>
+          </a:prstGeom>
+        </p:spPr>
+        <p:txBody>
+          <a:bodyPr vert="horz" lIns="91440" tIns="45720" rIns="91440" bIns="45720" rtlCol="0">
+            <a:normAutofit fontScale="92500" lnSpcReduction="10000"/>
+          </a:bodyPr>
+          <a:lstStyle>
+            <a:lvl1pPr marL="91440" indent="-91440" algn="l" defTabSz="914400" rtl="0" eaLnBrk="1" latinLnBrk="0" hangingPunct="1">
+              <a:lnSpc>
+                <a:spcPct val="85000"/>
+              </a:lnSpc>
+              <a:spcBef>
+                <a:spcPts val="1300"/>
+              </a:spcBef>
+              <a:buFont typeface="Arial" pitchFamily="34" charset="0"/>
+              <a:buChar char=" "/>
+              <a:defRPr sz="2400" kern="1200">
+                <a:solidFill>
+                  <a:schemeClr val="tx1">
+                    <a:lumMod val="85000"/>
+                    <a:lumOff val="15000"/>
+                  </a:schemeClr>
+                </a:solidFill>
+                <a:latin typeface="+mn-lt"/>
+                <a:ea typeface="+mn-ea"/>
+                <a:cs typeface="+mn-cs"/>
+              </a:defRPr>
+            </a:lvl1pPr>
+            <a:lvl2pPr marL="347472" indent="-342900" algn="l" defTabSz="914400" rtl="0" eaLnBrk="1" latinLnBrk="0" hangingPunct="1">
+              <a:lnSpc>
+                <a:spcPct val="85000"/>
+              </a:lnSpc>
+              <a:spcBef>
+                <a:spcPts val="600"/>
+              </a:spcBef>
+              <a:buFont typeface="Arial" pitchFamily="34" charset="0"/>
+              <a:buChar char=" "/>
+              <a:defRPr sz="2400" kern="1200">
+                <a:solidFill>
+                  <a:schemeClr val="tx1">
+                    <a:lumMod val="85000"/>
+                    <a:lumOff val="15000"/>
+                  </a:schemeClr>
+                </a:solidFill>
+                <a:latin typeface="+mn-lt"/>
+                <a:ea typeface="+mn-ea"/>
+                <a:cs typeface="+mn-cs"/>
+              </a:defRPr>
+            </a:lvl2pPr>
+            <a:lvl3pPr marL="548640" indent="-548640" algn="l" defTabSz="914400" rtl="0" eaLnBrk="1" latinLnBrk="0" hangingPunct="1">
+              <a:lnSpc>
+                <a:spcPct val="85000"/>
+              </a:lnSpc>
+              <a:spcBef>
+                <a:spcPts val="600"/>
+              </a:spcBef>
+              <a:buFont typeface="Arial" pitchFamily="34" charset="0"/>
+              <a:buChar char=" "/>
+              <a:defRPr sz="2000" i="1" kern="1200">
+                <a:solidFill>
+                  <a:schemeClr val="tx1">
+                    <a:lumMod val="85000"/>
+                    <a:lumOff val="15000"/>
+                  </a:schemeClr>
+                </a:solidFill>
+                <a:latin typeface="+mn-lt"/>
+                <a:ea typeface="+mn-ea"/>
+                <a:cs typeface="+mn-cs"/>
+              </a:defRPr>
+            </a:lvl3pPr>
+            <a:lvl4pPr marL="822960" indent="-822960" algn="l" defTabSz="914400" rtl="0" eaLnBrk="1" latinLnBrk="0" hangingPunct="1">
+              <a:lnSpc>
+                <a:spcPct val="85000"/>
+              </a:lnSpc>
+              <a:spcBef>
+                <a:spcPts val="600"/>
+              </a:spcBef>
+              <a:buFont typeface="Arial" pitchFamily="34" charset="0"/>
+              <a:buChar char=" "/>
+              <a:defRPr sz="1800" kern="1200">
+                <a:solidFill>
+                  <a:schemeClr val="tx1">
+                    <a:lumMod val="85000"/>
+                    <a:lumOff val="15000"/>
+                  </a:schemeClr>
+                </a:solidFill>
+                <a:latin typeface="+mn-lt"/>
+                <a:ea typeface="+mn-ea"/>
+                <a:cs typeface="+mn-cs"/>
+              </a:defRPr>
+            </a:lvl4pPr>
+            <a:lvl5pPr marL="1097280" indent="-1097280" algn="l" defTabSz="914400" rtl="0" eaLnBrk="1" latinLnBrk="0" hangingPunct="1">
+              <a:lnSpc>
+                <a:spcPct val="85000"/>
+              </a:lnSpc>
+              <a:spcBef>
+                <a:spcPts val="600"/>
+              </a:spcBef>
+              <a:buFont typeface="Arial" pitchFamily="34" charset="0"/>
+              <a:buChar char=" "/>
+              <a:defRPr sz="1800" kern="1200">
+                <a:solidFill>
+                  <a:schemeClr val="tx1">
+                    <a:lumMod val="85000"/>
+                    <a:lumOff val="15000"/>
+                  </a:schemeClr>
+                </a:solidFill>
+                <a:latin typeface="+mn-lt"/>
+                <a:ea typeface="+mn-ea"/>
+                <a:cs typeface="+mn-cs"/>
+              </a:defRPr>
+            </a:lvl5pPr>
+            <a:lvl6pPr marL="1200000" indent="-228600" algn="l" defTabSz="914400" rtl="0" eaLnBrk="1" latinLnBrk="0" hangingPunct="1">
+              <a:lnSpc>
+                <a:spcPct val="85000"/>
+              </a:lnSpc>
+              <a:spcBef>
+                <a:spcPts val="600"/>
+              </a:spcBef>
+              <a:buFont typeface="Arial" pitchFamily="34" charset="0"/>
+              <a:buChar char=" "/>
+              <a:defRPr sz="1800" kern="1200">
+                <a:solidFill>
+                  <a:schemeClr val="tx1">
+                    <a:lumMod val="85000"/>
+                    <a:lumOff val="15000"/>
+                  </a:schemeClr>
+                </a:solidFill>
+                <a:latin typeface="+mn-lt"/>
+                <a:ea typeface="+mn-ea"/>
+                <a:cs typeface="+mn-cs"/>
+              </a:defRPr>
+            </a:lvl6pPr>
+            <a:lvl7pPr marL="1400000" indent="-228600" algn="l" defTabSz="914400" rtl="0" eaLnBrk="1" latinLnBrk="0" hangingPunct="1">
+              <a:lnSpc>
+                <a:spcPct val="85000"/>
+              </a:lnSpc>
+              <a:spcBef>
+                <a:spcPts val="600"/>
+              </a:spcBef>
+              <a:buFont typeface="Arial" pitchFamily="34" charset="0"/>
+              <a:buChar char=" "/>
+              <a:defRPr sz="1800" kern="1200">
+                <a:solidFill>
+                  <a:schemeClr val="tx1">
+                    <a:lumMod val="85000"/>
+                    <a:lumOff val="15000"/>
+                  </a:schemeClr>
+                </a:solidFill>
+                <a:latin typeface="+mn-lt"/>
+                <a:ea typeface="+mn-ea"/>
+                <a:cs typeface="+mn-cs"/>
+              </a:defRPr>
+            </a:lvl7pPr>
+            <a:lvl8pPr marL="1600000" indent="-228600" algn="l" defTabSz="914400" rtl="0" eaLnBrk="1" latinLnBrk="0" hangingPunct="1">
+              <a:lnSpc>
+                <a:spcPct val="85000"/>
+              </a:lnSpc>
+              <a:spcBef>
+                <a:spcPts val="600"/>
+              </a:spcBef>
+              <a:buFont typeface="Arial" pitchFamily="34" charset="0"/>
+              <a:buChar char=" "/>
+              <a:defRPr sz="1800" kern="1200">
+                <a:solidFill>
+                  <a:schemeClr val="tx1">
+                    <a:lumMod val="85000"/>
+                    <a:lumOff val="15000"/>
+                  </a:schemeClr>
+                </a:solidFill>
+                <a:latin typeface="+mn-lt"/>
+                <a:ea typeface="+mn-ea"/>
+                <a:cs typeface="+mn-cs"/>
+              </a:defRPr>
+            </a:lvl8pPr>
+            <a:lvl9pPr marL="1800000" indent="-228600" algn="l" defTabSz="914400" rtl="0" eaLnBrk="1" latinLnBrk="0" hangingPunct="1">
+              <a:lnSpc>
+                <a:spcPct val="85000"/>
+              </a:lnSpc>
+              <a:spcBef>
+                <a:spcPts val="600"/>
+              </a:spcBef>
+              <a:buFont typeface="Arial" pitchFamily="34" charset="0"/>
+              <a:buChar char=" "/>
+              <a:defRPr sz="1800" kern="1200">
+                <a:solidFill>
+                  <a:schemeClr val="tx1">
+                    <a:lumMod val="85000"/>
+                    <a:lumOff val="15000"/>
+                  </a:schemeClr>
+                </a:solidFill>
+                <a:latin typeface="+mn-lt"/>
+                <a:ea typeface="+mn-ea"/>
+                <a:cs typeface="+mn-cs"/>
+              </a:defRPr>
+            </a:lvl9pPr>
+          </a:lstStyle>
+          <a:p>
+            <a:pPr marL="0" indent="0">
+              <a:buNone/>
+            </a:pPr>
+            <a:r>
+              <a:rPr lang="ru-RU" sz="2900" dirty="0" smtClean="0">
+                <a:latin typeface="+mj-lt"/>
+              </a:rPr>
+              <a:t>Для отображения веб-страницы и ее контента </a:t>
+            </a:r>
+            <a:r>
+              <a:rPr lang="ru-RU" sz="2900" dirty="0" smtClean="0">
+                <a:latin typeface="+mj-lt"/>
+              </a:rPr>
+              <a:t>был изучен и применен </a:t>
+            </a:r>
+            <a:r>
+              <a:rPr lang="en-US" sz="2900" dirty="0" smtClean="0">
+                <a:latin typeface="+mj-lt"/>
+              </a:rPr>
+              <a:t>HTML</a:t>
+            </a:r>
+            <a:r>
+              <a:rPr lang="en-US" sz="2900" dirty="0" smtClean="0">
+                <a:latin typeface="+mj-lt"/>
+              </a:rPr>
+              <a:t>*</a:t>
+            </a:r>
+          </a:p>
+          <a:p>
+            <a:pPr marL="0" indent="0">
+              <a:buNone/>
+            </a:pPr>
+            <a:endParaRPr lang="ru-RU" sz="2900" b="1" dirty="0" smtClean="0">
+              <a:latin typeface="+mj-lt"/>
+            </a:endParaRPr>
+          </a:p>
+        </p:txBody>
+      </p:sp>
+      <p:sp>
+        <p:nvSpPr>
+          <p:cNvPr id="13" name="Объект 2"/>
+          <p:cNvSpPr txBox="1">
+            <a:spLocks/>
+          </p:cNvSpPr>
+          <p:nvPr/>
+        </p:nvSpPr>
+        <p:spPr>
+          <a:xfrm>
+            <a:off x="0" y="5707798"/>
+            <a:ext cx="11219335" cy="333676"/>
+          </a:xfrm>
+          <a:prstGeom prst="rect">
+            <a:avLst/>
+          </a:prstGeom>
+        </p:spPr>
+        <p:txBody>
+          <a:bodyPr vert="horz" lIns="91440" tIns="45720" rIns="91440" bIns="45720" rtlCol="0">
+            <a:noAutofit/>
+          </a:bodyPr>
+          <a:lstStyle>
+            <a:lvl1pPr marL="91440" indent="-91440" algn="l" defTabSz="914400" rtl="0" eaLnBrk="1" latinLnBrk="0" hangingPunct="1">
+              <a:lnSpc>
+                <a:spcPct val="85000"/>
+              </a:lnSpc>
+              <a:spcBef>
+                <a:spcPts val="1300"/>
+              </a:spcBef>
+              <a:buFont typeface="Arial" pitchFamily="34" charset="0"/>
+              <a:buChar char=" "/>
+              <a:defRPr sz="2400" kern="1200">
+                <a:solidFill>
+                  <a:schemeClr val="tx1">
+                    <a:lumMod val="85000"/>
+                    <a:lumOff val="15000"/>
+                  </a:schemeClr>
+                </a:solidFill>
+                <a:latin typeface="+mn-lt"/>
+                <a:ea typeface="+mn-ea"/>
+                <a:cs typeface="+mn-cs"/>
+              </a:defRPr>
+            </a:lvl1pPr>
+            <a:lvl2pPr marL="347472" indent="-342900" algn="l" defTabSz="914400" rtl="0" eaLnBrk="1" latinLnBrk="0" hangingPunct="1">
+              <a:lnSpc>
+                <a:spcPct val="85000"/>
+              </a:lnSpc>
+              <a:spcBef>
+                <a:spcPts val="600"/>
+              </a:spcBef>
+              <a:buFont typeface="Arial" pitchFamily="34" charset="0"/>
+              <a:buChar char=" "/>
+              <a:defRPr sz="2400" kern="1200">
+                <a:solidFill>
+                  <a:schemeClr val="tx1">
+                    <a:lumMod val="85000"/>
+                    <a:lumOff val="15000"/>
+                  </a:schemeClr>
+                </a:solidFill>
+                <a:latin typeface="+mn-lt"/>
+                <a:ea typeface="+mn-ea"/>
+                <a:cs typeface="+mn-cs"/>
+              </a:defRPr>
+            </a:lvl2pPr>
+            <a:lvl3pPr marL="548640" indent="-548640" algn="l" defTabSz="914400" rtl="0" eaLnBrk="1" latinLnBrk="0" hangingPunct="1">
+              <a:lnSpc>
+                <a:spcPct val="85000"/>
+              </a:lnSpc>
+              <a:spcBef>
+                <a:spcPts val="600"/>
+              </a:spcBef>
+              <a:buFont typeface="Arial" pitchFamily="34" charset="0"/>
+              <a:buChar char=" "/>
+              <a:defRPr sz="2000" i="1" kern="1200">
+                <a:solidFill>
+                  <a:schemeClr val="tx1">
+                    <a:lumMod val="85000"/>
+                    <a:lumOff val="15000"/>
+                  </a:schemeClr>
+                </a:solidFill>
+                <a:latin typeface="+mn-lt"/>
+                <a:ea typeface="+mn-ea"/>
+                <a:cs typeface="+mn-cs"/>
+              </a:defRPr>
+            </a:lvl3pPr>
+            <a:lvl4pPr marL="822960" indent="-822960" algn="l" defTabSz="914400" rtl="0" eaLnBrk="1" latinLnBrk="0" hangingPunct="1">
+              <a:lnSpc>
+                <a:spcPct val="85000"/>
+              </a:lnSpc>
+              <a:spcBef>
+                <a:spcPts val="600"/>
+              </a:spcBef>
+              <a:buFont typeface="Arial" pitchFamily="34" charset="0"/>
+              <a:buChar char=" "/>
+              <a:defRPr sz="1800" kern="1200">
+                <a:solidFill>
+                  <a:schemeClr val="tx1">
+                    <a:lumMod val="85000"/>
+                    <a:lumOff val="15000"/>
+                  </a:schemeClr>
+                </a:solidFill>
+                <a:latin typeface="+mn-lt"/>
+                <a:ea typeface="+mn-ea"/>
+                <a:cs typeface="+mn-cs"/>
+              </a:defRPr>
+            </a:lvl4pPr>
+            <a:lvl5pPr marL="1097280" indent="-1097280" algn="l" defTabSz="914400" rtl="0" eaLnBrk="1" latinLnBrk="0" hangingPunct="1">
+              <a:lnSpc>
+                <a:spcPct val="85000"/>
+              </a:lnSpc>
+              <a:spcBef>
+                <a:spcPts val="600"/>
+              </a:spcBef>
+              <a:buFont typeface="Arial" pitchFamily="34" charset="0"/>
+              <a:buChar char=" "/>
+              <a:defRPr sz="1800" kern="1200">
+                <a:solidFill>
+                  <a:schemeClr val="tx1">
+                    <a:lumMod val="85000"/>
+                    <a:lumOff val="15000"/>
+                  </a:schemeClr>
+                </a:solidFill>
+                <a:latin typeface="+mn-lt"/>
+                <a:ea typeface="+mn-ea"/>
+                <a:cs typeface="+mn-cs"/>
+              </a:defRPr>
+            </a:lvl5pPr>
+            <a:lvl6pPr marL="1200000" indent="-228600" algn="l" defTabSz="914400" rtl="0" eaLnBrk="1" latinLnBrk="0" hangingPunct="1">
+              <a:lnSpc>
+                <a:spcPct val="85000"/>
+              </a:lnSpc>
+              <a:spcBef>
+                <a:spcPts val="600"/>
+              </a:spcBef>
+              <a:buFont typeface="Arial" pitchFamily="34" charset="0"/>
+              <a:buChar char=" "/>
+              <a:defRPr sz="1800" kern="1200">
+                <a:solidFill>
+                  <a:schemeClr val="tx1">
+                    <a:lumMod val="85000"/>
+                    <a:lumOff val="15000"/>
+                  </a:schemeClr>
+                </a:solidFill>
+                <a:latin typeface="+mn-lt"/>
+                <a:ea typeface="+mn-ea"/>
+                <a:cs typeface="+mn-cs"/>
+              </a:defRPr>
+            </a:lvl6pPr>
+            <a:lvl7pPr marL="1400000" indent="-228600" algn="l" defTabSz="914400" rtl="0" eaLnBrk="1" latinLnBrk="0" hangingPunct="1">
+              <a:lnSpc>
+                <a:spcPct val="85000"/>
+              </a:lnSpc>
+              <a:spcBef>
+                <a:spcPts val="600"/>
+              </a:spcBef>
+              <a:buFont typeface="Arial" pitchFamily="34" charset="0"/>
+              <a:buChar char=" "/>
+              <a:defRPr sz="1800" kern="1200">
+                <a:solidFill>
+                  <a:schemeClr val="tx1">
+                    <a:lumMod val="85000"/>
+                    <a:lumOff val="15000"/>
+                  </a:schemeClr>
+                </a:solidFill>
+                <a:latin typeface="+mn-lt"/>
+                <a:ea typeface="+mn-ea"/>
+                <a:cs typeface="+mn-cs"/>
+              </a:defRPr>
+            </a:lvl7pPr>
+            <a:lvl8pPr marL="1600000" indent="-228600" algn="l" defTabSz="914400" rtl="0" eaLnBrk="1" latinLnBrk="0" hangingPunct="1">
+              <a:lnSpc>
+                <a:spcPct val="85000"/>
+              </a:lnSpc>
+              <a:spcBef>
+                <a:spcPts val="600"/>
+              </a:spcBef>
+              <a:buFont typeface="Arial" pitchFamily="34" charset="0"/>
+              <a:buChar char=" "/>
+              <a:defRPr sz="1800" kern="1200">
+                <a:solidFill>
+                  <a:schemeClr val="tx1">
+                    <a:lumMod val="85000"/>
+                    <a:lumOff val="15000"/>
+                  </a:schemeClr>
+                </a:solidFill>
+                <a:latin typeface="+mn-lt"/>
+                <a:ea typeface="+mn-ea"/>
+                <a:cs typeface="+mn-cs"/>
+              </a:defRPr>
+            </a:lvl8pPr>
+            <a:lvl9pPr marL="1800000" indent="-228600" algn="l" defTabSz="914400" rtl="0" eaLnBrk="1" latinLnBrk="0" hangingPunct="1">
+              <a:lnSpc>
+                <a:spcPct val="85000"/>
+              </a:lnSpc>
+              <a:spcBef>
+                <a:spcPts val="600"/>
+              </a:spcBef>
+              <a:buFont typeface="Arial" pitchFamily="34" charset="0"/>
+              <a:buChar char=" "/>
+              <a:defRPr sz="1800" kern="1200">
+                <a:solidFill>
+                  <a:schemeClr val="tx1">
+                    <a:lumMod val="85000"/>
+                    <a:lumOff val="15000"/>
+                  </a:schemeClr>
+                </a:solidFill>
+                <a:latin typeface="+mn-lt"/>
+                <a:ea typeface="+mn-ea"/>
+                <a:cs typeface="+mn-cs"/>
+              </a:defRPr>
+            </a:lvl9pPr>
+          </a:lstStyle>
+          <a:p>
+            <a:pPr marL="0" indent="0">
+              <a:buNone/>
+            </a:pPr>
+            <a:r>
+              <a:rPr lang="ru-RU" sz="1800" dirty="0"/>
+              <a:t>Тег — это специальное служебное слово, заключенное в угловые скобки. Его ещё называют «элемент HTML</a:t>
+            </a:r>
+            <a:r>
+              <a:rPr lang="ru-RU" sz="1800" dirty="0" smtClean="0"/>
+              <a:t>». </a:t>
+            </a:r>
+          </a:p>
+        </p:txBody>
+      </p:sp>
       <p:pic>
         <p:nvPicPr>
-          <p:cNvPr id="10" name="Picture 4" descr="https://upload.wikimedia.org/wikipedia/commons/thumb/7/70/Devicon-css3-plain.svg/1200px-Devicon-css3-plain.svg.png"/>
+          <p:cNvPr id="6" name="Рисунок 5"/>
           <p:cNvPicPr>
-            <a:picLocks noChangeAspect="1" noChangeArrowheads="1"/>
+            <a:picLocks noChangeAspect="1"/>
           </p:cNvPicPr>
           <p:nvPr/>
         </p:nvPicPr>
         <p:blipFill>
-          <a:blip r:embed="rId3" cstate="print">
+          <a:blip r:embed="rId3">
             <a:extLst>
               <a:ext uri="{28A0092B-C50C-407E-A947-70E740481C1C}">
                 <a14:useLocalDpi xmlns:a14="http://schemas.microsoft.com/office/drawing/2010/main" val="0"/>
               </a:ext>
             </a:extLst>
           </a:blip>
-          <a:srcRect/>
           <a:stretch>
             <a:fillRect/>
           </a:stretch>
         </p:blipFill>
-        <p:spPr bwMode="auto">
+        <p:spPr>
           <a:xfrm>
-            <a:off x="9982200" y="4239046"/>
-            <a:ext cx="1278682" cy="1278682"/>
+            <a:off x="162071" y="928863"/>
+            <a:ext cx="9140190" cy="4192659"/>
           </a:xfrm>
           <a:prstGeom prst="rect">
             <a:avLst/>
           </a:prstGeom>
-          <a:noFill/>
-          <a:extLst>
-            <a:ext uri="{909E8E84-426E-40DD-AFC4-6F175D3DCCD1}">
-              <a14:hiddenFill xmlns:a14="http://schemas.microsoft.com/office/drawing/2010/main">
-                <a:solidFill>
-                  <a:srgbClr val="FFFFFF"/>
-                </a:solidFill>
-              </a14:hiddenFill>
-            </a:ext>
-          </a:extLst>
+          <a:ln>
+            <a:noFill/>
+          </a:ln>
+          <a:effectLst>
+            <a:outerShdw blurRad="190500" algn="tl" rotWithShape="0">
+              <a:srgbClr val="000000">
+                <a:alpha val="70000"/>
+              </a:srgbClr>
+            </a:outerShdw>
+          </a:effectLst>
         </p:spPr>
       </p:pic>
       <p:sp>
         <p:nvSpPr>
-          <p:cNvPr id="11" name="Объект 1"/>
-          <p:cNvSpPr txBox="1">
-            <a:spLocks/>
+          <p:cNvPr id="10" name="Заголовок 1"/>
+          <p:cNvSpPr>
+            <a:spLocks noGrp="1"/>
           </p:cNvSpPr>
-          <p:nvPr/>
+          <p:nvPr>
+            <p:ph type="title"/>
+          </p:nvPr>
         </p:nvSpPr>
         <p:spPr>
           <a:xfrm>
-            <a:off x="838201" y="4239046"/>
-            <a:ext cx="8858250" cy="1574800"/>
+            <a:off x="0" y="0"/>
+            <a:ext cx="2980591" cy="608793"/>
           </a:xfrm>
-          <a:prstGeom prst="rect">
-            <a:avLst/>
-          </a:prstGeom>
         </p:spPr>
         <p:txBody>
-          <a:bodyPr vert="horz" lIns="91440" tIns="45720" rIns="91440" bIns="45720" rtlCol="0">
+          <a:bodyPr>
             <a:normAutofit/>
           </a:bodyPr>
-          <a:lstStyle>
-            <a:lvl1pPr marL="228600" indent="-228600" algn="l" defTabSz="914400" rtl="0" eaLnBrk="1" latinLnBrk="0" hangingPunct="1">
-              <a:lnSpc>
-                <a:spcPct val="90000"/>
-              </a:lnSpc>
-              <a:spcBef>
-                <a:spcPts val="1000"/>
-              </a:spcBef>
-              <a:buFont typeface="Arial" panose="020B0604020202020204" pitchFamily="34" charset="0"/>
-              <a:buChar char="•"/>
-              <a:defRPr sz="2800" kern="1200">
-                <a:solidFill>
-                  <a:schemeClr val="tx1"/>
-                </a:solidFill>
-                <a:latin typeface="+mn-lt"/>
-                <a:ea typeface="+mn-ea"/>
-                <a:cs typeface="+mn-cs"/>
-              </a:defRPr>
-            </a:lvl1pPr>
-            <a:lvl2pPr marL="685800" indent="-228600" algn="l" defTabSz="914400" rtl="0" eaLnBrk="1" latinLnBrk="0" hangingPunct="1">
-              <a:lnSpc>
-                <a:spcPct val="90000"/>
-              </a:lnSpc>
-              <a:spcBef>
-                <a:spcPts val="500"/>
-              </a:spcBef>
-              <a:buFont typeface="Arial" panose="020B0604020202020204" pitchFamily="34" charset="0"/>
-              <a:buChar char="•"/>
-              <a:defRPr sz="2400" kern="1200">
-                <a:solidFill>
-                  <a:schemeClr val="tx1"/>
-                </a:solidFill>
-                <a:latin typeface="+mn-lt"/>
-                <a:ea typeface="+mn-ea"/>
-                <a:cs typeface="+mn-cs"/>
-              </a:defRPr>
-            </a:lvl2pPr>
-            <a:lvl3pPr marL="1143000" indent="-228600" algn="l" defTabSz="914400" rtl="0" eaLnBrk="1" latinLnBrk="0" hangingPunct="1">
-              <a:lnSpc>
-                <a:spcPct val="90000"/>
-              </a:lnSpc>
-              <a:spcBef>
-                <a:spcPts val="500"/>
-              </a:spcBef>
-              <a:buFont typeface="Arial" panose="020B0604020202020204" pitchFamily="34" charset="0"/>
-              <a:buChar char="•"/>
-              <a:defRPr sz="2000" kern="1200">
-                <a:solidFill>
-                  <a:schemeClr val="tx1"/>
-                </a:solidFill>
-                <a:latin typeface="+mn-lt"/>
-                <a:ea typeface="+mn-ea"/>
-                <a:cs typeface="+mn-cs"/>
-              </a:defRPr>
-            </a:lvl3pPr>
-            <a:lvl4pPr marL="1600200" indent="-228600" algn="l" defTabSz="914400" rtl="0" eaLnBrk="1" latinLnBrk="0" hangingPunct="1">
-              <a:lnSpc>
-                <a:spcPct val="90000"/>
-              </a:lnSpc>
-              <a:spcBef>
-                <a:spcPts val="500"/>
-              </a:spcBef>
-              <a:buFont typeface="Arial" panose="020B0604020202020204" pitchFamily="34" charset="0"/>
-              <a:buChar char="•"/>
-              <a:defRPr sz="1800" kern="1200">
-                <a:solidFill>
-                  <a:schemeClr val="tx1"/>
-                </a:solidFill>
-                <a:latin typeface="+mn-lt"/>
-                <a:ea typeface="+mn-ea"/>
-                <a:cs typeface="+mn-cs"/>
-              </a:defRPr>
-            </a:lvl4pPr>
-            <a:lvl5pPr marL="2057400" indent="-228600" algn="l" defTabSz="914400" rtl="0" eaLnBrk="1" latinLnBrk="0" hangingPunct="1">
-              <a:lnSpc>
-                <a:spcPct val="90000"/>
-              </a:lnSpc>
-              <a:spcBef>
-                <a:spcPts val="500"/>
-              </a:spcBef>
-              <a:buFont typeface="Arial" panose="020B0604020202020204" pitchFamily="34" charset="0"/>
-              <a:buChar char="•"/>
-              <a:defRPr sz="1800" kern="1200">
-                <a:solidFill>
-                  <a:schemeClr val="tx1"/>
-                </a:solidFill>
-                <a:latin typeface="+mn-lt"/>
-                <a:ea typeface="+mn-ea"/>
-                <a:cs typeface="+mn-cs"/>
-              </a:defRPr>
-            </a:lvl5pPr>
-            <a:lvl6pPr marL="2514600" indent="-228600" algn="l" defTabSz="914400" rtl="0" eaLnBrk="1" latinLnBrk="0" hangingPunct="1">
-              <a:lnSpc>
-                <a:spcPct val="90000"/>
-              </a:lnSpc>
-              <a:spcBef>
-                <a:spcPts val="500"/>
-              </a:spcBef>
-              <a:buFont typeface="Arial" panose="020B0604020202020204" pitchFamily="34" charset="0"/>
-              <a:buChar char="•"/>
-              <a:defRPr sz="1800" kern="1200">
-                <a:solidFill>
-                  <a:schemeClr val="tx1"/>
-                </a:solidFill>
-                <a:latin typeface="+mn-lt"/>
-                <a:ea typeface="+mn-ea"/>
-                <a:cs typeface="+mn-cs"/>
-              </a:defRPr>
-            </a:lvl6pPr>
-            <a:lvl7pPr marL="2971800" indent="-228600" algn="l" defTabSz="914400" rtl="0" eaLnBrk="1" latinLnBrk="0" hangingPunct="1">
-              <a:lnSpc>
-                <a:spcPct val="90000"/>
-              </a:lnSpc>
-              <a:spcBef>
-                <a:spcPts val="500"/>
-              </a:spcBef>
-              <a:buFont typeface="Arial" panose="020B0604020202020204" pitchFamily="34" charset="0"/>
-              <a:buChar char="•"/>
-              <a:defRPr sz="1800" kern="1200">
-                <a:solidFill>
-                  <a:schemeClr val="tx1"/>
-                </a:solidFill>
-                <a:latin typeface="+mn-lt"/>
-                <a:ea typeface="+mn-ea"/>
-                <a:cs typeface="+mn-cs"/>
-              </a:defRPr>
-            </a:lvl7pPr>
-            <a:lvl8pPr marL="3429000" indent="-228600" algn="l" defTabSz="914400" rtl="0" eaLnBrk="1" latinLnBrk="0" hangingPunct="1">
-              <a:lnSpc>
-                <a:spcPct val="90000"/>
-              </a:lnSpc>
-              <a:spcBef>
-                <a:spcPts val="500"/>
-              </a:spcBef>
-              <a:buFont typeface="Arial" panose="020B0604020202020204" pitchFamily="34" charset="0"/>
-              <a:buChar char="•"/>
-              <a:defRPr sz="1800" kern="1200">
-                <a:solidFill>
-                  <a:schemeClr val="tx1"/>
-                </a:solidFill>
-                <a:latin typeface="+mn-lt"/>
-                <a:ea typeface="+mn-ea"/>
-                <a:cs typeface="+mn-cs"/>
-              </a:defRPr>
-            </a:lvl8pPr>
-            <a:lvl9pPr marL="3886200" indent="-228600" algn="l" defTabSz="914400" rtl="0" eaLnBrk="1" latinLnBrk="0" hangingPunct="1">
-              <a:lnSpc>
-                <a:spcPct val="90000"/>
-              </a:lnSpc>
-              <a:spcBef>
-                <a:spcPts val="500"/>
-              </a:spcBef>
-              <a:buFont typeface="Arial" panose="020B0604020202020204" pitchFamily="34" charset="0"/>
-              <a:buChar char="•"/>
-              <a:defRPr sz="1800" kern="1200">
-                <a:solidFill>
-                  <a:schemeClr val="tx1"/>
-                </a:solidFill>
-                <a:latin typeface="+mn-lt"/>
-                <a:ea typeface="+mn-ea"/>
-                <a:cs typeface="+mn-cs"/>
-              </a:defRPr>
-            </a:lvl9pPr>
-          </a:lstStyle>
-          <a:p>
-            <a:pPr marL="0" indent="0">
-              <a:buNone/>
-            </a:pPr>
-            <a:r>
-              <a:rPr lang="en-US" b="1" dirty="0" smtClean="0"/>
-              <a:t>CSS</a:t>
-            </a:r>
-            <a:r>
-              <a:rPr lang="ru-RU" b="1" dirty="0" smtClean="0"/>
-              <a:t> </a:t>
-            </a:r>
-            <a:r>
-              <a:rPr lang="ru-RU" i="1" dirty="0" smtClean="0"/>
-              <a:t>(</a:t>
-            </a:r>
-            <a:r>
-              <a:rPr lang="en-US" i="1" dirty="0" smtClean="0"/>
-              <a:t>Cascading </a:t>
-            </a:r>
-            <a:r>
-              <a:rPr lang="en-US" i="1" dirty="0"/>
-              <a:t>Style </a:t>
-            </a:r>
-            <a:r>
-              <a:rPr lang="en-US" i="1" dirty="0" smtClean="0"/>
-              <a:t>Sheets</a:t>
-            </a:r>
-            <a:r>
-              <a:rPr lang="ru-RU" i="1" dirty="0" smtClean="0"/>
-              <a:t>)</a:t>
-            </a:r>
-            <a:r>
-              <a:rPr lang="en-US" i="1" dirty="0" smtClean="0"/>
-              <a:t> </a:t>
-            </a:r>
-            <a:r>
-              <a:rPr lang="en-US" dirty="0"/>
-              <a:t>– </a:t>
-            </a:r>
-            <a:r>
-              <a:rPr lang="ru-RU" dirty="0"/>
-              <a:t>Это язык разметки, используемый для визуального оформления веб-сайтов.</a:t>
-            </a:r>
-          </a:p>
-        </p:txBody>
-      </p:sp>
-      <p:sp>
-        <p:nvSpPr>
-          <p:cNvPr id="7" name="Заголовок 1"/>
-          <p:cNvSpPr txBox="1">
-            <a:spLocks/>
-          </p:cNvSpPr>
-          <p:nvPr/>
-        </p:nvSpPr>
-        <p:spPr>
-          <a:xfrm>
-            <a:off x="0" y="472708"/>
-            <a:ext cx="6673362" cy="729763"/>
-          </a:xfrm>
-          <a:prstGeom prst="rect">
-            <a:avLst/>
-          </a:prstGeom>
-        </p:spPr>
-        <p:txBody>
-          <a:bodyPr vert="horz" lIns="91440" tIns="45720" rIns="91440" bIns="45720" rtlCol="0" anchor="ctr">
-            <a:normAutofit/>
-          </a:bodyPr>
-          <a:lstStyle>
-            <a:lvl1pPr algn="l" defTabSz="914400" rtl="0" eaLnBrk="1" latinLnBrk="0" hangingPunct="1">
-              <a:lnSpc>
-                <a:spcPct val="85000"/>
-              </a:lnSpc>
-              <a:spcBef>
-                <a:spcPct val="0"/>
-              </a:spcBef>
-              <a:buNone/>
-              <a:defRPr sz="5400" kern="1200" spc="-120" baseline="0">
-                <a:solidFill>
-                  <a:schemeClr val="accent1"/>
-                </a:solidFill>
-                <a:latin typeface="+mj-lt"/>
-                <a:ea typeface="+mj-ea"/>
-                <a:cs typeface="+mj-cs"/>
-              </a:defRPr>
-            </a:lvl1pPr>
-          </a:lstStyle>
-          <a:p>
-            <a:r>
-              <a:rPr lang="ru-RU" sz="2800" dirty="0" smtClean="0"/>
-              <a:t>Разработка сайта. Начало </a:t>
-            </a:r>
-            <a:endParaRPr lang="ru-RU" sz="2800" dirty="0"/>
-          </a:p>
-        </p:txBody>
-      </p:sp>
-      <p:sp>
-        <p:nvSpPr>
-          <p:cNvPr id="12" name="Объект 2"/>
-          <p:cNvSpPr txBox="1">
-            <a:spLocks/>
-          </p:cNvSpPr>
-          <p:nvPr/>
-        </p:nvSpPr>
-        <p:spPr>
-          <a:xfrm>
-            <a:off x="676657" y="971576"/>
-            <a:ext cx="10772774" cy="5610199"/>
-          </a:xfrm>
-          <a:prstGeom prst="rect">
-            <a:avLst/>
-          </a:prstGeom>
-        </p:spPr>
-        <p:txBody>
-          <a:bodyPr vert="horz" lIns="91440" tIns="45720" rIns="91440" bIns="45720" rtlCol="0">
-            <a:normAutofit/>
-          </a:bodyPr>
-          <a:lstStyle>
-            <a:lvl1pPr marL="91440" indent="-91440" algn="l" defTabSz="914400" rtl="0" eaLnBrk="1" latinLnBrk="0" hangingPunct="1">
-              <a:lnSpc>
-                <a:spcPct val="85000"/>
-              </a:lnSpc>
-              <a:spcBef>
-                <a:spcPts val="1300"/>
-              </a:spcBef>
-              <a:buFont typeface="Arial" pitchFamily="34" charset="0"/>
-              <a:buChar char=" "/>
-              <a:defRPr sz="2400" kern="1200">
-                <a:solidFill>
-                  <a:schemeClr val="tx1">
-                    <a:lumMod val="85000"/>
-                    <a:lumOff val="15000"/>
-                  </a:schemeClr>
-                </a:solidFill>
-                <a:latin typeface="+mn-lt"/>
-                <a:ea typeface="+mn-ea"/>
-                <a:cs typeface="+mn-cs"/>
-              </a:defRPr>
-            </a:lvl1pPr>
-            <a:lvl2pPr marL="347472" indent="-342900" algn="l" defTabSz="914400" rtl="0" eaLnBrk="1" latinLnBrk="0" hangingPunct="1">
-              <a:lnSpc>
-                <a:spcPct val="85000"/>
-              </a:lnSpc>
-              <a:spcBef>
-                <a:spcPts val="600"/>
-              </a:spcBef>
-              <a:buFont typeface="Arial" pitchFamily="34" charset="0"/>
-              <a:buChar char=" "/>
-              <a:defRPr sz="2400" kern="1200">
-                <a:solidFill>
-                  <a:schemeClr val="tx1">
-                    <a:lumMod val="85000"/>
-                    <a:lumOff val="15000"/>
-                  </a:schemeClr>
-                </a:solidFill>
-                <a:latin typeface="+mn-lt"/>
-                <a:ea typeface="+mn-ea"/>
-                <a:cs typeface="+mn-cs"/>
-              </a:defRPr>
-            </a:lvl2pPr>
-            <a:lvl3pPr marL="548640" indent="-548640" algn="l" defTabSz="914400" rtl="0" eaLnBrk="1" latinLnBrk="0" hangingPunct="1">
-              <a:lnSpc>
-                <a:spcPct val="85000"/>
-              </a:lnSpc>
-              <a:spcBef>
-                <a:spcPts val="600"/>
-              </a:spcBef>
-              <a:buFont typeface="Arial" pitchFamily="34" charset="0"/>
-              <a:buChar char=" "/>
-              <a:defRPr sz="2000" i="1" kern="1200">
-                <a:solidFill>
-                  <a:schemeClr val="tx1">
-                    <a:lumMod val="85000"/>
-                    <a:lumOff val="15000"/>
-                  </a:schemeClr>
-                </a:solidFill>
-                <a:latin typeface="+mn-lt"/>
-                <a:ea typeface="+mn-ea"/>
-                <a:cs typeface="+mn-cs"/>
-              </a:defRPr>
-            </a:lvl3pPr>
-            <a:lvl4pPr marL="822960" indent="-822960" algn="l" defTabSz="914400" rtl="0" eaLnBrk="1" latinLnBrk="0" hangingPunct="1">
-              <a:lnSpc>
-                <a:spcPct val="85000"/>
-              </a:lnSpc>
-              <a:spcBef>
-                <a:spcPts val="600"/>
-              </a:spcBef>
-              <a:buFont typeface="Arial" pitchFamily="34" charset="0"/>
-              <a:buChar char=" "/>
-              <a:defRPr sz="1800" kern="1200">
-                <a:solidFill>
-                  <a:schemeClr val="tx1">
-                    <a:lumMod val="85000"/>
-                    <a:lumOff val="15000"/>
-                  </a:schemeClr>
-                </a:solidFill>
-                <a:latin typeface="+mn-lt"/>
-                <a:ea typeface="+mn-ea"/>
-                <a:cs typeface="+mn-cs"/>
-              </a:defRPr>
-            </a:lvl4pPr>
-            <a:lvl5pPr marL="1097280" indent="-1097280" algn="l" defTabSz="914400" rtl="0" eaLnBrk="1" latinLnBrk="0" hangingPunct="1">
-              <a:lnSpc>
-                <a:spcPct val="85000"/>
-              </a:lnSpc>
-              <a:spcBef>
-                <a:spcPts val="600"/>
-              </a:spcBef>
-              <a:buFont typeface="Arial" pitchFamily="34" charset="0"/>
-              <a:buChar char=" "/>
-              <a:defRPr sz="1800" kern="1200">
-                <a:solidFill>
-                  <a:schemeClr val="tx1">
-                    <a:lumMod val="85000"/>
-                    <a:lumOff val="15000"/>
-                  </a:schemeClr>
-                </a:solidFill>
-                <a:latin typeface="+mn-lt"/>
-                <a:ea typeface="+mn-ea"/>
-                <a:cs typeface="+mn-cs"/>
-              </a:defRPr>
-            </a:lvl5pPr>
-            <a:lvl6pPr marL="1200000" indent="-228600" algn="l" defTabSz="914400" rtl="0" eaLnBrk="1" latinLnBrk="0" hangingPunct="1">
-              <a:lnSpc>
-                <a:spcPct val="85000"/>
-              </a:lnSpc>
-              <a:spcBef>
-                <a:spcPts val="600"/>
-              </a:spcBef>
-              <a:buFont typeface="Arial" pitchFamily="34" charset="0"/>
-              <a:buChar char=" "/>
-              <a:defRPr sz="1800" kern="1200">
-                <a:solidFill>
-                  <a:schemeClr val="tx1">
-                    <a:lumMod val="85000"/>
-                    <a:lumOff val="15000"/>
-                  </a:schemeClr>
-                </a:solidFill>
-                <a:latin typeface="+mn-lt"/>
-                <a:ea typeface="+mn-ea"/>
-                <a:cs typeface="+mn-cs"/>
-              </a:defRPr>
-            </a:lvl6pPr>
-            <a:lvl7pPr marL="1400000" indent="-228600" algn="l" defTabSz="914400" rtl="0" eaLnBrk="1" latinLnBrk="0" hangingPunct="1">
-              <a:lnSpc>
-                <a:spcPct val="85000"/>
-              </a:lnSpc>
-              <a:spcBef>
-                <a:spcPts val="600"/>
-              </a:spcBef>
-              <a:buFont typeface="Arial" pitchFamily="34" charset="0"/>
-              <a:buChar char=" "/>
-              <a:defRPr sz="1800" kern="1200">
-                <a:solidFill>
-                  <a:schemeClr val="tx1">
-                    <a:lumMod val="85000"/>
-                    <a:lumOff val="15000"/>
-                  </a:schemeClr>
-                </a:solidFill>
-                <a:latin typeface="+mn-lt"/>
-                <a:ea typeface="+mn-ea"/>
-                <a:cs typeface="+mn-cs"/>
-              </a:defRPr>
-            </a:lvl7pPr>
-            <a:lvl8pPr marL="1600000" indent="-228600" algn="l" defTabSz="914400" rtl="0" eaLnBrk="1" latinLnBrk="0" hangingPunct="1">
-              <a:lnSpc>
-                <a:spcPct val="85000"/>
-              </a:lnSpc>
-              <a:spcBef>
-                <a:spcPts val="600"/>
-              </a:spcBef>
-              <a:buFont typeface="Arial" pitchFamily="34" charset="0"/>
-              <a:buChar char=" "/>
-              <a:defRPr sz="1800" kern="1200">
-                <a:solidFill>
-                  <a:schemeClr val="tx1">
-                    <a:lumMod val="85000"/>
-                    <a:lumOff val="15000"/>
-                  </a:schemeClr>
-                </a:solidFill>
-                <a:latin typeface="+mn-lt"/>
-                <a:ea typeface="+mn-ea"/>
-                <a:cs typeface="+mn-cs"/>
-              </a:defRPr>
-            </a:lvl8pPr>
-            <a:lvl9pPr marL="1800000" indent="-228600" algn="l" defTabSz="914400" rtl="0" eaLnBrk="1" latinLnBrk="0" hangingPunct="1">
-              <a:lnSpc>
-                <a:spcPct val="85000"/>
-              </a:lnSpc>
-              <a:spcBef>
-                <a:spcPts val="600"/>
-              </a:spcBef>
-              <a:buFont typeface="Arial" pitchFamily="34" charset="0"/>
-              <a:buChar char=" "/>
-              <a:defRPr sz="1800" kern="1200">
-                <a:solidFill>
-                  <a:schemeClr val="tx1">
-                    <a:lumMod val="85000"/>
-                    <a:lumOff val="15000"/>
-                  </a:schemeClr>
-                </a:solidFill>
-                <a:latin typeface="+mn-lt"/>
-                <a:ea typeface="+mn-ea"/>
-                <a:cs typeface="+mn-cs"/>
-              </a:defRPr>
-            </a:lvl9pPr>
-          </a:lstStyle>
-          <a:p>
-            <a:pPr marL="0" indent="0">
-              <a:buNone/>
-            </a:pPr>
-            <a:r>
-              <a:rPr lang="ru-RU" sz="2900" b="1" dirty="0" smtClean="0">
-                <a:latin typeface="+mj-lt"/>
-              </a:rPr>
-              <a:t>Для отображения веб-страницы и ее контента был изучен </a:t>
-            </a:r>
-            <a:r>
-              <a:rPr lang="en-US" sz="2900" b="1" dirty="0" smtClean="0">
-                <a:latin typeface="+mj-lt"/>
-              </a:rPr>
-              <a:t>HTML* </a:t>
-            </a:r>
-            <a:endParaRPr lang="ru-RU" sz="2900" b="1" dirty="0" smtClean="0">
-              <a:latin typeface="+mj-lt"/>
-            </a:endParaRPr>
-          </a:p>
-        </p:txBody>
-      </p:sp>
-    </p:spTree>
-    <p:extLst>
-      <p:ext uri="{BB962C8B-B14F-4D97-AF65-F5344CB8AC3E}">
-        <p14:creationId xmlns:p14="http://schemas.microsoft.com/office/powerpoint/2010/main" val="231311159"/>
-      </p:ext>
-    </p:extLst>
-  </p:cSld>
-  <p:clrMapOvr>
-    <a:masterClrMapping/>
-  </p:clrMapOvr>
-  <p:timing>
-    <p:tnLst>
-      <p:par>
-        <p:cTn id="1" dur="indefinite" restart="never" nodeType="tmRoot"/>
-      </p:par>
-    </p:tnLst>
-  </p:timing>
-</p:sld>
-</file>
-
-<file path=ppt/slides/slide8.xml><?xml version="1.0" encoding="utf-8"?>
-<p:sld xmlns:a="http://schemas.openxmlformats.org/drawingml/2006/main" xmlns:r="http://schemas.openxmlformats.org/officeDocument/2006/relationships" xmlns:p="http://schemas.openxmlformats.org/presentationml/2006/main">
-  <p:cSld>
-    <p:spTree>
-      <p:nvGrpSpPr>
-        <p:cNvPr id="1" name=""/>
-        <p:cNvGrpSpPr/>
-        <p:nvPr/>
-      </p:nvGrpSpPr>
-      <p:grpSpPr>
-        <a:xfrm>
-          <a:off x="0" y="0"/>
-          <a:ext cx="0" cy="0"/>
-          <a:chOff x="0" y="0"/>
-          <a:chExt cx="0" cy="0"/>
-        </a:xfrm>
-      </p:grpSpPr>
-      <p:sp>
-        <p:nvSpPr>
-          <p:cNvPr id="4" name="Объект 1"/>
-          <p:cNvSpPr txBox="1">
-            <a:spLocks/>
-          </p:cNvSpPr>
-          <p:nvPr/>
-        </p:nvSpPr>
-        <p:spPr>
-          <a:xfrm>
-            <a:off x="838201" y="1825625"/>
-            <a:ext cx="8858250" cy="1574800"/>
-          </a:xfrm>
-          <a:prstGeom prst="rect">
-            <a:avLst/>
-          </a:prstGeom>
-        </p:spPr>
-        <p:txBody>
-          <a:bodyPr vert="horz" lIns="91440" tIns="45720" rIns="91440" bIns="45720" rtlCol="0">
-            <a:normAutofit/>
-          </a:bodyPr>
-          <a:lstStyle>
-            <a:lvl1pPr marL="91440" indent="-91440" algn="l" defTabSz="914400" rtl="0" eaLnBrk="1" latinLnBrk="0" hangingPunct="1">
-              <a:lnSpc>
-                <a:spcPct val="85000"/>
-              </a:lnSpc>
-              <a:spcBef>
-                <a:spcPts val="1300"/>
-              </a:spcBef>
-              <a:buFont typeface="Arial" pitchFamily="34" charset="0"/>
-              <a:buChar char=" "/>
-              <a:defRPr sz="2400" kern="1200">
-                <a:solidFill>
-                  <a:schemeClr val="tx1">
-                    <a:lumMod val="85000"/>
-                    <a:lumOff val="15000"/>
-                  </a:schemeClr>
-                </a:solidFill>
-                <a:latin typeface="+mn-lt"/>
-                <a:ea typeface="+mn-ea"/>
-                <a:cs typeface="+mn-cs"/>
-              </a:defRPr>
-            </a:lvl1pPr>
-            <a:lvl2pPr marL="347472" indent="-342900" algn="l" defTabSz="914400" rtl="0" eaLnBrk="1" latinLnBrk="0" hangingPunct="1">
-              <a:lnSpc>
-                <a:spcPct val="85000"/>
-              </a:lnSpc>
-              <a:spcBef>
-                <a:spcPts val="600"/>
-              </a:spcBef>
-              <a:buFont typeface="Arial" pitchFamily="34" charset="0"/>
-              <a:buChar char=" "/>
-              <a:defRPr sz="2400" kern="1200">
-                <a:solidFill>
-                  <a:schemeClr val="tx1">
-                    <a:lumMod val="85000"/>
-                    <a:lumOff val="15000"/>
-                  </a:schemeClr>
-                </a:solidFill>
-                <a:latin typeface="+mn-lt"/>
-                <a:ea typeface="+mn-ea"/>
-                <a:cs typeface="+mn-cs"/>
-              </a:defRPr>
-            </a:lvl2pPr>
-            <a:lvl3pPr marL="548640" indent="-548640" algn="l" defTabSz="914400" rtl="0" eaLnBrk="1" latinLnBrk="0" hangingPunct="1">
-              <a:lnSpc>
-                <a:spcPct val="85000"/>
-              </a:lnSpc>
-              <a:spcBef>
-                <a:spcPts val="600"/>
-              </a:spcBef>
-              <a:buFont typeface="Arial" pitchFamily="34" charset="0"/>
-              <a:buChar char=" "/>
-              <a:defRPr sz="2000" i="1" kern="1200">
-                <a:solidFill>
-                  <a:schemeClr val="tx1">
-                    <a:lumMod val="85000"/>
-                    <a:lumOff val="15000"/>
-                  </a:schemeClr>
-                </a:solidFill>
-                <a:latin typeface="+mn-lt"/>
-                <a:ea typeface="+mn-ea"/>
-                <a:cs typeface="+mn-cs"/>
-              </a:defRPr>
-            </a:lvl3pPr>
-            <a:lvl4pPr marL="822960" indent="-822960" algn="l" defTabSz="914400" rtl="0" eaLnBrk="1" latinLnBrk="0" hangingPunct="1">
-              <a:lnSpc>
-                <a:spcPct val="85000"/>
-              </a:lnSpc>
-              <a:spcBef>
-                <a:spcPts val="600"/>
-              </a:spcBef>
-              <a:buFont typeface="Arial" pitchFamily="34" charset="0"/>
-              <a:buChar char=" "/>
-              <a:defRPr sz="1800" kern="1200">
-                <a:solidFill>
-                  <a:schemeClr val="tx1">
-                    <a:lumMod val="85000"/>
-                    <a:lumOff val="15000"/>
-                  </a:schemeClr>
-                </a:solidFill>
-                <a:latin typeface="+mn-lt"/>
-                <a:ea typeface="+mn-ea"/>
-                <a:cs typeface="+mn-cs"/>
-              </a:defRPr>
-            </a:lvl4pPr>
-            <a:lvl5pPr marL="1097280" indent="-1097280" algn="l" defTabSz="914400" rtl="0" eaLnBrk="1" latinLnBrk="0" hangingPunct="1">
-              <a:lnSpc>
-                <a:spcPct val="85000"/>
-              </a:lnSpc>
-              <a:spcBef>
-                <a:spcPts val="600"/>
-              </a:spcBef>
-              <a:buFont typeface="Arial" pitchFamily="34" charset="0"/>
-              <a:buChar char=" "/>
-              <a:defRPr sz="1800" kern="1200">
-                <a:solidFill>
-                  <a:schemeClr val="tx1">
-                    <a:lumMod val="85000"/>
-                    <a:lumOff val="15000"/>
-                  </a:schemeClr>
-                </a:solidFill>
-                <a:latin typeface="+mn-lt"/>
-                <a:ea typeface="+mn-ea"/>
-                <a:cs typeface="+mn-cs"/>
-              </a:defRPr>
-            </a:lvl5pPr>
-            <a:lvl6pPr marL="1200000" indent="-228600" algn="l" defTabSz="914400" rtl="0" eaLnBrk="1" latinLnBrk="0" hangingPunct="1">
-              <a:lnSpc>
-                <a:spcPct val="85000"/>
-              </a:lnSpc>
-              <a:spcBef>
-                <a:spcPts val="600"/>
-              </a:spcBef>
-              <a:buFont typeface="Arial" pitchFamily="34" charset="0"/>
-              <a:buChar char=" "/>
-              <a:defRPr sz="1800" kern="1200">
-                <a:solidFill>
-                  <a:schemeClr val="tx1">
-                    <a:lumMod val="85000"/>
-                    <a:lumOff val="15000"/>
-                  </a:schemeClr>
-                </a:solidFill>
-                <a:latin typeface="+mn-lt"/>
-                <a:ea typeface="+mn-ea"/>
-                <a:cs typeface="+mn-cs"/>
-              </a:defRPr>
-            </a:lvl6pPr>
-            <a:lvl7pPr marL="1400000" indent="-228600" algn="l" defTabSz="914400" rtl="0" eaLnBrk="1" latinLnBrk="0" hangingPunct="1">
-              <a:lnSpc>
-                <a:spcPct val="85000"/>
-              </a:lnSpc>
-              <a:spcBef>
-                <a:spcPts val="600"/>
-              </a:spcBef>
-              <a:buFont typeface="Arial" pitchFamily="34" charset="0"/>
-              <a:buChar char=" "/>
-              <a:defRPr sz="1800" kern="1200">
-                <a:solidFill>
-                  <a:schemeClr val="tx1">
-                    <a:lumMod val="85000"/>
-                    <a:lumOff val="15000"/>
-                  </a:schemeClr>
-                </a:solidFill>
-                <a:latin typeface="+mn-lt"/>
-                <a:ea typeface="+mn-ea"/>
-                <a:cs typeface="+mn-cs"/>
-              </a:defRPr>
-            </a:lvl7pPr>
-            <a:lvl8pPr marL="1600000" indent="-228600" algn="l" defTabSz="914400" rtl="0" eaLnBrk="1" latinLnBrk="0" hangingPunct="1">
-              <a:lnSpc>
-                <a:spcPct val="85000"/>
-              </a:lnSpc>
-              <a:spcBef>
-                <a:spcPts val="600"/>
-              </a:spcBef>
-              <a:buFont typeface="Arial" pitchFamily="34" charset="0"/>
-              <a:buChar char=" "/>
-              <a:defRPr sz="1800" kern="1200">
-                <a:solidFill>
-                  <a:schemeClr val="tx1">
-                    <a:lumMod val="85000"/>
-                    <a:lumOff val="15000"/>
-                  </a:schemeClr>
-                </a:solidFill>
-                <a:latin typeface="+mn-lt"/>
-                <a:ea typeface="+mn-ea"/>
-                <a:cs typeface="+mn-cs"/>
-              </a:defRPr>
-            </a:lvl8pPr>
-            <a:lvl9pPr marL="1800000" indent="-228600" algn="l" defTabSz="914400" rtl="0" eaLnBrk="1" latinLnBrk="0" hangingPunct="1">
-              <a:lnSpc>
-                <a:spcPct val="85000"/>
-              </a:lnSpc>
-              <a:spcBef>
-                <a:spcPts val="600"/>
-              </a:spcBef>
-              <a:buFont typeface="Arial" pitchFamily="34" charset="0"/>
-              <a:buChar char=" "/>
-              <a:defRPr sz="1800" kern="1200">
-                <a:solidFill>
-                  <a:schemeClr val="tx1">
-                    <a:lumMod val="85000"/>
-                    <a:lumOff val="15000"/>
-                  </a:schemeClr>
-                </a:solidFill>
-                <a:latin typeface="+mn-lt"/>
-                <a:ea typeface="+mn-ea"/>
-                <a:cs typeface="+mn-cs"/>
-              </a:defRPr>
-            </a:lvl9pPr>
-          </a:lstStyle>
-          <a:p>
-            <a:r>
-              <a:rPr lang="ru-RU" sz="2600" dirty="0" smtClean="0"/>
-              <a:t>Для упрощения стилизации веб-страницы, а также добавления адаптивности, был изучен Фреймворк </a:t>
-            </a:r>
-            <a:r>
-              <a:rPr lang="en-US" sz="2600" b="1" dirty="0" smtClean="0"/>
-              <a:t>Materialize</a:t>
-            </a:r>
-            <a:r>
-              <a:rPr lang="ru-RU" sz="2600" dirty="0" smtClean="0"/>
-              <a:t>, разработанный компанией </a:t>
-            </a:r>
-            <a:r>
-              <a:rPr lang="en-US" sz="2600" dirty="0" smtClean="0"/>
-              <a:t>Google</a:t>
-            </a:r>
-            <a:r>
-              <a:rPr lang="ru-RU" sz="2600" dirty="0" smtClean="0"/>
-              <a:t>.</a:t>
-            </a:r>
-            <a:endParaRPr lang="ru-RU" sz="2600" dirty="0"/>
-          </a:p>
-        </p:txBody>
-      </p:sp>
-      <p:sp>
-        <p:nvSpPr>
-          <p:cNvPr id="5" name="Объект 1"/>
-          <p:cNvSpPr txBox="1">
-            <a:spLocks/>
-          </p:cNvSpPr>
-          <p:nvPr/>
-        </p:nvSpPr>
-        <p:spPr>
-          <a:xfrm>
-            <a:off x="2762249" y="4438650"/>
-            <a:ext cx="8858250" cy="1574800"/>
-          </a:xfrm>
-          <a:prstGeom prst="rect">
-            <a:avLst/>
-          </a:prstGeom>
-        </p:spPr>
-        <p:txBody>
-          <a:bodyPr vert="horz" lIns="91440" tIns="45720" rIns="91440" bIns="45720" rtlCol="0">
-            <a:normAutofit/>
-          </a:bodyPr>
-          <a:lstStyle>
-            <a:lvl1pPr marL="228600" indent="-228600" algn="l" defTabSz="914400" rtl="0" eaLnBrk="1" latinLnBrk="0" hangingPunct="1">
-              <a:lnSpc>
-                <a:spcPct val="90000"/>
-              </a:lnSpc>
-              <a:spcBef>
-                <a:spcPts val="1000"/>
-              </a:spcBef>
-              <a:buFont typeface="Arial" panose="020B0604020202020204" pitchFamily="34" charset="0"/>
-              <a:buChar char="•"/>
-              <a:defRPr sz="2800" kern="1200">
-                <a:solidFill>
-                  <a:schemeClr val="tx1"/>
-                </a:solidFill>
-                <a:latin typeface="+mn-lt"/>
-                <a:ea typeface="+mn-ea"/>
-                <a:cs typeface="+mn-cs"/>
-              </a:defRPr>
-            </a:lvl1pPr>
-            <a:lvl2pPr marL="685800" indent="-228600" algn="l" defTabSz="914400" rtl="0" eaLnBrk="1" latinLnBrk="0" hangingPunct="1">
-              <a:lnSpc>
-                <a:spcPct val="90000"/>
-              </a:lnSpc>
-              <a:spcBef>
-                <a:spcPts val="500"/>
-              </a:spcBef>
-              <a:buFont typeface="Arial" panose="020B0604020202020204" pitchFamily="34" charset="0"/>
-              <a:buChar char="•"/>
-              <a:defRPr sz="2400" kern="1200">
-                <a:solidFill>
-                  <a:schemeClr val="tx1"/>
-                </a:solidFill>
-                <a:latin typeface="+mn-lt"/>
-                <a:ea typeface="+mn-ea"/>
-                <a:cs typeface="+mn-cs"/>
-              </a:defRPr>
-            </a:lvl2pPr>
-            <a:lvl3pPr marL="1143000" indent="-228600" algn="l" defTabSz="914400" rtl="0" eaLnBrk="1" latinLnBrk="0" hangingPunct="1">
-              <a:lnSpc>
-                <a:spcPct val="90000"/>
-              </a:lnSpc>
-              <a:spcBef>
-                <a:spcPts val="500"/>
-              </a:spcBef>
-              <a:buFont typeface="Arial" panose="020B0604020202020204" pitchFamily="34" charset="0"/>
-              <a:buChar char="•"/>
-              <a:defRPr sz="2000" kern="1200">
-                <a:solidFill>
-                  <a:schemeClr val="tx1"/>
-                </a:solidFill>
-                <a:latin typeface="+mn-lt"/>
-                <a:ea typeface="+mn-ea"/>
-                <a:cs typeface="+mn-cs"/>
-              </a:defRPr>
-            </a:lvl3pPr>
-            <a:lvl4pPr marL="1600200" indent="-228600" algn="l" defTabSz="914400" rtl="0" eaLnBrk="1" latinLnBrk="0" hangingPunct="1">
-              <a:lnSpc>
-                <a:spcPct val="90000"/>
-              </a:lnSpc>
-              <a:spcBef>
-                <a:spcPts val="500"/>
-              </a:spcBef>
-              <a:buFont typeface="Arial" panose="020B0604020202020204" pitchFamily="34" charset="0"/>
-              <a:buChar char="•"/>
-              <a:defRPr sz="1800" kern="1200">
-                <a:solidFill>
-                  <a:schemeClr val="tx1"/>
-                </a:solidFill>
-                <a:latin typeface="+mn-lt"/>
-                <a:ea typeface="+mn-ea"/>
-                <a:cs typeface="+mn-cs"/>
-              </a:defRPr>
-            </a:lvl4pPr>
-            <a:lvl5pPr marL="2057400" indent="-228600" algn="l" defTabSz="914400" rtl="0" eaLnBrk="1" latinLnBrk="0" hangingPunct="1">
-              <a:lnSpc>
-                <a:spcPct val="90000"/>
-              </a:lnSpc>
-              <a:spcBef>
-                <a:spcPts val="500"/>
-              </a:spcBef>
-              <a:buFont typeface="Arial" panose="020B0604020202020204" pitchFamily="34" charset="0"/>
-              <a:buChar char="•"/>
-              <a:defRPr sz="1800" kern="1200">
-                <a:solidFill>
-                  <a:schemeClr val="tx1"/>
-                </a:solidFill>
-                <a:latin typeface="+mn-lt"/>
-                <a:ea typeface="+mn-ea"/>
-                <a:cs typeface="+mn-cs"/>
-              </a:defRPr>
-            </a:lvl5pPr>
-            <a:lvl6pPr marL="2514600" indent="-228600" algn="l" defTabSz="914400" rtl="0" eaLnBrk="1" latinLnBrk="0" hangingPunct="1">
-              <a:lnSpc>
-                <a:spcPct val="90000"/>
-              </a:lnSpc>
-              <a:spcBef>
-                <a:spcPts val="500"/>
-              </a:spcBef>
-              <a:buFont typeface="Arial" panose="020B0604020202020204" pitchFamily="34" charset="0"/>
-              <a:buChar char="•"/>
-              <a:defRPr sz="1800" kern="1200">
-                <a:solidFill>
-                  <a:schemeClr val="tx1"/>
-                </a:solidFill>
-                <a:latin typeface="+mn-lt"/>
-                <a:ea typeface="+mn-ea"/>
-                <a:cs typeface="+mn-cs"/>
-              </a:defRPr>
-            </a:lvl6pPr>
-            <a:lvl7pPr marL="2971800" indent="-228600" algn="l" defTabSz="914400" rtl="0" eaLnBrk="1" latinLnBrk="0" hangingPunct="1">
-              <a:lnSpc>
-                <a:spcPct val="90000"/>
-              </a:lnSpc>
-              <a:spcBef>
-                <a:spcPts val="500"/>
-              </a:spcBef>
-              <a:buFont typeface="Arial" panose="020B0604020202020204" pitchFamily="34" charset="0"/>
-              <a:buChar char="•"/>
-              <a:defRPr sz="1800" kern="1200">
-                <a:solidFill>
-                  <a:schemeClr val="tx1"/>
-                </a:solidFill>
-                <a:latin typeface="+mn-lt"/>
-                <a:ea typeface="+mn-ea"/>
-                <a:cs typeface="+mn-cs"/>
-              </a:defRPr>
-            </a:lvl7pPr>
-            <a:lvl8pPr marL="3429000" indent="-228600" algn="l" defTabSz="914400" rtl="0" eaLnBrk="1" latinLnBrk="0" hangingPunct="1">
-              <a:lnSpc>
-                <a:spcPct val="90000"/>
-              </a:lnSpc>
-              <a:spcBef>
-                <a:spcPts val="500"/>
-              </a:spcBef>
-              <a:buFont typeface="Arial" panose="020B0604020202020204" pitchFamily="34" charset="0"/>
-              <a:buChar char="•"/>
-              <a:defRPr sz="1800" kern="1200">
-                <a:solidFill>
-                  <a:schemeClr val="tx1"/>
-                </a:solidFill>
-                <a:latin typeface="+mn-lt"/>
-                <a:ea typeface="+mn-ea"/>
-                <a:cs typeface="+mn-cs"/>
-              </a:defRPr>
-            </a:lvl8pPr>
-            <a:lvl9pPr marL="3886200" indent="-228600" algn="l" defTabSz="914400" rtl="0" eaLnBrk="1" latinLnBrk="0" hangingPunct="1">
-              <a:lnSpc>
-                <a:spcPct val="90000"/>
-              </a:lnSpc>
-              <a:spcBef>
-                <a:spcPts val="500"/>
-              </a:spcBef>
-              <a:buFont typeface="Arial" panose="020B0604020202020204" pitchFamily="34" charset="0"/>
-              <a:buChar char="•"/>
-              <a:defRPr sz="1800" kern="1200">
-                <a:solidFill>
-                  <a:schemeClr val="tx1"/>
-                </a:solidFill>
-                <a:latin typeface="+mn-lt"/>
-                <a:ea typeface="+mn-ea"/>
-                <a:cs typeface="+mn-cs"/>
-              </a:defRPr>
-            </a:lvl9pPr>
-          </a:lstStyle>
-          <a:p>
-            <a:pPr marL="0" indent="0">
-              <a:buNone/>
-            </a:pPr>
-            <a:r>
-              <a:rPr lang="en-US" sz="2600" b="1" dirty="0"/>
-              <a:t>JavaScript</a:t>
-            </a:r>
-            <a:r>
-              <a:rPr lang="en-US" sz="2600" dirty="0"/>
-              <a:t> – </a:t>
-            </a:r>
-            <a:r>
-              <a:rPr lang="ru-RU" sz="2600" dirty="0"/>
-              <a:t>это интерпретируемый язык высокого уровня, который позволяет добавить интерактивности и логики на веб-страницу. </a:t>
-            </a:r>
+          <a:lstStyle/>
+          <a:p>
+            <a:r>
+              <a:rPr lang="en-US" sz="3200" dirty="0" smtClean="0"/>
+              <a:t>WEB-</a:t>
+            </a:r>
+            <a:r>
+              <a:rPr lang="ru-RU" sz="3200" dirty="0" smtClean="0"/>
+              <a:t>Технологии</a:t>
+            </a:r>
+            <a:endParaRPr lang="ru-RU" sz="3200" dirty="0"/>
           </a:p>
         </p:txBody>
       </p:sp>
       <p:pic>
         <p:nvPicPr>
-          <p:cNvPr id="6" name="Picture 4" descr="https://www.greenlight-cs.com/wp-content/uploads/2018/07/JS.png"/>
+          <p:cNvPr id="4" name="Рисунок 3"/>
           <p:cNvPicPr>
-            <a:picLocks noChangeAspect="1" noChangeArrowheads="1"/>
+            <a:picLocks noChangeAspect="1"/>
           </p:cNvPicPr>
           <p:nvPr/>
         </p:nvPicPr>
         <p:blipFill>
-          <a:blip r:embed="rId2" cstate="print">
+          <a:blip r:embed="rId4">
             <a:extLst>
               <a:ext uri="{28A0092B-C50C-407E-A947-70E740481C1C}">
                 <a14:useLocalDpi xmlns:a14="http://schemas.microsoft.com/office/drawing/2010/main" val="0"/>
               </a:ext>
             </a:extLst>
           </a:blip>
-          <a:srcRect/>
           <a:stretch>
             <a:fillRect/>
           </a:stretch>
         </p:blipFill>
-        <p:spPr bwMode="auto">
+        <p:spPr>
           <a:xfrm>
-            <a:off x="576304" y="3827505"/>
-            <a:ext cx="2185945" cy="2185945"/>
+            <a:off x="5758962" y="1476282"/>
+            <a:ext cx="6310092" cy="4167920"/>
           </a:xfrm>
           <a:prstGeom prst="rect">
             <a:avLst/>
           </a:prstGeom>
-          <a:noFill/>
-          <a:extLst>
-            <a:ext uri="{909E8E84-426E-40DD-AFC4-6F175D3DCCD1}">
-              <a14:hiddenFill xmlns:a14="http://schemas.microsoft.com/office/drawing/2010/main">
-                <a:solidFill>
-                  <a:srgbClr val="FFFFFF"/>
-                </a:solidFill>
-              </a14:hiddenFill>
-            </a:ext>
-          </a:extLst>
+          <a:ln>
+            <a:noFill/>
+          </a:ln>
+          <a:effectLst>
+            <a:outerShdw blurRad="190500" algn="tl" rotWithShape="0">
+              <a:srgbClr val="000000">
+                <a:alpha val="70000"/>
+              </a:srgbClr>
+            </a:outerShdw>
+          </a:effectLst>
         </p:spPr>
       </p:pic>
-      <p:pic>
-        <p:nvPicPr>
-          <p:cNvPr id="7" name="Picture 2" descr="https://cdn.zeptoh.com/image/materlise.png"/>
-          <p:cNvPicPr>
-            <a:picLocks noChangeAspect="1" noChangeArrowheads="1"/>
-          </p:cNvPicPr>
-          <p:nvPr/>
-        </p:nvPicPr>
-        <p:blipFill>
-          <a:blip r:embed="rId3" cstate="print">
-            <a:extLst>
-              <a:ext uri="{28A0092B-C50C-407E-A947-70E740481C1C}">
-                <a14:useLocalDpi xmlns:a14="http://schemas.microsoft.com/office/drawing/2010/main" val="0"/>
-              </a:ext>
-            </a:extLst>
-          </a:blip>
-          <a:srcRect/>
-          <a:stretch>
-            <a:fillRect/>
-          </a:stretch>
-        </p:blipFill>
-        <p:spPr bwMode="auto">
-          <a:xfrm>
-            <a:off x="9239250" y="1271693"/>
-            <a:ext cx="2095499" cy="2309707"/>
-          </a:xfrm>
-          <a:prstGeom prst="rect">
-            <a:avLst/>
-          </a:prstGeom>
-          <a:noFill/>
-          <a:extLst>
-            <a:ext uri="{909E8E84-426E-40DD-AFC4-6F175D3DCCD1}">
-              <a14:hiddenFill xmlns:a14="http://schemas.microsoft.com/office/drawing/2010/main">
-                <a:solidFill>
-                  <a:srgbClr val="FFFFFF"/>
-                </a:solidFill>
-              </a14:hiddenFill>
-            </a:ext>
-          </a:extLst>
-        </p:spPr>
-      </p:pic>
-      <p:sp>
-        <p:nvSpPr>
-          <p:cNvPr id="8" name="Заголовок 1"/>
-          <p:cNvSpPr>
-            <a:spLocks noGrp="1"/>
-          </p:cNvSpPr>
-          <p:nvPr>
-            <p:ph type="title"/>
-          </p:nvPr>
-        </p:nvSpPr>
-        <p:spPr>
-          <a:xfrm>
-            <a:off x="576304" y="-46113"/>
-            <a:ext cx="10772775" cy="1658198"/>
-          </a:xfrm>
-        </p:spPr>
-        <p:txBody>
-          <a:bodyPr/>
-          <a:lstStyle/>
-          <a:p>
-            <a:r>
-              <a:rPr lang="ru-RU" dirty="0"/>
-              <a:t>Изучение средств веб-разработки</a:t>
-            </a:r>
-          </a:p>
-        </p:txBody>
-      </p:sp>
     </p:spTree>
     <p:extLst>
       <p:ext uri="{BB962C8B-B14F-4D97-AF65-F5344CB8AC3E}">
-        <p14:creationId xmlns:p14="http://schemas.microsoft.com/office/powerpoint/2010/main" val="1395561264"/>
+        <p14:creationId xmlns:p14="http://schemas.microsoft.com/office/powerpoint/2010/main" val="231311159"/>
       </p:ext>
     </p:extLst>
   </p:cSld>
@@ -8486,97 +10867,769 @@
       </p:grpSpPr>
       <p:sp>
         <p:nvSpPr>
-          <p:cNvPr id="2" name="Заголовок 1"/>
-          <p:cNvSpPr>
-            <a:spLocks noGrp="1"/>
+          <p:cNvPr id="5" name="Объект 1"/>
+          <p:cNvSpPr txBox="1">
+            <a:spLocks/>
           </p:cNvSpPr>
-          <p:nvPr>
-            <p:ph type="title"/>
-          </p:nvPr>
+          <p:nvPr/>
         </p:nvSpPr>
         <p:spPr>
           <a:xfrm>
-            <a:off x="0" y="-264431"/>
-            <a:ext cx="10772775" cy="1658198"/>
+            <a:off x="620245" y="6211891"/>
+            <a:ext cx="6037732" cy="568518"/>
           </a:xfrm>
+          <a:prstGeom prst="rect">
+            <a:avLst/>
+          </a:prstGeom>
         </p:spPr>
         <p:txBody>
-          <a:bodyPr>
-            <a:normAutofit/>
+          <a:bodyPr vert="horz" lIns="91440" tIns="45720" rIns="91440" bIns="45720" rtlCol="0">
+            <a:noAutofit/>
           </a:bodyPr>
-          <a:lstStyle/>
-          <a:p>
-            <a:r>
-              <a:rPr lang="ru-RU" sz="3600" dirty="0" smtClean="0"/>
-              <a:t>Создание веб-сайта</a:t>
-            </a:r>
-            <a:endParaRPr lang="ru-RU" sz="3600" dirty="0"/>
+          <a:lstStyle>
+            <a:lvl1pPr marL="228600" indent="-228600" algn="l" defTabSz="914400" rtl="0" eaLnBrk="1" latinLnBrk="0" hangingPunct="1">
+              <a:lnSpc>
+                <a:spcPct val="90000"/>
+              </a:lnSpc>
+              <a:spcBef>
+                <a:spcPts val="1000"/>
+              </a:spcBef>
+              <a:buFont typeface="Arial" panose="020B0604020202020204" pitchFamily="34" charset="0"/>
+              <a:buChar char="•"/>
+              <a:defRPr sz="2800" kern="1200">
+                <a:solidFill>
+                  <a:schemeClr val="tx1"/>
+                </a:solidFill>
+                <a:latin typeface="+mn-lt"/>
+                <a:ea typeface="+mn-ea"/>
+                <a:cs typeface="+mn-cs"/>
+              </a:defRPr>
+            </a:lvl1pPr>
+            <a:lvl2pPr marL="685800" indent="-228600" algn="l" defTabSz="914400" rtl="0" eaLnBrk="1" latinLnBrk="0" hangingPunct="1">
+              <a:lnSpc>
+                <a:spcPct val="90000"/>
+              </a:lnSpc>
+              <a:spcBef>
+                <a:spcPts val="500"/>
+              </a:spcBef>
+              <a:buFont typeface="Arial" panose="020B0604020202020204" pitchFamily="34" charset="0"/>
+              <a:buChar char="•"/>
+              <a:defRPr sz="2400" kern="1200">
+                <a:solidFill>
+                  <a:schemeClr val="tx1"/>
+                </a:solidFill>
+                <a:latin typeface="+mn-lt"/>
+                <a:ea typeface="+mn-ea"/>
+                <a:cs typeface="+mn-cs"/>
+              </a:defRPr>
+            </a:lvl2pPr>
+            <a:lvl3pPr marL="1143000" indent="-228600" algn="l" defTabSz="914400" rtl="0" eaLnBrk="1" latinLnBrk="0" hangingPunct="1">
+              <a:lnSpc>
+                <a:spcPct val="90000"/>
+              </a:lnSpc>
+              <a:spcBef>
+                <a:spcPts val="500"/>
+              </a:spcBef>
+              <a:buFont typeface="Arial" panose="020B0604020202020204" pitchFamily="34" charset="0"/>
+              <a:buChar char="•"/>
+              <a:defRPr sz="2000" kern="1200">
+                <a:solidFill>
+                  <a:schemeClr val="tx1"/>
+                </a:solidFill>
+                <a:latin typeface="+mn-lt"/>
+                <a:ea typeface="+mn-ea"/>
+                <a:cs typeface="+mn-cs"/>
+              </a:defRPr>
+            </a:lvl3pPr>
+            <a:lvl4pPr marL="1600200" indent="-228600" algn="l" defTabSz="914400" rtl="0" eaLnBrk="1" latinLnBrk="0" hangingPunct="1">
+              <a:lnSpc>
+                <a:spcPct val="90000"/>
+              </a:lnSpc>
+              <a:spcBef>
+                <a:spcPts val="500"/>
+              </a:spcBef>
+              <a:buFont typeface="Arial" panose="020B0604020202020204" pitchFamily="34" charset="0"/>
+              <a:buChar char="•"/>
+              <a:defRPr sz="1800" kern="1200">
+                <a:solidFill>
+                  <a:schemeClr val="tx1"/>
+                </a:solidFill>
+                <a:latin typeface="+mn-lt"/>
+                <a:ea typeface="+mn-ea"/>
+                <a:cs typeface="+mn-cs"/>
+              </a:defRPr>
+            </a:lvl4pPr>
+            <a:lvl5pPr marL="2057400" indent="-228600" algn="l" defTabSz="914400" rtl="0" eaLnBrk="1" latinLnBrk="0" hangingPunct="1">
+              <a:lnSpc>
+                <a:spcPct val="90000"/>
+              </a:lnSpc>
+              <a:spcBef>
+                <a:spcPts val="500"/>
+              </a:spcBef>
+              <a:buFont typeface="Arial" panose="020B0604020202020204" pitchFamily="34" charset="0"/>
+              <a:buChar char="•"/>
+              <a:defRPr sz="1800" kern="1200">
+                <a:solidFill>
+                  <a:schemeClr val="tx1"/>
+                </a:solidFill>
+                <a:latin typeface="+mn-lt"/>
+                <a:ea typeface="+mn-ea"/>
+                <a:cs typeface="+mn-cs"/>
+              </a:defRPr>
+            </a:lvl5pPr>
+            <a:lvl6pPr marL="2514600" indent="-228600" algn="l" defTabSz="914400" rtl="0" eaLnBrk="1" latinLnBrk="0" hangingPunct="1">
+              <a:lnSpc>
+                <a:spcPct val="90000"/>
+              </a:lnSpc>
+              <a:spcBef>
+                <a:spcPts val="500"/>
+              </a:spcBef>
+              <a:buFont typeface="Arial" panose="020B0604020202020204" pitchFamily="34" charset="0"/>
+              <a:buChar char="•"/>
+              <a:defRPr sz="1800" kern="1200">
+                <a:solidFill>
+                  <a:schemeClr val="tx1"/>
+                </a:solidFill>
+                <a:latin typeface="+mn-lt"/>
+                <a:ea typeface="+mn-ea"/>
+                <a:cs typeface="+mn-cs"/>
+              </a:defRPr>
+            </a:lvl6pPr>
+            <a:lvl7pPr marL="2971800" indent="-228600" algn="l" defTabSz="914400" rtl="0" eaLnBrk="1" latinLnBrk="0" hangingPunct="1">
+              <a:lnSpc>
+                <a:spcPct val="90000"/>
+              </a:lnSpc>
+              <a:spcBef>
+                <a:spcPts val="500"/>
+              </a:spcBef>
+              <a:buFont typeface="Arial" panose="020B0604020202020204" pitchFamily="34" charset="0"/>
+              <a:buChar char="•"/>
+              <a:defRPr sz="1800" kern="1200">
+                <a:solidFill>
+                  <a:schemeClr val="tx1"/>
+                </a:solidFill>
+                <a:latin typeface="+mn-lt"/>
+                <a:ea typeface="+mn-ea"/>
+                <a:cs typeface="+mn-cs"/>
+              </a:defRPr>
+            </a:lvl7pPr>
+            <a:lvl8pPr marL="3429000" indent="-228600" algn="l" defTabSz="914400" rtl="0" eaLnBrk="1" latinLnBrk="0" hangingPunct="1">
+              <a:lnSpc>
+                <a:spcPct val="90000"/>
+              </a:lnSpc>
+              <a:spcBef>
+                <a:spcPts val="500"/>
+              </a:spcBef>
+              <a:buFont typeface="Arial" panose="020B0604020202020204" pitchFamily="34" charset="0"/>
+              <a:buChar char="•"/>
+              <a:defRPr sz="1800" kern="1200">
+                <a:solidFill>
+                  <a:schemeClr val="tx1"/>
+                </a:solidFill>
+                <a:latin typeface="+mn-lt"/>
+                <a:ea typeface="+mn-ea"/>
+                <a:cs typeface="+mn-cs"/>
+              </a:defRPr>
+            </a:lvl8pPr>
+            <a:lvl9pPr marL="3886200" indent="-228600" algn="l" defTabSz="914400" rtl="0" eaLnBrk="1" latinLnBrk="0" hangingPunct="1">
+              <a:lnSpc>
+                <a:spcPct val="90000"/>
+              </a:lnSpc>
+              <a:spcBef>
+                <a:spcPts val="500"/>
+              </a:spcBef>
+              <a:buFont typeface="Arial" panose="020B0604020202020204" pitchFamily="34" charset="0"/>
+              <a:buChar char="•"/>
+              <a:defRPr sz="1800" kern="1200">
+                <a:solidFill>
+                  <a:schemeClr val="tx1"/>
+                </a:solidFill>
+                <a:latin typeface="+mn-lt"/>
+                <a:ea typeface="+mn-ea"/>
+                <a:cs typeface="+mn-cs"/>
+              </a:defRPr>
+            </a:lvl9pPr>
+          </a:lstStyle>
+          <a:p>
+            <a:pPr marL="0" indent="0">
+              <a:buNone/>
+            </a:pPr>
+            <a:r>
+              <a:rPr lang="en-US" sz="1900" b="1" dirty="0" smtClean="0"/>
+              <a:t>CSS</a:t>
+            </a:r>
+            <a:r>
+              <a:rPr lang="ru-RU" sz="1900" b="1" dirty="0" smtClean="0"/>
+              <a:t> </a:t>
+            </a:r>
+            <a:r>
+              <a:rPr lang="ru-RU" sz="1900" i="1" dirty="0" smtClean="0"/>
+              <a:t>(</a:t>
+            </a:r>
+            <a:r>
+              <a:rPr lang="en-US" sz="1900" i="1" dirty="0" smtClean="0"/>
+              <a:t>Cascading </a:t>
+            </a:r>
+            <a:r>
+              <a:rPr lang="en-US" sz="1900" i="1" dirty="0"/>
+              <a:t>Style </a:t>
+            </a:r>
+            <a:r>
+              <a:rPr lang="en-US" sz="1900" i="1" dirty="0" smtClean="0"/>
+              <a:t>Sheets</a:t>
+            </a:r>
+            <a:r>
+              <a:rPr lang="ru-RU" sz="1900" i="1" dirty="0" smtClean="0"/>
+              <a:t>)</a:t>
+            </a:r>
+            <a:r>
+              <a:rPr lang="en-US" sz="1900" i="1" dirty="0" smtClean="0"/>
+              <a:t> </a:t>
+            </a:r>
+            <a:r>
+              <a:rPr lang="en-US" sz="1900" dirty="0"/>
+              <a:t>– </a:t>
+            </a:r>
+            <a:r>
+              <a:rPr lang="ru-RU" sz="1900" dirty="0"/>
+              <a:t>Это язык разметки, используемый для визуального оформления </a:t>
+            </a:r>
+            <a:r>
+              <a:rPr lang="ru-RU" sz="1900" dirty="0" smtClean="0"/>
+              <a:t>веб-сайтов</a:t>
+            </a:r>
+            <a:endParaRPr lang="ru-RU" sz="1900" dirty="0"/>
           </a:p>
         </p:txBody>
       </p:sp>
       <p:pic>
         <p:nvPicPr>
-          <p:cNvPr id="14" name="Рисунок 13"/>
+          <p:cNvPr id="8" name="Picture 4" descr="https://upload.wikimedia.org/wikipedia/commons/thumb/7/70/Devicon-css3-plain.svg/1200px-Devicon-css3-plain.svg.png"/>
           <p:cNvPicPr>
-            <a:picLocks noChangeAspect="1"/>
+            <a:picLocks noChangeAspect="1" noChangeArrowheads="1"/>
           </p:cNvPicPr>
           <p:nvPr/>
         </p:nvPicPr>
         <p:blipFill>
-          <a:blip r:embed="rId2">
+          <a:blip r:embed="rId3" cstate="print">
             <a:extLst>
               <a:ext uri="{28A0092B-C50C-407E-A947-70E740481C1C}">
                 <a14:useLocalDpi xmlns:a14="http://schemas.microsoft.com/office/drawing/2010/main" val="0"/>
               </a:ext>
             </a:extLst>
           </a:blip>
+          <a:srcRect/>
           <a:stretch>
             <a:fillRect/>
           </a:stretch>
         </p:blipFill>
+        <p:spPr bwMode="auto">
+          <a:xfrm>
+            <a:off x="0" y="6211891"/>
+            <a:ext cx="620245" cy="620245"/>
+          </a:xfrm>
+          <a:prstGeom prst="rect">
+            <a:avLst/>
+          </a:prstGeom>
+          <a:noFill/>
+          <a:extLst>
+            <a:ext uri="{909E8E84-426E-40DD-AFC4-6F175D3DCCD1}">
+              <a14:hiddenFill xmlns:a14="http://schemas.microsoft.com/office/drawing/2010/main">
+                <a:solidFill>
+                  <a:srgbClr val="FFFFFF"/>
+                </a:solidFill>
+              </a14:hiddenFill>
+            </a:ext>
+          </a:extLst>
+        </p:spPr>
+      </p:pic>
+      <p:sp>
+        <p:nvSpPr>
+          <p:cNvPr id="13" name="Объект 2"/>
+          <p:cNvSpPr txBox="1">
+            <a:spLocks/>
+          </p:cNvSpPr>
+          <p:nvPr/>
+        </p:nvSpPr>
         <p:spPr>
           <a:xfrm>
-            <a:off x="0" y="862413"/>
-            <a:ext cx="7671904" cy="5063602"/>
+            <a:off x="0" y="755324"/>
+            <a:ext cx="8440615" cy="488257"/>
           </a:xfrm>
           <a:prstGeom prst="rect">
             <a:avLst/>
           </a:prstGeom>
         </p:spPr>
-      </p:pic>
-      <p:pic>
-        <p:nvPicPr>
-          <p:cNvPr id="15" name="Рисунок 14"/>
-          <p:cNvPicPr>
-            <a:picLocks noChangeAspect="1"/>
-          </p:cNvPicPr>
+        <p:txBody>
+          <a:bodyPr vert="horz" lIns="91440" tIns="45720" rIns="91440" bIns="45720" rtlCol="0">
+            <a:noAutofit/>
+          </a:bodyPr>
+          <a:lstStyle>
+            <a:lvl1pPr marL="91440" indent="-91440" algn="l" defTabSz="914400" rtl="0" eaLnBrk="1" latinLnBrk="0" hangingPunct="1">
+              <a:lnSpc>
+                <a:spcPct val="85000"/>
+              </a:lnSpc>
+              <a:spcBef>
+                <a:spcPts val="1300"/>
+              </a:spcBef>
+              <a:buFont typeface="Arial" pitchFamily="34" charset="0"/>
+              <a:buChar char=" "/>
+              <a:defRPr sz="2400" kern="1200">
+                <a:solidFill>
+                  <a:schemeClr val="tx1">
+                    <a:lumMod val="85000"/>
+                    <a:lumOff val="15000"/>
+                  </a:schemeClr>
+                </a:solidFill>
+                <a:latin typeface="+mn-lt"/>
+                <a:ea typeface="+mn-ea"/>
+                <a:cs typeface="+mn-cs"/>
+              </a:defRPr>
+            </a:lvl1pPr>
+            <a:lvl2pPr marL="347472" indent="-342900" algn="l" defTabSz="914400" rtl="0" eaLnBrk="1" latinLnBrk="0" hangingPunct="1">
+              <a:lnSpc>
+                <a:spcPct val="85000"/>
+              </a:lnSpc>
+              <a:spcBef>
+                <a:spcPts val="600"/>
+              </a:spcBef>
+              <a:buFont typeface="Arial" pitchFamily="34" charset="0"/>
+              <a:buChar char=" "/>
+              <a:defRPr sz="2400" kern="1200">
+                <a:solidFill>
+                  <a:schemeClr val="tx1">
+                    <a:lumMod val="85000"/>
+                    <a:lumOff val="15000"/>
+                  </a:schemeClr>
+                </a:solidFill>
+                <a:latin typeface="+mn-lt"/>
+                <a:ea typeface="+mn-ea"/>
+                <a:cs typeface="+mn-cs"/>
+              </a:defRPr>
+            </a:lvl2pPr>
+            <a:lvl3pPr marL="548640" indent="-548640" algn="l" defTabSz="914400" rtl="0" eaLnBrk="1" latinLnBrk="0" hangingPunct="1">
+              <a:lnSpc>
+                <a:spcPct val="85000"/>
+              </a:lnSpc>
+              <a:spcBef>
+                <a:spcPts val="600"/>
+              </a:spcBef>
+              <a:buFont typeface="Arial" pitchFamily="34" charset="0"/>
+              <a:buChar char=" "/>
+              <a:defRPr sz="2000" i="1" kern="1200">
+                <a:solidFill>
+                  <a:schemeClr val="tx1">
+                    <a:lumMod val="85000"/>
+                    <a:lumOff val="15000"/>
+                  </a:schemeClr>
+                </a:solidFill>
+                <a:latin typeface="+mn-lt"/>
+                <a:ea typeface="+mn-ea"/>
+                <a:cs typeface="+mn-cs"/>
+              </a:defRPr>
+            </a:lvl3pPr>
+            <a:lvl4pPr marL="822960" indent="-822960" algn="l" defTabSz="914400" rtl="0" eaLnBrk="1" latinLnBrk="0" hangingPunct="1">
+              <a:lnSpc>
+                <a:spcPct val="85000"/>
+              </a:lnSpc>
+              <a:spcBef>
+                <a:spcPts val="600"/>
+              </a:spcBef>
+              <a:buFont typeface="Arial" pitchFamily="34" charset="0"/>
+              <a:buChar char=" "/>
+              <a:defRPr sz="1800" kern="1200">
+                <a:solidFill>
+                  <a:schemeClr val="tx1">
+                    <a:lumMod val="85000"/>
+                    <a:lumOff val="15000"/>
+                  </a:schemeClr>
+                </a:solidFill>
+                <a:latin typeface="+mn-lt"/>
+                <a:ea typeface="+mn-ea"/>
+                <a:cs typeface="+mn-cs"/>
+              </a:defRPr>
+            </a:lvl4pPr>
+            <a:lvl5pPr marL="1097280" indent="-1097280" algn="l" defTabSz="914400" rtl="0" eaLnBrk="1" latinLnBrk="0" hangingPunct="1">
+              <a:lnSpc>
+                <a:spcPct val="85000"/>
+              </a:lnSpc>
+              <a:spcBef>
+                <a:spcPts val="600"/>
+              </a:spcBef>
+              <a:buFont typeface="Arial" pitchFamily="34" charset="0"/>
+              <a:buChar char=" "/>
+              <a:defRPr sz="1800" kern="1200">
+                <a:solidFill>
+                  <a:schemeClr val="tx1">
+                    <a:lumMod val="85000"/>
+                    <a:lumOff val="15000"/>
+                  </a:schemeClr>
+                </a:solidFill>
+                <a:latin typeface="+mn-lt"/>
+                <a:ea typeface="+mn-ea"/>
+                <a:cs typeface="+mn-cs"/>
+              </a:defRPr>
+            </a:lvl5pPr>
+            <a:lvl6pPr marL="1200000" indent="-228600" algn="l" defTabSz="914400" rtl="0" eaLnBrk="1" latinLnBrk="0" hangingPunct="1">
+              <a:lnSpc>
+                <a:spcPct val="85000"/>
+              </a:lnSpc>
+              <a:spcBef>
+                <a:spcPts val="600"/>
+              </a:spcBef>
+              <a:buFont typeface="Arial" pitchFamily="34" charset="0"/>
+              <a:buChar char=" "/>
+              <a:defRPr sz="1800" kern="1200">
+                <a:solidFill>
+                  <a:schemeClr val="tx1">
+                    <a:lumMod val="85000"/>
+                    <a:lumOff val="15000"/>
+                  </a:schemeClr>
+                </a:solidFill>
+                <a:latin typeface="+mn-lt"/>
+                <a:ea typeface="+mn-ea"/>
+                <a:cs typeface="+mn-cs"/>
+              </a:defRPr>
+            </a:lvl6pPr>
+            <a:lvl7pPr marL="1400000" indent="-228600" algn="l" defTabSz="914400" rtl="0" eaLnBrk="1" latinLnBrk="0" hangingPunct="1">
+              <a:lnSpc>
+                <a:spcPct val="85000"/>
+              </a:lnSpc>
+              <a:spcBef>
+                <a:spcPts val="600"/>
+              </a:spcBef>
+              <a:buFont typeface="Arial" pitchFamily="34" charset="0"/>
+              <a:buChar char=" "/>
+              <a:defRPr sz="1800" kern="1200">
+                <a:solidFill>
+                  <a:schemeClr val="tx1">
+                    <a:lumMod val="85000"/>
+                    <a:lumOff val="15000"/>
+                  </a:schemeClr>
+                </a:solidFill>
+                <a:latin typeface="+mn-lt"/>
+                <a:ea typeface="+mn-ea"/>
+                <a:cs typeface="+mn-cs"/>
+              </a:defRPr>
+            </a:lvl7pPr>
+            <a:lvl8pPr marL="1600000" indent="-228600" algn="l" defTabSz="914400" rtl="0" eaLnBrk="1" latinLnBrk="0" hangingPunct="1">
+              <a:lnSpc>
+                <a:spcPct val="85000"/>
+              </a:lnSpc>
+              <a:spcBef>
+                <a:spcPts val="600"/>
+              </a:spcBef>
+              <a:buFont typeface="Arial" pitchFamily="34" charset="0"/>
+              <a:buChar char=" "/>
+              <a:defRPr sz="1800" kern="1200">
+                <a:solidFill>
+                  <a:schemeClr val="tx1">
+                    <a:lumMod val="85000"/>
+                    <a:lumOff val="15000"/>
+                  </a:schemeClr>
+                </a:solidFill>
+                <a:latin typeface="+mn-lt"/>
+                <a:ea typeface="+mn-ea"/>
+                <a:cs typeface="+mn-cs"/>
+              </a:defRPr>
+            </a:lvl8pPr>
+            <a:lvl9pPr marL="1800000" indent="-228600" algn="l" defTabSz="914400" rtl="0" eaLnBrk="1" latinLnBrk="0" hangingPunct="1">
+              <a:lnSpc>
+                <a:spcPct val="85000"/>
+              </a:lnSpc>
+              <a:spcBef>
+                <a:spcPts val="600"/>
+              </a:spcBef>
+              <a:buFont typeface="Arial" pitchFamily="34" charset="0"/>
+              <a:buChar char=" "/>
+              <a:defRPr sz="1800" kern="1200">
+                <a:solidFill>
+                  <a:schemeClr val="tx1">
+                    <a:lumMod val="85000"/>
+                    <a:lumOff val="15000"/>
+                  </a:schemeClr>
+                </a:solidFill>
+                <a:latin typeface="+mn-lt"/>
+                <a:ea typeface="+mn-ea"/>
+                <a:cs typeface="+mn-cs"/>
+              </a:defRPr>
+            </a:lvl9pPr>
+          </a:lstStyle>
+          <a:p>
+            <a:pPr marL="0" indent="0">
+              <a:buNone/>
+            </a:pPr>
+            <a:r>
+              <a:rPr lang="ru-RU" sz="2700" dirty="0" smtClean="0">
+                <a:latin typeface="+mj-lt"/>
+              </a:rPr>
+              <a:t>Для внешнего вида страницы </a:t>
+            </a:r>
+            <a:r>
+              <a:rPr lang="ru-RU" sz="2700" dirty="0" smtClean="0">
+                <a:latin typeface="+mj-lt"/>
+              </a:rPr>
+              <a:t>был применен </a:t>
+            </a:r>
+            <a:r>
+              <a:rPr lang="en-US" sz="2700" dirty="0" smtClean="0">
+                <a:latin typeface="+mj-lt"/>
+              </a:rPr>
+              <a:t>CSS</a:t>
+            </a:r>
+            <a:r>
+              <a:rPr lang="en-US" sz="2700" dirty="0" smtClean="0">
+                <a:latin typeface="+mj-lt"/>
+              </a:rPr>
+              <a:t>*</a:t>
+            </a:r>
+            <a:endParaRPr lang="ru-RU" sz="2700" dirty="0" smtClean="0">
+              <a:latin typeface="+mj-lt"/>
+            </a:endParaRPr>
+          </a:p>
+        </p:txBody>
+      </p:sp>
+      <p:sp>
+        <p:nvSpPr>
+          <p:cNvPr id="15" name="Объект 2"/>
+          <p:cNvSpPr txBox="1">
+            <a:spLocks/>
+          </p:cNvSpPr>
           <p:nvPr/>
-        </p:nvPicPr>
-        <p:blipFill>
-          <a:blip r:embed="rId3">
-            <a:extLst>
-              <a:ext uri="{28A0092B-C50C-407E-A947-70E740481C1C}">
-                <a14:useLocalDpi xmlns:a14="http://schemas.microsoft.com/office/drawing/2010/main" val="0"/>
-              </a:ext>
-            </a:extLst>
-          </a:blip>
-          <a:stretch>
-            <a:fillRect/>
-          </a:stretch>
-        </p:blipFill>
+        </p:nvSpPr>
         <p:spPr>
           <a:xfrm>
-            <a:off x="8133504" y="0"/>
-            <a:ext cx="4058496" cy="4519246"/>
+            <a:off x="0" y="1295309"/>
+            <a:ext cx="8440615" cy="410400"/>
           </a:xfrm>
           <a:prstGeom prst="rect">
             <a:avLst/>
           </a:prstGeom>
         </p:spPr>
-      </p:pic>
+        <p:txBody>
+          <a:bodyPr vert="horz" lIns="91440" tIns="45720" rIns="91440" bIns="45720" rtlCol="0">
+            <a:normAutofit fontScale="85000" lnSpcReduction="10000"/>
+          </a:bodyPr>
+          <a:lstStyle>
+            <a:lvl1pPr marL="91440" indent="-91440" algn="l" defTabSz="914400" rtl="0" eaLnBrk="1" latinLnBrk="0" hangingPunct="1">
+              <a:lnSpc>
+                <a:spcPct val="85000"/>
+              </a:lnSpc>
+              <a:spcBef>
+                <a:spcPts val="1300"/>
+              </a:spcBef>
+              <a:buFont typeface="Arial" pitchFamily="34" charset="0"/>
+              <a:buChar char=" "/>
+              <a:defRPr sz="2400" kern="1200">
+                <a:solidFill>
+                  <a:schemeClr val="tx1">
+                    <a:lumMod val="85000"/>
+                    <a:lumOff val="15000"/>
+                  </a:schemeClr>
+                </a:solidFill>
+                <a:latin typeface="+mn-lt"/>
+                <a:ea typeface="+mn-ea"/>
+                <a:cs typeface="+mn-cs"/>
+              </a:defRPr>
+            </a:lvl1pPr>
+            <a:lvl2pPr marL="347472" indent="-342900" algn="l" defTabSz="914400" rtl="0" eaLnBrk="1" latinLnBrk="0" hangingPunct="1">
+              <a:lnSpc>
+                <a:spcPct val="85000"/>
+              </a:lnSpc>
+              <a:spcBef>
+                <a:spcPts val="600"/>
+              </a:spcBef>
+              <a:buFont typeface="Arial" pitchFamily="34" charset="0"/>
+              <a:buChar char=" "/>
+              <a:defRPr sz="2400" kern="1200">
+                <a:solidFill>
+                  <a:schemeClr val="tx1">
+                    <a:lumMod val="85000"/>
+                    <a:lumOff val="15000"/>
+                  </a:schemeClr>
+                </a:solidFill>
+                <a:latin typeface="+mn-lt"/>
+                <a:ea typeface="+mn-ea"/>
+                <a:cs typeface="+mn-cs"/>
+              </a:defRPr>
+            </a:lvl2pPr>
+            <a:lvl3pPr marL="548640" indent="-548640" algn="l" defTabSz="914400" rtl="0" eaLnBrk="1" latinLnBrk="0" hangingPunct="1">
+              <a:lnSpc>
+                <a:spcPct val="85000"/>
+              </a:lnSpc>
+              <a:spcBef>
+                <a:spcPts val="600"/>
+              </a:spcBef>
+              <a:buFont typeface="Arial" pitchFamily="34" charset="0"/>
+              <a:buChar char=" "/>
+              <a:defRPr sz="2000" i="1" kern="1200">
+                <a:solidFill>
+                  <a:schemeClr val="tx1">
+                    <a:lumMod val="85000"/>
+                    <a:lumOff val="15000"/>
+                  </a:schemeClr>
+                </a:solidFill>
+                <a:latin typeface="+mn-lt"/>
+                <a:ea typeface="+mn-ea"/>
+                <a:cs typeface="+mn-cs"/>
+              </a:defRPr>
+            </a:lvl3pPr>
+            <a:lvl4pPr marL="822960" indent="-822960" algn="l" defTabSz="914400" rtl="0" eaLnBrk="1" latinLnBrk="0" hangingPunct="1">
+              <a:lnSpc>
+                <a:spcPct val="85000"/>
+              </a:lnSpc>
+              <a:spcBef>
+                <a:spcPts val="600"/>
+              </a:spcBef>
+              <a:buFont typeface="Arial" pitchFamily="34" charset="0"/>
+              <a:buChar char=" "/>
+              <a:defRPr sz="1800" kern="1200">
+                <a:solidFill>
+                  <a:schemeClr val="tx1">
+                    <a:lumMod val="85000"/>
+                    <a:lumOff val="15000"/>
+                  </a:schemeClr>
+                </a:solidFill>
+                <a:latin typeface="+mn-lt"/>
+                <a:ea typeface="+mn-ea"/>
+                <a:cs typeface="+mn-cs"/>
+              </a:defRPr>
+            </a:lvl4pPr>
+            <a:lvl5pPr marL="1097280" indent="-1097280" algn="l" defTabSz="914400" rtl="0" eaLnBrk="1" latinLnBrk="0" hangingPunct="1">
+              <a:lnSpc>
+                <a:spcPct val="85000"/>
+              </a:lnSpc>
+              <a:spcBef>
+                <a:spcPts val="600"/>
+              </a:spcBef>
+              <a:buFont typeface="Arial" pitchFamily="34" charset="0"/>
+              <a:buChar char=" "/>
+              <a:defRPr sz="1800" kern="1200">
+                <a:solidFill>
+                  <a:schemeClr val="tx1">
+                    <a:lumMod val="85000"/>
+                    <a:lumOff val="15000"/>
+                  </a:schemeClr>
+                </a:solidFill>
+                <a:latin typeface="+mn-lt"/>
+                <a:ea typeface="+mn-ea"/>
+                <a:cs typeface="+mn-cs"/>
+              </a:defRPr>
+            </a:lvl5pPr>
+            <a:lvl6pPr marL="1200000" indent="-228600" algn="l" defTabSz="914400" rtl="0" eaLnBrk="1" latinLnBrk="0" hangingPunct="1">
+              <a:lnSpc>
+                <a:spcPct val="85000"/>
+              </a:lnSpc>
+              <a:spcBef>
+                <a:spcPts val="600"/>
+              </a:spcBef>
+              <a:buFont typeface="Arial" pitchFamily="34" charset="0"/>
+              <a:buChar char=" "/>
+              <a:defRPr sz="1800" kern="1200">
+                <a:solidFill>
+                  <a:schemeClr val="tx1">
+                    <a:lumMod val="85000"/>
+                    <a:lumOff val="15000"/>
+                  </a:schemeClr>
+                </a:solidFill>
+                <a:latin typeface="+mn-lt"/>
+                <a:ea typeface="+mn-ea"/>
+                <a:cs typeface="+mn-cs"/>
+              </a:defRPr>
+            </a:lvl6pPr>
+            <a:lvl7pPr marL="1400000" indent="-228600" algn="l" defTabSz="914400" rtl="0" eaLnBrk="1" latinLnBrk="0" hangingPunct="1">
+              <a:lnSpc>
+                <a:spcPct val="85000"/>
+              </a:lnSpc>
+              <a:spcBef>
+                <a:spcPts val="600"/>
+              </a:spcBef>
+              <a:buFont typeface="Arial" pitchFamily="34" charset="0"/>
+              <a:buChar char=" "/>
+              <a:defRPr sz="1800" kern="1200">
+                <a:solidFill>
+                  <a:schemeClr val="tx1">
+                    <a:lumMod val="85000"/>
+                    <a:lumOff val="15000"/>
+                  </a:schemeClr>
+                </a:solidFill>
+                <a:latin typeface="+mn-lt"/>
+                <a:ea typeface="+mn-ea"/>
+                <a:cs typeface="+mn-cs"/>
+              </a:defRPr>
+            </a:lvl7pPr>
+            <a:lvl8pPr marL="1600000" indent="-228600" algn="l" defTabSz="914400" rtl="0" eaLnBrk="1" latinLnBrk="0" hangingPunct="1">
+              <a:lnSpc>
+                <a:spcPct val="85000"/>
+              </a:lnSpc>
+              <a:spcBef>
+                <a:spcPts val="600"/>
+              </a:spcBef>
+              <a:buFont typeface="Arial" pitchFamily="34" charset="0"/>
+              <a:buChar char=" "/>
+              <a:defRPr sz="1800" kern="1200">
+                <a:solidFill>
+                  <a:schemeClr val="tx1">
+                    <a:lumMod val="85000"/>
+                    <a:lumOff val="15000"/>
+                  </a:schemeClr>
+                </a:solidFill>
+                <a:latin typeface="+mn-lt"/>
+                <a:ea typeface="+mn-ea"/>
+                <a:cs typeface="+mn-cs"/>
+              </a:defRPr>
+            </a:lvl8pPr>
+            <a:lvl9pPr marL="1800000" indent="-228600" algn="l" defTabSz="914400" rtl="0" eaLnBrk="1" latinLnBrk="0" hangingPunct="1">
+              <a:lnSpc>
+                <a:spcPct val="85000"/>
+              </a:lnSpc>
+              <a:spcBef>
+                <a:spcPts val="600"/>
+              </a:spcBef>
+              <a:buFont typeface="Arial" pitchFamily="34" charset="0"/>
+              <a:buChar char=" "/>
+              <a:defRPr sz="1800" kern="1200">
+                <a:solidFill>
+                  <a:schemeClr val="tx1">
+                    <a:lumMod val="85000"/>
+                    <a:lumOff val="15000"/>
+                  </a:schemeClr>
+                </a:solidFill>
+                <a:latin typeface="+mn-lt"/>
+                <a:ea typeface="+mn-ea"/>
+                <a:cs typeface="+mn-cs"/>
+              </a:defRPr>
+            </a:lvl9pPr>
+          </a:lstStyle>
+          <a:p>
+            <a:pPr marL="0" indent="0">
+              <a:buNone/>
+            </a:pPr>
+            <a:r>
+              <a:rPr lang="ru-RU" dirty="0" smtClean="0"/>
+              <a:t>В основном я использовал </a:t>
+            </a:r>
+            <a:r>
+              <a:rPr lang="en-US" dirty="0" smtClean="0"/>
+              <a:t>css </a:t>
+            </a:r>
+            <a:r>
+              <a:rPr lang="ru-RU" dirty="0" smtClean="0"/>
+              <a:t>для редактирования текста на странице  </a:t>
+            </a:r>
+            <a:r>
+              <a:rPr lang="en-US" dirty="0" smtClean="0"/>
+              <a:t> </a:t>
+            </a:r>
+            <a:endParaRPr lang="ru-RU" sz="2900" b="1" dirty="0" smtClean="0">
+              <a:latin typeface="+mj-lt"/>
+            </a:endParaRPr>
+          </a:p>
+        </p:txBody>
+      </p:sp>
       <p:pic>
         <p:nvPicPr>
-          <p:cNvPr id="16" name="Рисунок 15"/>
+          <p:cNvPr id="10" name="Рисунок 9"/>
           <p:cNvPicPr>
             <a:picLocks noChangeAspect="1"/>
           </p:cNvPicPr>
@@ -8596,18 +11649,102 @@
         </p:blipFill>
         <p:spPr>
           <a:xfrm>
-            <a:off x="5671038" y="2445987"/>
-            <a:ext cx="6066576" cy="4358145"/>
+            <a:off x="2720095" y="3151352"/>
+            <a:ext cx="2934109" cy="1305107"/>
           </a:xfrm>
           <a:prstGeom prst="rect">
             <a:avLst/>
           </a:prstGeom>
+          <a:ln>
+            <a:noFill/>
+          </a:ln>
+          <a:effectLst>
+            <a:outerShdw blurRad="190500" algn="tl" rotWithShape="0">
+              <a:srgbClr val="000000">
+                <a:alpha val="70000"/>
+              </a:srgbClr>
+            </a:outerShdw>
+          </a:effectLst>
         </p:spPr>
       </p:pic>
+      <p:pic>
+        <p:nvPicPr>
+          <p:cNvPr id="11" name="Рисунок 10"/>
+          <p:cNvPicPr>
+            <a:picLocks noChangeAspect="1"/>
+          </p:cNvPicPr>
+          <p:nvPr/>
+        </p:nvPicPr>
+        <p:blipFill>
+          <a:blip r:embed="rId5">
+            <a:extLst>
+              <a:ext uri="{28A0092B-C50C-407E-A947-70E740481C1C}">
+                <a14:useLocalDpi xmlns:a14="http://schemas.microsoft.com/office/drawing/2010/main" val="0"/>
+              </a:ext>
+            </a:extLst>
+          </a:blip>
+          <a:stretch>
+            <a:fillRect/>
+          </a:stretch>
+        </p:blipFill>
+        <p:spPr>
+          <a:xfrm>
+            <a:off x="6431906" y="1935906"/>
+            <a:ext cx="2210603" cy="3736001"/>
+          </a:xfrm>
+          <a:prstGeom prst="rect">
+            <a:avLst/>
+          </a:prstGeom>
+          <a:ln>
+            <a:noFill/>
+          </a:ln>
+          <a:effectLst>
+            <a:outerShdw blurRad="190500" algn="tl" rotWithShape="0">
+              <a:srgbClr val="000000">
+                <a:alpha val="70000"/>
+              </a:srgbClr>
+            </a:outerShdw>
+          </a:effectLst>
+        </p:spPr>
+      </p:pic>
+      <p:sp>
+        <p:nvSpPr>
+          <p:cNvPr id="14" name="Заголовок 1"/>
+          <p:cNvSpPr>
+            <a:spLocks noGrp="1"/>
+          </p:cNvSpPr>
+          <p:nvPr>
+            <p:ph type="title"/>
+          </p:nvPr>
+        </p:nvSpPr>
+        <p:spPr>
+          <a:xfrm>
+            <a:off x="1" y="15461"/>
+            <a:ext cx="2980591" cy="608793"/>
+          </a:xfrm>
+        </p:spPr>
+        <p:txBody>
+          <a:bodyPr>
+            <a:normAutofit/>
+          </a:bodyPr>
+          <a:lstStyle/>
+          <a:p>
+            <a:r>
+              <a:rPr lang="en-US" sz="3200" dirty="0" smtClean="0"/>
+              <a:t>WEB-</a:t>
+            </a:r>
+            <a:r>
+              <a:rPr lang="ru-RU" sz="3200" dirty="0" smtClean="0"/>
+              <a:t>Технологии</a:t>
+            </a:r>
+            <a:endParaRPr lang="ru-RU" sz="3200" dirty="0"/>
+          </a:p>
+        </p:txBody>
+      </p:sp>
     </p:spTree>
     <p:extLst>
       <p:ext uri="{BB962C8B-B14F-4D97-AF65-F5344CB8AC3E}">
-        <p14:creationId xmlns:p14="http://schemas.microsoft.com/office/powerpoint/2010/main" val="2470248345"/>
+        <p14:creationId xmlns:p14="http://schemas.microsoft.com/office/powerpoint/2010/main" val="2940939795"/>
       </p:ext>
     </p:extLst>
   </p:cSld>

--- a/Теория игр.pptx
+++ b/Теория игр.pptx
@@ -214,7 +214,7 @@
           <a:p>
             <a:fld id="{94E1C538-87E4-4DE4-99E6-9B8ECB63D56D}" type="datetimeFigureOut">
               <a:rPr lang="ru-RU" smtClean="0"/>
-              <a:t>30.08.2022</a:t>
+              <a:t>31.08.2022</a:t>
             </a:fld>
             <a:endParaRPr lang="ru-RU"/>
           </a:p>
@@ -934,7 +934,7 @@
           <a:p>
             <a:fld id="{58587613-E176-4450-A606-FD9966C4FF53}" type="datetimeFigureOut">
               <a:rPr lang="ru-RU" smtClean="0"/>
-              <a:t>30.08.2022</a:t>
+              <a:t>31.08.2022</a:t>
             </a:fld>
             <a:endParaRPr lang="ru-RU"/>
           </a:p>
@@ -1124,7 +1124,7 @@
           <a:p>
             <a:fld id="{58587613-E176-4450-A606-FD9966C4FF53}" type="datetimeFigureOut">
               <a:rPr lang="ru-RU" smtClean="0"/>
-              <a:t>30.08.2022</a:t>
+              <a:t>31.08.2022</a:t>
             </a:fld>
             <a:endParaRPr lang="ru-RU"/>
           </a:p>
@@ -1304,7 +1304,7 @@
           <a:p>
             <a:fld id="{58587613-E176-4450-A606-FD9966C4FF53}" type="datetimeFigureOut">
               <a:rPr lang="ru-RU" smtClean="0"/>
-              <a:t>30.08.2022</a:t>
+              <a:t>31.08.2022</a:t>
             </a:fld>
             <a:endParaRPr lang="ru-RU"/>
           </a:p>
@@ -1474,7 +1474,7 @@
           <a:p>
             <a:fld id="{58587613-E176-4450-A606-FD9966C4FF53}" type="datetimeFigureOut">
               <a:rPr lang="ru-RU" smtClean="0"/>
-              <a:t>30.08.2022</a:t>
+              <a:t>31.08.2022</a:t>
             </a:fld>
             <a:endParaRPr lang="ru-RU"/>
           </a:p>
@@ -1730,7 +1730,7 @@
           <a:p>
             <a:fld id="{58587613-E176-4450-A606-FD9966C4FF53}" type="datetimeFigureOut">
               <a:rPr lang="ru-RU" smtClean="0"/>
-              <a:t>30.08.2022</a:t>
+              <a:t>31.08.2022</a:t>
             </a:fld>
             <a:endParaRPr lang="ru-RU"/>
           </a:p>
@@ -2018,7 +2018,7 @@
           <a:p>
             <a:fld id="{58587613-E176-4450-A606-FD9966C4FF53}" type="datetimeFigureOut">
               <a:rPr lang="ru-RU" smtClean="0"/>
-              <a:t>30.08.2022</a:t>
+              <a:t>31.08.2022</a:t>
             </a:fld>
             <a:endParaRPr lang="ru-RU"/>
           </a:p>
@@ -2456,7 +2456,7 @@
           <a:p>
             <a:fld id="{58587613-E176-4450-A606-FD9966C4FF53}" type="datetimeFigureOut">
               <a:rPr lang="ru-RU" smtClean="0"/>
-              <a:t>30.08.2022</a:t>
+              <a:t>31.08.2022</a:t>
             </a:fld>
             <a:endParaRPr lang="ru-RU"/>
           </a:p>
@@ -2574,7 +2574,7 @@
           <a:p>
             <a:fld id="{58587613-E176-4450-A606-FD9966C4FF53}" type="datetimeFigureOut">
               <a:rPr lang="ru-RU" smtClean="0"/>
-              <a:t>30.08.2022</a:t>
+              <a:t>31.08.2022</a:t>
             </a:fld>
             <a:endParaRPr lang="ru-RU"/>
           </a:p>
@@ -2669,7 +2669,7 @@
           <a:p>
             <a:fld id="{58587613-E176-4450-A606-FD9966C4FF53}" type="datetimeFigureOut">
               <a:rPr lang="ru-RU" smtClean="0"/>
-              <a:t>30.08.2022</a:t>
+              <a:t>31.08.2022</a:t>
             </a:fld>
             <a:endParaRPr lang="ru-RU"/>
           </a:p>
@@ -3025,7 +3025,7 @@
           <a:p>
             <a:fld id="{58587613-E176-4450-A606-FD9966C4FF53}" type="datetimeFigureOut">
               <a:rPr lang="ru-RU" smtClean="0"/>
-              <a:t>30.08.2022</a:t>
+              <a:t>31.08.2022</a:t>
             </a:fld>
             <a:endParaRPr lang="ru-RU"/>
           </a:p>
@@ -3341,7 +3341,7 @@
           <a:p>
             <a:fld id="{58587613-E176-4450-A606-FD9966C4FF53}" type="datetimeFigureOut">
               <a:rPr lang="ru-RU" smtClean="0"/>
-              <a:t>30.08.2022</a:t>
+              <a:t>31.08.2022</a:t>
             </a:fld>
             <a:endParaRPr lang="ru-RU"/>
           </a:p>
@@ -3574,7 +3574,7 @@
           <a:p>
             <a:fld id="{58587613-E176-4450-A606-FD9966C4FF53}" type="datetimeFigureOut">
               <a:rPr lang="ru-RU" smtClean="0"/>
-              <a:t>30.08.2022</a:t>
+              <a:t>31.08.2022</a:t>
             </a:fld>
             <a:endParaRPr lang="ru-RU"/>
           </a:p>
@@ -4022,8 +4022,8 @@
         </p:nvSpPr>
         <p:spPr>
           <a:xfrm>
-            <a:off x="603504" y="1543049"/>
-            <a:ext cx="10782300" cy="2580217"/>
+            <a:off x="584337" y="1111899"/>
+            <a:ext cx="10782300" cy="2879482"/>
           </a:xfrm>
         </p:spPr>
         <p:txBody>
@@ -4083,18 +4083,15 @@
         </p:nvSpPr>
         <p:spPr>
           <a:xfrm>
-            <a:off x="603504" y="3688130"/>
-            <a:ext cx="9228201" cy="1645920"/>
+            <a:off x="603504" y="3991381"/>
+            <a:ext cx="9228201" cy="1210784"/>
           </a:xfrm>
         </p:spPr>
         <p:txBody>
           <a:bodyPr>
-            <a:normAutofit lnSpcReduction="10000"/>
+            <a:normAutofit/>
           </a:bodyPr>
           <a:lstStyle/>
-          <a:p>
-            <a:endParaRPr lang="ru-RU" u="sng" dirty="0" smtClean="0"/>
-          </a:p>
           <a:p>
             <a:r>
               <a:rPr lang="ru-RU" u="sng" dirty="0" smtClean="0"/>
@@ -4134,7 +4131,7 @@
         </p:nvSpPr>
         <p:spPr>
           <a:xfrm>
-            <a:off x="5994654" y="6115298"/>
+            <a:off x="5994653" y="6076483"/>
             <a:ext cx="811825" cy="646331"/>
           </a:xfrm>
           <a:prstGeom prst="rect">
@@ -4185,7 +4182,7 @@
         <p:spPr>
           <a:xfrm>
             <a:off x="1196315" y="6099568"/>
-            <a:ext cx="4485066" cy="600164"/>
+            <a:ext cx="4032910" cy="600164"/>
           </a:xfrm>
           <a:prstGeom prst="rect">
             <a:avLst/>
@@ -4249,30 +4246,79 @@
           </a:p>
         </p:txBody>
       </p:sp>
+      <p:sp>
+        <p:nvSpPr>
+          <p:cNvPr id="7" name="TextBox 6"/>
+          <p:cNvSpPr txBox="1"/>
+          <p:nvPr/>
+        </p:nvSpPr>
+        <p:spPr>
+          <a:xfrm>
+            <a:off x="7571908" y="6054136"/>
+            <a:ext cx="3542958" cy="369332"/>
+          </a:xfrm>
+          <a:prstGeom prst="rect">
+            <a:avLst/>
+          </a:prstGeom>
+          <a:noFill/>
+        </p:spPr>
+        <p:txBody>
+          <a:bodyPr wrap="none" rtlCol="0">
+            <a:spAutoFit/>
+          </a:bodyPr>
+          <a:lstStyle/>
+          <a:p>
+            <a:pPr algn="ctr"/>
+            <a:r>
+              <a:rPr lang="ru-RU" dirty="0" smtClean="0">
+                <a:solidFill>
+                  <a:schemeClr val="bg1"/>
+                </a:solidFill>
+              </a:rPr>
+              <a:t>Выполнил</a:t>
+            </a:r>
+            <a:r>
+              <a:rPr lang="en-US" dirty="0" smtClean="0">
+                <a:solidFill>
+                  <a:schemeClr val="bg1"/>
+                </a:solidFill>
+              </a:rPr>
+              <a:t>:	</a:t>
+            </a:r>
+            <a:r>
+              <a:rPr lang="ru-RU" dirty="0" smtClean="0">
+                <a:solidFill>
+                  <a:schemeClr val="bg1"/>
+                </a:solidFill>
+              </a:rPr>
+              <a:t>Петров Владислав 11-В</a:t>
+            </a:r>
+            <a:endParaRPr lang="ru-RU" dirty="0">
+              <a:solidFill>
+                <a:schemeClr val="bg1"/>
+              </a:solidFill>
+            </a:endParaRPr>
+          </a:p>
+        </p:txBody>
+      </p:sp>
       <p:pic>
         <p:nvPicPr>
-          <p:cNvPr id="6" name="Рисунок 5"/>
+          <p:cNvPr id="12" name="Рисунок 11"/>
           <p:cNvPicPr>
             <a:picLocks noChangeAspect="1"/>
           </p:cNvPicPr>
           <p:nvPr/>
         </p:nvPicPr>
         <p:blipFill>
-          <a:blip r:embed="rId3">
-            <a:extLst>
-              <a:ext uri="{28A0092B-C50C-407E-A947-70E740481C1C}">
-                <a14:useLocalDpi xmlns:a14="http://schemas.microsoft.com/office/drawing/2010/main" val="0"/>
-              </a:ext>
-            </a:extLst>
-          </a:blip>
+          <a:blip r:embed="rId3"/>
           <a:stretch>
             <a:fillRect/>
           </a:stretch>
         </p:blipFill>
         <p:spPr>
           <a:xfrm>
-            <a:off x="7433026" y="6194189"/>
-            <a:ext cx="215972" cy="522545"/>
+            <a:off x="5607176" y="6123386"/>
+            <a:ext cx="9526" cy="552527"/>
           </a:xfrm>
           <a:prstGeom prst="rect">
             <a:avLst/>
@@ -4281,14 +4327,14 @@
       </p:pic>
       <p:sp>
         <p:nvSpPr>
-          <p:cNvPr id="7" name="TextBox 6"/>
+          <p:cNvPr id="13" name="TextBox 12"/>
           <p:cNvSpPr txBox="1"/>
           <p:nvPr/>
         </p:nvSpPr>
         <p:spPr>
           <a:xfrm>
-            <a:off x="7541012" y="6270795"/>
-            <a:ext cx="2443298" cy="369332"/>
+            <a:off x="7571908" y="6423468"/>
+            <a:ext cx="3289683" cy="369332"/>
           </a:xfrm>
           <a:prstGeom prst="rect">
             <a:avLst/>
@@ -4308,7 +4354,27 @@
                   <a:schemeClr val="bg1"/>
                 </a:solidFill>
               </a:rPr>
-              <a:t>Петров Владислав 11-В</a:t>
+              <a:t>Руководитель</a:t>
+            </a:r>
+            <a:r>
+              <a:rPr lang="en-US" dirty="0" smtClean="0">
+                <a:solidFill>
+                  <a:schemeClr val="bg1"/>
+                </a:solidFill>
+              </a:rPr>
+              <a:t>:</a:t>
+            </a:r>
+            <a:r>
+              <a:rPr lang="en-US" dirty="0" smtClean="0"/>
+              <a:t> </a:t>
+            </a:r>
+            <a:r>
+              <a:rPr lang="ru-RU" dirty="0" smtClean="0">
+                <a:solidFill>
+                  <a:schemeClr val="bg1"/>
+                </a:solidFill>
+              </a:rPr>
+              <a:t>Сергей Горяинов</a:t>
             </a:r>
             <a:endParaRPr lang="ru-RU" dirty="0">
               <a:solidFill>
@@ -4320,28 +4386,22 @@
       </p:sp>
       <p:pic>
         <p:nvPicPr>
-          <p:cNvPr id="10" name="Рисунок 9"/>
+          <p:cNvPr id="14" name="Рисунок 13"/>
           <p:cNvPicPr>
             <a:picLocks noChangeAspect="1"/>
           </p:cNvPicPr>
           <p:nvPr/>
         </p:nvPicPr>
         <p:blipFill>
-          <a:blip r:embed="rId3">
-            <a:extLst>
-              <a:ext uri="{28A0092B-C50C-407E-A947-70E740481C1C}">
-                <a14:useLocalDpi xmlns:a14="http://schemas.microsoft.com/office/drawing/2010/main" val="0"/>
-              </a:ext>
-            </a:extLst>
-          </a:blip>
+          <a:blip r:embed="rId3"/>
           <a:stretch>
             <a:fillRect/>
           </a:stretch>
         </p:blipFill>
         <p:spPr>
           <a:xfrm>
-            <a:off x="5152135" y="6177190"/>
-            <a:ext cx="215972" cy="522545"/>
+            <a:off x="7184431" y="6147205"/>
+            <a:ext cx="9526" cy="552527"/>
           </a:xfrm>
           <a:prstGeom prst="rect">
             <a:avLst/>
@@ -4703,17 +4763,8 @@
               <a:rPr lang="ru-RU" sz="2900" dirty="0" smtClean="0">
                 <a:latin typeface="+mj-lt"/>
               </a:rPr>
-              <a:t>Для создания меню </a:t>
-            </a:r>
-            <a:r>
-              <a:rPr lang="ru-RU" sz="2900" dirty="0" smtClean="0">
-                <a:latin typeface="+mj-lt"/>
-              </a:rPr>
-              <a:t>сайта был использован Фреймворк* </a:t>
-            </a:r>
-            <a:endParaRPr lang="ru-RU" sz="2900" dirty="0" smtClean="0">
-              <a:latin typeface="+mj-lt"/>
-            </a:endParaRPr>
+              <a:t>Для создания меню сайта был использован Фреймворк* </a:t>
+            </a:r>
           </a:p>
         </p:txBody>
       </p:sp>
@@ -9376,6 +9427,13 @@
   <p:clrMapOvr>
     <a:masterClrMapping/>
   </p:clrMapOvr>
+  <p:timing>
+    <p:tnLst>
+      <p:par>
+        <p:cTn id="1" dur="indefinite" restart="never" nodeType="tmRoot"/>
+      </p:par>
+    </p:tnLst>
+  </p:timing>
 </p:sld>
 </file>
 
@@ -10456,25 +10514,13 @@
               <a:rPr lang="ru-RU" sz="2900" dirty="0" smtClean="0">
                 <a:latin typeface="+mj-lt"/>
               </a:rPr>
-              <a:t>Для отображения веб-страницы и ее контента </a:t>
-            </a:r>
-            <a:r>
-              <a:rPr lang="ru-RU" sz="2900" dirty="0" smtClean="0">
-                <a:latin typeface="+mj-lt"/>
-              </a:rPr>
-              <a:t>был изучен и применен </a:t>
+              <a:t>Для отображения веб-страницы и ее контента был изучен и применен </a:t>
             </a:r>
             <a:r>
               <a:rPr lang="en-US" sz="2900" dirty="0" smtClean="0">
                 <a:latin typeface="+mj-lt"/>
               </a:rPr>
-              <a:t>HTML</a:t>
-            </a:r>
-            <a:r>
-              <a:rPr lang="en-US" sz="2900" dirty="0" smtClean="0">
-                <a:latin typeface="+mj-lt"/>
-              </a:rPr>
-              <a:t>*</a:t>
+              <a:t>HTML*</a:t>
             </a:r>
           </a:p>
           <a:p>
@@ -11363,25 +11409,13 @@
               <a:rPr lang="ru-RU" sz="2700" dirty="0" smtClean="0">
                 <a:latin typeface="+mj-lt"/>
               </a:rPr>
-              <a:t>Для внешнего вида страницы </a:t>
-            </a:r>
-            <a:r>
-              <a:rPr lang="ru-RU" sz="2700" dirty="0" smtClean="0">
-                <a:latin typeface="+mj-lt"/>
-              </a:rPr>
-              <a:t>был применен </a:t>
+              <a:t>Для внешнего вида страницы был применен </a:t>
             </a:r>
             <a:r>
               <a:rPr lang="en-US" sz="2700" dirty="0" smtClean="0">
                 <a:latin typeface="+mj-lt"/>
               </a:rPr>
-              <a:t>CSS</a:t>
-            </a:r>
-            <a:r>
-              <a:rPr lang="en-US" sz="2700" dirty="0" smtClean="0">
-                <a:latin typeface="+mj-lt"/>
-              </a:rPr>
-              <a:t>*</a:t>
+              <a:t>CSS*</a:t>
             </a:r>
             <a:endParaRPr lang="ru-RU" sz="2700" dirty="0" smtClean="0">
               <a:latin typeface="+mj-lt"/>

--- a/Теория игр.pptx
+++ b/Теория игр.pptx
@@ -7687,11 +7687,13 @@
         <p:spPr>
           <a:xfrm>
             <a:off x="495681" y="1658198"/>
-            <a:ext cx="10753725" cy="3766185"/>
+            <a:ext cx="10753725" cy="3968879"/>
           </a:xfrm>
         </p:spPr>
         <p:txBody>
-          <a:bodyPr/>
+          <a:bodyPr>
+            <a:normAutofit fontScale="92500" lnSpcReduction="10000"/>
+          </a:bodyPr>
           <a:lstStyle/>
           <a:p>
             <a:pPr marL="514350" lvl="0" indent="-514350">
@@ -7712,11 +7714,19 @@
             </a:r>
             <a:r>
               <a:rPr lang="ru-RU" sz="2600" dirty="0" smtClean="0"/>
-              <a:t>  </a:t>
+              <a:t> </a:t>
+            </a:r>
+            <a:r>
+              <a:rPr lang="en-US" sz="2600" dirty="0"/>
+              <a:t>–</a:t>
+            </a:r>
+            <a:r>
+              <a:rPr lang="ru-RU" sz="2600" dirty="0" smtClean="0"/>
+              <a:t> </a:t>
             </a:r>
             <a:r>
               <a:rPr lang="ru-RU" sz="2600" dirty="0"/>
-              <a:t>- сайт Константина Полякова.</a:t>
+              <a:t>сайт Константина Полякова.</a:t>
             </a:r>
           </a:p>
           <a:p>
@@ -7741,8 +7751,12 @@
               <a:t> </a:t>
             </a:r>
             <a:r>
+              <a:rPr lang="en-US" sz="2600" dirty="0"/>
+              <a:t>–</a:t>
+            </a:r>
+            <a:r>
               <a:rPr lang="ru-RU" sz="2600" dirty="0" smtClean="0"/>
-              <a:t>- </a:t>
+              <a:t> </a:t>
             </a:r>
             <a:r>
               <a:rPr lang="ru-RU" sz="2600" dirty="0"/>
@@ -7784,16 +7798,16 @@
               <a:t> </a:t>
             </a:r>
             <a:r>
-              <a:rPr lang="en-US" sz="2600" dirty="0" smtClean="0"/>
+              <a:rPr lang="en-US" sz="2600" dirty="0"/>
+              <a:t>–</a:t>
+            </a:r>
+            <a:r>
+              <a:rPr lang="ru-RU" sz="2600" dirty="0" smtClean="0"/>
               <a:t> </a:t>
             </a:r>
             <a:r>
-              <a:rPr lang="en-US" sz="2600" dirty="0"/>
-              <a:t>-</a:t>
-            </a:r>
-            <a:r>
               <a:rPr lang="ru-RU" sz="2600" dirty="0"/>
-              <a:t> Ресурс для изучения </a:t>
+              <a:t>Ресурс для изучения </a:t>
             </a:r>
             <a:r>
               <a:rPr lang="en-US" sz="2600" dirty="0"/>
@@ -7834,11 +7848,11 @@
               <a:t> </a:t>
             </a:r>
             <a:r>
-              <a:rPr lang="en-US" sz="2600" dirty="0"/>
-              <a:t>- </a:t>
-            </a:r>
-            <a:r>
-              <a:rPr lang="ru-RU" sz="2600" dirty="0"/>
+              <a:rPr lang="en-US" sz="2600" dirty="0" smtClean="0"/>
+              <a:t>– </a:t>
+            </a:r>
+            <a:r>
+              <a:rPr lang="ru-RU" sz="2600" dirty="0" smtClean="0"/>
               <a:t>Фреймворк </a:t>
             </a:r>
             <a:r>
@@ -7869,16 +7883,24 @@
               <a:t> </a:t>
             </a:r>
             <a:r>
+              <a:rPr lang="en-US" sz="2600" dirty="0"/>
+              <a:t>– </a:t>
+            </a:r>
+            <a:r>
+              <a:rPr lang="ru-RU" sz="2600" dirty="0" smtClean="0"/>
+              <a:t>Современный</a:t>
+            </a:r>
+            <a:r>
               <a:rPr lang="en-US" sz="2600" dirty="0" smtClean="0"/>
               <a:t> </a:t>
             </a:r>
             <a:r>
-              <a:rPr lang="en-US" sz="2600" dirty="0"/>
-              <a:t>-</a:t>
+              <a:rPr lang="ru-RU" sz="2600" dirty="0" smtClean="0"/>
+              <a:t> </a:t>
             </a:r>
             <a:r>
               <a:rPr lang="ru-RU" sz="2600" dirty="0"/>
-              <a:t> Современный учебник </a:t>
+              <a:t>учебник </a:t>
             </a:r>
             <a:r>
               <a:rPr lang="en-US" sz="2600" dirty="0"/>
@@ -7908,7 +7930,11 @@
             </a:r>
             <a:r>
               <a:rPr lang="en-US" sz="2600" dirty="0" smtClean="0"/>
-              <a:t>- </a:t>
+              <a:t>–</a:t>
+            </a:r>
+            <a:r>
+              <a:rPr lang="en-US" sz="2600" dirty="0" smtClean="0"/>
+              <a:t> </a:t>
             </a:r>
             <a:r>
               <a:rPr lang="ru-RU" sz="2600" dirty="0" smtClean="0"/>
@@ -7932,17 +7958,78 @@
               <a:rPr lang="en-US" sz="2600" dirty="0">
                 <a:hlinkClick r:id="rId8"/>
               </a:rPr>
-              <a:t>https://fipi.ru</a:t>
+              <a:t>https://</a:t>
             </a:r>
             <a:r>
               <a:rPr lang="en-US" sz="2600" dirty="0" smtClean="0">
                 <a:hlinkClick r:id="rId8"/>
               </a:rPr>
-              <a:t>/</a:t>
+              <a:t>ege.sdamgia.ru</a:t>
+            </a:r>
+            <a:r>
+              <a:rPr lang="ru-RU" sz="2600" dirty="0"/>
+              <a:t> </a:t>
             </a:r>
             <a:r>
               <a:rPr lang="ru-RU" sz="2600" dirty="0" smtClean="0"/>
-              <a:t> - ФИПИ. Статистика решения </a:t>
+              <a:t>– РешуЕГЭ</a:t>
+            </a:r>
+          </a:p>
+          <a:p>
+            <a:pPr marL="514350" lvl="0" indent="-514350">
+              <a:buFont typeface="+mj-lt"/>
+              <a:buAutoNum type="arabicPeriod"/>
+            </a:pPr>
+            <a:r>
+              <a:rPr lang="en-US" sz="2600" dirty="0">
+                <a:hlinkClick r:id="rId9"/>
+              </a:rPr>
+              <a:t>https://</a:t>
+            </a:r>
+            <a:r>
+              <a:rPr lang="en-US" sz="2600" dirty="0" smtClean="0">
+                <a:hlinkClick r:id="rId9"/>
+              </a:rPr>
+              <a:t>welcome.stepik.org/ru</a:t>
+            </a:r>
+            <a:r>
+              <a:rPr lang="en-US" sz="2600" dirty="0" smtClean="0"/>
+              <a:t> – Stepik </a:t>
+            </a:r>
+            <a:endParaRPr lang="ru-RU" sz="2600" dirty="0" smtClean="0"/>
+          </a:p>
+          <a:p>
+            <a:pPr marL="514350" lvl="0" indent="-514350">
+              <a:buFont typeface="+mj-lt"/>
+              <a:buAutoNum type="arabicPeriod"/>
+            </a:pPr>
+            <a:r>
+              <a:rPr lang="en-US" sz="2600" dirty="0">
+                <a:hlinkClick r:id="rId10"/>
+              </a:rPr>
+              <a:t>https://</a:t>
+            </a:r>
+            <a:r>
+              <a:rPr lang="en-US" sz="2600" dirty="0" smtClean="0">
+                <a:hlinkClick r:id="rId10"/>
+              </a:rPr>
+              <a:t>fipi.ru</a:t>
+            </a:r>
+            <a:r>
+              <a:rPr lang="ru-RU" sz="2600" dirty="0"/>
+              <a:t> </a:t>
+            </a:r>
+            <a:r>
+              <a:rPr lang="en-US" sz="2600" dirty="0"/>
+              <a:t>–</a:t>
+            </a:r>
+            <a:r>
+              <a:rPr lang="ru-RU" sz="2600" dirty="0" smtClean="0"/>
+              <a:t> </a:t>
+            </a:r>
+            <a:r>
+              <a:rPr lang="ru-RU" sz="2600" dirty="0" smtClean="0"/>
+              <a:t>ФИПИ. Статистика решения </a:t>
             </a:r>
             <a:endParaRPr lang="ru-RU" sz="2600" dirty="0"/>
           </a:p>

--- a/Теория игр.pptx
+++ b/Теория игр.pptx
@@ -25,7 +25,7 @@
     <p:sldId id="266" r:id="rId16"/>
     <p:sldId id="267" r:id="rId17"/>
     <p:sldId id="268" r:id="rId18"/>
-    <p:sldId id="269" r:id="rId19"/>
+    <p:sldId id="276" r:id="rId19"/>
   </p:sldIdLst>
   <p:sldSz cx="12192000" cy="6858000"/>
   <p:notesSz cx="6858000" cy="9144000"/>
@@ -724,7 +724,7 @@
     </p:spTree>
     <p:extLst>
       <p:ext uri="{BB962C8B-B14F-4D97-AF65-F5344CB8AC3E}">
-        <p14:creationId xmlns:p14="http://schemas.microsoft.com/office/powerpoint/2010/main" val="3325073270"/>
+        <p14:creationId xmlns:p14="http://schemas.microsoft.com/office/powerpoint/2010/main" val="867188680"/>
       </p:ext>
     </p:extLst>
   </p:cSld>
@@ -6830,7 +6830,7 @@
         </p:blipFill>
         <p:spPr>
           <a:xfrm>
-            <a:off x="6077008" y="1188333"/>
+            <a:off x="6068216" y="1067474"/>
             <a:ext cx="5966296" cy="4976284"/>
           </a:xfrm>
           <a:prstGeom prst="rect">
@@ -7845,11 +7845,7 @@
             </a:r>
             <a:r>
               <a:rPr lang="en-US" sz="2600" dirty="0" smtClean="0"/>
-              <a:t> </a:t>
-            </a:r>
-            <a:r>
-              <a:rPr lang="en-US" sz="2600" dirty="0" smtClean="0"/>
-              <a:t>– </a:t>
+              <a:t> – </a:t>
             </a:r>
             <a:r>
               <a:rPr lang="ru-RU" sz="2600" dirty="0" smtClean="0"/>
@@ -7930,11 +7926,7 @@
             </a:r>
             <a:r>
               <a:rPr lang="en-US" sz="2600" dirty="0" smtClean="0"/>
-              <a:t>–</a:t>
-            </a:r>
-            <a:r>
-              <a:rPr lang="en-US" sz="2600" dirty="0" smtClean="0"/>
-              <a:t> </a:t>
+              <a:t>– </a:t>
             </a:r>
             <a:r>
               <a:rPr lang="ru-RU" sz="2600" dirty="0" smtClean="0"/>
@@ -8025,11 +8017,7 @@
             </a:r>
             <a:r>
               <a:rPr lang="ru-RU" sz="2600" dirty="0" smtClean="0"/>
-              <a:t> </a:t>
-            </a:r>
-            <a:r>
-              <a:rPr lang="ru-RU" sz="2600" dirty="0" smtClean="0"/>
-              <a:t>ФИПИ. Статистика решения </a:t>
+              <a:t> ФИПИ. Статистика решения </a:t>
             </a:r>
             <a:endParaRPr lang="ru-RU" sz="2600" dirty="0"/>
           </a:p>
@@ -8084,8 +8072,8 @@
         </p:nvSpPr>
         <p:spPr>
           <a:xfrm>
-            <a:off x="603504" y="1543049"/>
-            <a:ext cx="10782300" cy="2580217"/>
+            <a:off x="584337" y="1111899"/>
+            <a:ext cx="10782300" cy="2879482"/>
           </a:xfrm>
         </p:spPr>
         <p:txBody>
@@ -8145,18 +8133,15 @@
         </p:nvSpPr>
         <p:spPr>
           <a:xfrm>
-            <a:off x="603504" y="3688130"/>
-            <a:ext cx="9228201" cy="1645920"/>
+            <a:off x="603504" y="3991381"/>
+            <a:ext cx="9228201" cy="1210784"/>
           </a:xfrm>
         </p:spPr>
         <p:txBody>
           <a:bodyPr>
-            <a:normAutofit lnSpcReduction="10000"/>
+            <a:normAutofit/>
           </a:bodyPr>
           <a:lstStyle/>
-          <a:p>
-            <a:endParaRPr lang="ru-RU" u="sng" dirty="0" smtClean="0"/>
-          </a:p>
           <a:p>
             <a:r>
               <a:rPr lang="ru-RU" u="sng" dirty="0" smtClean="0"/>
@@ -8196,7 +8181,7 @@
         </p:nvSpPr>
         <p:spPr>
           <a:xfrm>
-            <a:off x="5994654" y="6115298"/>
+            <a:off x="5994653" y="6076483"/>
             <a:ext cx="811825" cy="646331"/>
           </a:xfrm>
           <a:prstGeom prst="rect">
@@ -8246,8 +8231,8 @@
         </p:nvSpPr>
         <p:spPr>
           <a:xfrm>
-            <a:off x="1151865" y="6096881"/>
-            <a:ext cx="4485066" cy="600164"/>
+            <a:off x="1196315" y="6099568"/>
+            <a:ext cx="4032910" cy="600164"/>
           </a:xfrm>
           <a:prstGeom prst="rect">
             <a:avLst/>
@@ -8311,30 +8296,79 @@
           </a:p>
         </p:txBody>
       </p:sp>
+      <p:sp>
+        <p:nvSpPr>
+          <p:cNvPr id="7" name="TextBox 6"/>
+          <p:cNvSpPr txBox="1"/>
+          <p:nvPr/>
+        </p:nvSpPr>
+        <p:spPr>
+          <a:xfrm>
+            <a:off x="7571908" y="6054136"/>
+            <a:ext cx="3542958" cy="369332"/>
+          </a:xfrm>
+          <a:prstGeom prst="rect">
+            <a:avLst/>
+          </a:prstGeom>
+          <a:noFill/>
+        </p:spPr>
+        <p:txBody>
+          <a:bodyPr wrap="none" rtlCol="0">
+            <a:spAutoFit/>
+          </a:bodyPr>
+          <a:lstStyle/>
+          <a:p>
+            <a:pPr algn="ctr"/>
+            <a:r>
+              <a:rPr lang="ru-RU" dirty="0" smtClean="0">
+                <a:solidFill>
+                  <a:schemeClr val="bg1"/>
+                </a:solidFill>
+              </a:rPr>
+              <a:t>Выполнил</a:t>
+            </a:r>
+            <a:r>
+              <a:rPr lang="en-US" dirty="0" smtClean="0">
+                <a:solidFill>
+                  <a:schemeClr val="bg1"/>
+                </a:solidFill>
+              </a:rPr>
+              <a:t>:	</a:t>
+            </a:r>
+            <a:r>
+              <a:rPr lang="ru-RU" dirty="0" smtClean="0">
+                <a:solidFill>
+                  <a:schemeClr val="bg1"/>
+                </a:solidFill>
+              </a:rPr>
+              <a:t>Петров Владислав 11-В</a:t>
+            </a:r>
+            <a:endParaRPr lang="ru-RU" dirty="0">
+              <a:solidFill>
+                <a:schemeClr val="bg1"/>
+              </a:solidFill>
+            </a:endParaRPr>
+          </a:p>
+        </p:txBody>
+      </p:sp>
       <p:pic>
         <p:nvPicPr>
-          <p:cNvPr id="6" name="Рисунок 5"/>
+          <p:cNvPr id="12" name="Рисунок 11"/>
           <p:cNvPicPr>
             <a:picLocks noChangeAspect="1"/>
           </p:cNvPicPr>
           <p:nvPr/>
         </p:nvPicPr>
         <p:blipFill>
-          <a:blip r:embed="rId3">
-            <a:extLst>
-              <a:ext uri="{28A0092B-C50C-407E-A947-70E740481C1C}">
-                <a14:useLocalDpi xmlns:a14="http://schemas.microsoft.com/office/drawing/2010/main" val="0"/>
-              </a:ext>
-            </a:extLst>
-          </a:blip>
+          <a:blip r:embed="rId3"/>
           <a:stretch>
             <a:fillRect/>
           </a:stretch>
         </p:blipFill>
         <p:spPr>
           <a:xfrm>
-            <a:off x="7433026" y="6194189"/>
-            <a:ext cx="215972" cy="522545"/>
+            <a:off x="5607176" y="6123386"/>
+            <a:ext cx="9526" cy="552527"/>
           </a:xfrm>
           <a:prstGeom prst="rect">
             <a:avLst/>
@@ -8343,14 +8377,14 @@
       </p:pic>
       <p:sp>
         <p:nvSpPr>
-          <p:cNvPr id="7" name="TextBox 6"/>
+          <p:cNvPr id="13" name="TextBox 12"/>
           <p:cNvSpPr txBox="1"/>
           <p:nvPr/>
         </p:nvSpPr>
         <p:spPr>
           <a:xfrm>
-            <a:off x="7604512" y="6270795"/>
-            <a:ext cx="2443298" cy="369332"/>
+            <a:off x="7571908" y="6423468"/>
+            <a:ext cx="3289683" cy="369332"/>
           </a:xfrm>
           <a:prstGeom prst="rect">
             <a:avLst/>
@@ -8370,7 +8404,27 @@
                   <a:schemeClr val="bg1"/>
                 </a:solidFill>
               </a:rPr>
-              <a:t>Петров Владислав 11-В</a:t>
+              <a:t>Руководитель</a:t>
+            </a:r>
+            <a:r>
+              <a:rPr lang="en-US" dirty="0" smtClean="0">
+                <a:solidFill>
+                  <a:schemeClr val="bg1"/>
+                </a:solidFill>
+              </a:rPr>
+              <a:t>:</a:t>
+            </a:r>
+            <a:r>
+              <a:rPr lang="en-US" dirty="0" smtClean="0"/>
+              <a:t> </a:t>
+            </a:r>
+            <a:r>
+              <a:rPr lang="ru-RU" dirty="0" smtClean="0">
+                <a:solidFill>
+                  <a:schemeClr val="bg1"/>
+                </a:solidFill>
+              </a:rPr>
+              <a:t>Сергей Горяинов</a:t>
             </a:r>
             <a:endParaRPr lang="ru-RU" dirty="0">
               <a:solidFill>
@@ -8382,28 +8436,22 @@
       </p:sp>
       <p:pic>
         <p:nvPicPr>
-          <p:cNvPr id="10" name="Рисунок 9"/>
+          <p:cNvPr id="14" name="Рисунок 13"/>
           <p:cNvPicPr>
             <a:picLocks noChangeAspect="1"/>
           </p:cNvPicPr>
           <p:nvPr/>
         </p:nvPicPr>
         <p:blipFill>
-          <a:blip r:embed="rId3">
-            <a:extLst>
-              <a:ext uri="{28A0092B-C50C-407E-A947-70E740481C1C}">
-                <a14:useLocalDpi xmlns:a14="http://schemas.microsoft.com/office/drawing/2010/main" val="0"/>
-              </a:ext>
-            </a:extLst>
-          </a:blip>
+          <a:blip r:embed="rId3"/>
           <a:stretch>
             <a:fillRect/>
           </a:stretch>
         </p:blipFill>
         <p:spPr>
           <a:xfrm>
-            <a:off x="5152135" y="6177190"/>
-            <a:ext cx="215972" cy="522545"/>
+            <a:off x="7184431" y="6147205"/>
+            <a:ext cx="9526" cy="552527"/>
           </a:xfrm>
           <a:prstGeom prst="rect">
             <a:avLst/>
@@ -8413,13 +8461,21 @@
     </p:spTree>
     <p:extLst>
       <p:ext uri="{BB962C8B-B14F-4D97-AF65-F5344CB8AC3E}">
-        <p14:creationId xmlns:p14="http://schemas.microsoft.com/office/powerpoint/2010/main" val="778364718"/>
+        <p14:creationId xmlns:p14="http://schemas.microsoft.com/office/powerpoint/2010/main" val="1823297403"/>
       </p:ext>
     </p:extLst>
   </p:cSld>
   <p:clrMapOvr>
     <a:masterClrMapping/>
   </p:clrMapOvr>
+  <mc:AlternateContent xmlns:mc="http://schemas.openxmlformats.org/markup-compatibility/2006" xmlns:p14="http://schemas.microsoft.com/office/powerpoint/2010/main">
+    <mc:Choice Requires="p14">
+      <p:transition p14:dur="0"/>
+    </mc:Choice>
+    <mc:Fallback xmlns="">
+      <p:transition/>
+    </mc:Fallback>
+  </mc:AlternateContent>
   <p:timing>
     <p:tnLst>
       <p:par>
